--- a/communication_theory/MID2/MID2_大抄.pptx
+++ b/communication_theory/MID2/MID2_大抄.pptx
@@ -7,6 +7,10 @@
   <p:sldIdLst>
     <p:sldId id="256" r:id="rId2"/>
     <p:sldId id="257" r:id="rId3"/>
+    <p:sldId id="258" r:id="rId4"/>
+    <p:sldId id="259" r:id="rId5"/>
+    <p:sldId id="260" r:id="rId6"/>
+    <p:sldId id="261" r:id="rId7"/>
   </p:sldIdLst>
   <p:sldSz cx="12192000" cy="6858000"/>
   <p:notesSz cx="6858000" cy="9144000"/>
@@ -105,6 +109,11 @@
       </a:defRPr>
     </a:lvl9pPr>
   </p:defaultTextStyle>
+  <p:extLst>
+    <p:ext uri="{EFAFB233-063F-42B5-8137-9DF3F51BA10A}">
+      <p15:sldGuideLst xmlns:p15="http://schemas.microsoft.com/office/powerpoint/2012/main"/>
+    </p:ext>
+  </p:extLst>
 </p:presentation>
 </file>
 
@@ -239,7 +248,7 @@
           <a:p>
             <a:fld id="{61BE9B31-49AB-4142-B615-C6C9556D9E2B}" type="datetimeFigureOut">
               <a:rPr lang="zh-TW" altLang="en-US" smtClean="0"/>
-              <a:t>2019/12/3</a:t>
+              <a:t>2019/12/9</a:t>
             </a:fld>
             <a:endParaRPr lang="zh-TW" altLang="en-US"/>
           </a:p>
@@ -409,7 +418,7 @@
           <a:p>
             <a:fld id="{61BE9B31-49AB-4142-B615-C6C9556D9E2B}" type="datetimeFigureOut">
               <a:rPr lang="zh-TW" altLang="en-US" smtClean="0"/>
-              <a:t>2019/12/3</a:t>
+              <a:t>2019/12/9</a:t>
             </a:fld>
             <a:endParaRPr lang="zh-TW" altLang="en-US"/>
           </a:p>
@@ -589,7 +598,7 @@
           <a:p>
             <a:fld id="{61BE9B31-49AB-4142-B615-C6C9556D9E2B}" type="datetimeFigureOut">
               <a:rPr lang="zh-TW" altLang="en-US" smtClean="0"/>
-              <a:t>2019/12/3</a:t>
+              <a:t>2019/12/9</a:t>
             </a:fld>
             <a:endParaRPr lang="zh-TW" altLang="en-US"/>
           </a:p>
@@ -759,7 +768,7 @@
           <a:p>
             <a:fld id="{61BE9B31-49AB-4142-B615-C6C9556D9E2B}" type="datetimeFigureOut">
               <a:rPr lang="zh-TW" altLang="en-US" smtClean="0"/>
-              <a:t>2019/12/3</a:t>
+              <a:t>2019/12/9</a:t>
             </a:fld>
             <a:endParaRPr lang="zh-TW" altLang="en-US"/>
           </a:p>
@@ -1005,7 +1014,7 @@
           <a:p>
             <a:fld id="{61BE9B31-49AB-4142-B615-C6C9556D9E2B}" type="datetimeFigureOut">
               <a:rPr lang="zh-TW" altLang="en-US" smtClean="0"/>
-              <a:t>2019/12/3</a:t>
+              <a:t>2019/12/9</a:t>
             </a:fld>
             <a:endParaRPr lang="zh-TW" altLang="en-US"/>
           </a:p>
@@ -1237,7 +1246,7 @@
           <a:p>
             <a:fld id="{61BE9B31-49AB-4142-B615-C6C9556D9E2B}" type="datetimeFigureOut">
               <a:rPr lang="zh-TW" altLang="en-US" smtClean="0"/>
-              <a:t>2019/12/3</a:t>
+              <a:t>2019/12/9</a:t>
             </a:fld>
             <a:endParaRPr lang="zh-TW" altLang="en-US"/>
           </a:p>
@@ -1604,7 +1613,7 @@
           <a:p>
             <a:fld id="{61BE9B31-49AB-4142-B615-C6C9556D9E2B}" type="datetimeFigureOut">
               <a:rPr lang="zh-TW" altLang="en-US" smtClean="0"/>
-              <a:t>2019/12/3</a:t>
+              <a:t>2019/12/9</a:t>
             </a:fld>
             <a:endParaRPr lang="zh-TW" altLang="en-US"/>
           </a:p>
@@ -1722,7 +1731,7 @@
           <a:p>
             <a:fld id="{61BE9B31-49AB-4142-B615-C6C9556D9E2B}" type="datetimeFigureOut">
               <a:rPr lang="zh-TW" altLang="en-US" smtClean="0"/>
-              <a:t>2019/12/3</a:t>
+              <a:t>2019/12/9</a:t>
             </a:fld>
             <a:endParaRPr lang="zh-TW" altLang="en-US"/>
           </a:p>
@@ -1817,7 +1826,7 @@
           <a:p>
             <a:fld id="{61BE9B31-49AB-4142-B615-C6C9556D9E2B}" type="datetimeFigureOut">
               <a:rPr lang="zh-TW" altLang="en-US" smtClean="0"/>
-              <a:t>2019/12/3</a:t>
+              <a:t>2019/12/9</a:t>
             </a:fld>
             <a:endParaRPr lang="zh-TW" altLang="en-US"/>
           </a:p>
@@ -2094,7 +2103,7 @@
           <a:p>
             <a:fld id="{61BE9B31-49AB-4142-B615-C6C9556D9E2B}" type="datetimeFigureOut">
               <a:rPr lang="zh-TW" altLang="en-US" smtClean="0"/>
-              <a:t>2019/12/3</a:t>
+              <a:t>2019/12/9</a:t>
             </a:fld>
             <a:endParaRPr lang="zh-TW" altLang="en-US"/>
           </a:p>
@@ -2347,7 +2356,7 @@
           <a:p>
             <a:fld id="{61BE9B31-49AB-4142-B615-C6C9556D9E2B}" type="datetimeFigureOut">
               <a:rPr lang="zh-TW" altLang="en-US" smtClean="0"/>
-              <a:t>2019/12/3</a:t>
+              <a:t>2019/12/9</a:t>
             </a:fld>
             <a:endParaRPr lang="zh-TW" altLang="en-US"/>
           </a:p>
@@ -2560,7 +2569,7 @@
           <a:p>
             <a:fld id="{61BE9B31-49AB-4142-B615-C6C9556D9E2B}" type="datetimeFigureOut">
               <a:rPr lang="zh-TW" altLang="en-US" smtClean="0"/>
-              <a:t>2019/12/3</a:t>
+              <a:t>2019/12/9</a:t>
             </a:fld>
             <a:endParaRPr lang="zh-TW" altLang="en-US"/>
           </a:p>
@@ -2976,7 +2985,7 @@
             <p:spPr>
               <a:xfrm>
                 <a:off x="0" y="0"/>
-                <a:ext cx="4162678" cy="369332"/>
+                <a:ext cx="4168934" cy="369332"/>
               </a:xfrm>
               <a:prstGeom prst="rect">
                 <a:avLst/>
@@ -2984,7 +2993,7 @@
               <a:noFill/>
             </p:spPr>
             <p:txBody>
-              <a:bodyPr wrap="none" rtlCol="0">
+              <a:bodyPr wrap="square" rtlCol="0">
                 <a:spAutoFit/>
               </a:bodyPr>
               <a:lstStyle/>
@@ -3187,7 +3196,7 @@
             <p:spPr>
               <a:xfrm>
                 <a:off x="0" y="0"/>
-                <a:ext cx="4162678" cy="369332"/>
+                <a:ext cx="4168934" cy="369332"/>
               </a:xfrm>
               <a:prstGeom prst="rect">
                 <a:avLst/>
@@ -3195,7 +3204,7 @@
               <a:blipFill>
                 <a:blip r:embed="rId2"/>
                 <a:stretch>
-                  <a:fillRect l="-1171" t="-8197" b="-24590"/>
+                  <a:fillRect l="-1170" t="-8197" b="-24590"/>
                 </a:stretch>
               </a:blipFill>
             </p:spPr>
@@ -3938,10 +3947,3815 @@
           <a:chExt cx="0" cy="0"/>
         </a:xfrm>
       </p:grpSpPr>
+      <p:pic>
+        <p:nvPicPr>
+          <p:cNvPr id="2" name="圖片 1"/>
+          <p:cNvPicPr>
+            <a:picLocks noChangeAspect="1"/>
+          </p:cNvPicPr>
+          <p:nvPr/>
+        </p:nvPicPr>
+        <p:blipFill>
+          <a:blip r:embed="rId2"/>
+          <a:stretch>
+            <a:fillRect/>
+          </a:stretch>
+        </p:blipFill>
+        <p:spPr>
+          <a:xfrm>
+            <a:off x="85453" y="74704"/>
+            <a:ext cx="7166861" cy="1214166"/>
+          </a:xfrm>
+          <a:prstGeom prst="rect">
+            <a:avLst/>
+          </a:prstGeom>
+        </p:spPr>
+      </p:pic>
+      <p:pic>
+        <p:nvPicPr>
+          <p:cNvPr id="3" name="圖片 2"/>
+          <p:cNvPicPr>
+            <a:picLocks noChangeAspect="1"/>
+          </p:cNvPicPr>
+          <p:nvPr/>
+        </p:nvPicPr>
+        <p:blipFill>
+          <a:blip r:embed="rId3"/>
+          <a:stretch>
+            <a:fillRect/>
+          </a:stretch>
+        </p:blipFill>
+        <p:spPr>
+          <a:xfrm>
+            <a:off x="666061" y="1365205"/>
+            <a:ext cx="6516540" cy="2390039"/>
+          </a:xfrm>
+          <a:prstGeom prst="rect">
+            <a:avLst/>
+          </a:prstGeom>
+        </p:spPr>
+      </p:pic>
+      <p:sp>
+        <p:nvSpPr>
+          <p:cNvPr id="4" name="文字方塊 3"/>
+          <p:cNvSpPr txBox="1"/>
+          <p:nvPr/>
+        </p:nvSpPr>
+        <p:spPr>
+          <a:xfrm>
+            <a:off x="85453" y="1365205"/>
+            <a:ext cx="580608" cy="276999"/>
+          </a:xfrm>
+          <a:prstGeom prst="rect">
+            <a:avLst/>
+          </a:prstGeom>
+          <a:noFill/>
+        </p:spPr>
+        <p:txBody>
+          <a:bodyPr wrap="none" rtlCol="0">
+            <a:spAutoFit/>
+          </a:bodyPr>
+          <a:lstStyle/>
+          <a:p>
+            <a:r>
+              <a:rPr lang="en-US" altLang="zh-TW" sz="1200" b="1" dirty="0" smtClean="0">
+                <a:solidFill>
+                  <a:srgbClr val="FF0000"/>
+                </a:solidFill>
+              </a:rPr>
+              <a:t>&lt;SOL&gt;</a:t>
+            </a:r>
+            <a:endParaRPr lang="zh-TW" altLang="en-US" b="1" dirty="0">
+              <a:solidFill>
+                <a:srgbClr val="FF0000"/>
+              </a:solidFill>
+            </a:endParaRPr>
+          </a:p>
+        </p:txBody>
+      </p:sp>
+      <p:pic>
+        <p:nvPicPr>
+          <p:cNvPr id="5" name="圖片 4"/>
+          <p:cNvPicPr>
+            <a:picLocks noChangeAspect="1"/>
+          </p:cNvPicPr>
+          <p:nvPr/>
+        </p:nvPicPr>
+        <p:blipFill>
+          <a:blip r:embed="rId4"/>
+          <a:stretch>
+            <a:fillRect/>
+          </a:stretch>
+        </p:blipFill>
+        <p:spPr>
+          <a:xfrm>
+            <a:off x="85453" y="3805802"/>
+            <a:ext cx="5505450" cy="1005961"/>
+          </a:xfrm>
+          <a:prstGeom prst="rect">
+            <a:avLst/>
+          </a:prstGeom>
+        </p:spPr>
+      </p:pic>
+      <p:pic>
+        <p:nvPicPr>
+          <p:cNvPr id="6" name="圖片 5"/>
+          <p:cNvPicPr>
+            <a:picLocks noChangeAspect="1"/>
+          </p:cNvPicPr>
+          <p:nvPr/>
+        </p:nvPicPr>
+        <p:blipFill>
+          <a:blip r:embed="rId5"/>
+          <a:stretch>
+            <a:fillRect/>
+          </a:stretch>
+        </p:blipFill>
+        <p:spPr>
+          <a:xfrm>
+            <a:off x="480259" y="4800998"/>
+            <a:ext cx="3725981" cy="2057002"/>
+          </a:xfrm>
+          <a:prstGeom prst="rect">
+            <a:avLst/>
+          </a:prstGeom>
+        </p:spPr>
+      </p:pic>
+      <p:sp>
+        <p:nvSpPr>
+          <p:cNvPr id="7" name="文字方塊 6"/>
+          <p:cNvSpPr txBox="1"/>
+          <p:nvPr/>
+        </p:nvSpPr>
+        <p:spPr>
+          <a:xfrm>
+            <a:off x="-7448" y="4917275"/>
+            <a:ext cx="513282" cy="276999"/>
+          </a:xfrm>
+          <a:prstGeom prst="rect">
+            <a:avLst/>
+          </a:prstGeom>
+          <a:noFill/>
+        </p:spPr>
+        <p:txBody>
+          <a:bodyPr wrap="none" rtlCol="0">
+            <a:spAutoFit/>
+          </a:bodyPr>
+          <a:lstStyle/>
+          <a:p>
+            <a:r>
+              <a:rPr lang="en-US" altLang="zh-TW" sz="1200" b="1" dirty="0" smtClean="0">
+                <a:solidFill>
+                  <a:srgbClr val="FF0000"/>
+                </a:solidFill>
+              </a:rPr>
+              <a:t>&lt;(1)&gt;</a:t>
+            </a:r>
+            <a:endParaRPr lang="zh-TW" altLang="en-US" b="1" dirty="0">
+              <a:solidFill>
+                <a:srgbClr val="FF0000"/>
+              </a:solidFill>
+            </a:endParaRPr>
+          </a:p>
+        </p:txBody>
+      </p:sp>
+      <p:pic>
+        <p:nvPicPr>
+          <p:cNvPr id="8" name="圖片 7"/>
+          <p:cNvPicPr>
+            <a:picLocks noChangeAspect="1"/>
+          </p:cNvPicPr>
+          <p:nvPr/>
+        </p:nvPicPr>
+        <p:blipFill>
+          <a:blip r:embed="rId6"/>
+          <a:stretch>
+            <a:fillRect/>
+          </a:stretch>
+        </p:blipFill>
+        <p:spPr>
+          <a:xfrm>
+            <a:off x="7648983" y="144374"/>
+            <a:ext cx="4448624" cy="705966"/>
+          </a:xfrm>
+          <a:prstGeom prst="rect">
+            <a:avLst/>
+          </a:prstGeom>
+        </p:spPr>
+      </p:pic>
+      <p:pic>
+        <p:nvPicPr>
+          <p:cNvPr id="9" name="圖片 8"/>
+          <p:cNvPicPr>
+            <a:picLocks noChangeAspect="1"/>
+          </p:cNvPicPr>
+          <p:nvPr/>
+        </p:nvPicPr>
+        <p:blipFill>
+          <a:blip r:embed="rId7"/>
+          <a:stretch>
+            <a:fillRect/>
+          </a:stretch>
+        </p:blipFill>
+        <p:spPr>
+          <a:xfrm>
+            <a:off x="7648983" y="914355"/>
+            <a:ext cx="3477986" cy="450850"/>
+          </a:xfrm>
+          <a:prstGeom prst="rect">
+            <a:avLst/>
+          </a:prstGeom>
+        </p:spPr>
+      </p:pic>
+      <p:pic>
+        <p:nvPicPr>
+          <p:cNvPr id="10" name="圖片 9"/>
+          <p:cNvPicPr>
+            <a:picLocks noChangeAspect="1"/>
+          </p:cNvPicPr>
+          <p:nvPr/>
+        </p:nvPicPr>
+        <p:blipFill>
+          <a:blip r:embed="rId8"/>
+          <a:stretch>
+            <a:fillRect/>
+          </a:stretch>
+        </p:blipFill>
+        <p:spPr>
+          <a:xfrm>
+            <a:off x="7648983" y="1389011"/>
+            <a:ext cx="3132228" cy="483612"/>
+          </a:xfrm>
+          <a:prstGeom prst="rect">
+            <a:avLst/>
+          </a:prstGeom>
+        </p:spPr>
+      </p:pic>
+      <p:sp>
+        <p:nvSpPr>
+          <p:cNvPr id="12" name="文字方塊 11"/>
+          <p:cNvSpPr txBox="1"/>
+          <p:nvPr/>
+        </p:nvSpPr>
+        <p:spPr>
+          <a:xfrm>
+            <a:off x="7244893" y="5873"/>
+            <a:ext cx="513282" cy="276999"/>
+          </a:xfrm>
+          <a:prstGeom prst="rect">
+            <a:avLst/>
+          </a:prstGeom>
+          <a:noFill/>
+        </p:spPr>
+        <p:txBody>
+          <a:bodyPr wrap="none" rtlCol="0">
+            <a:spAutoFit/>
+          </a:bodyPr>
+          <a:lstStyle/>
+          <a:p>
+            <a:r>
+              <a:rPr lang="en-US" altLang="zh-TW" sz="1200" b="1" dirty="0" smtClean="0">
+                <a:solidFill>
+                  <a:srgbClr val="FF0000"/>
+                </a:solidFill>
+              </a:rPr>
+              <a:t>&lt;(2)&gt;</a:t>
+            </a:r>
+            <a:endParaRPr lang="zh-TW" altLang="en-US" b="1" dirty="0">
+              <a:solidFill>
+                <a:srgbClr val="FF0000"/>
+              </a:solidFill>
+            </a:endParaRPr>
+          </a:p>
+        </p:txBody>
+      </p:sp>
+      <p:cxnSp>
+        <p:nvCxnSpPr>
+          <p:cNvPr id="14" name="直線接點 13"/>
+          <p:cNvCxnSpPr/>
+          <p:nvPr/>
+        </p:nvCxnSpPr>
+        <p:spPr>
+          <a:xfrm>
+            <a:off x="7244893" y="0"/>
+            <a:ext cx="0" cy="3755244"/>
+          </a:xfrm>
+          <a:prstGeom prst="line">
+            <a:avLst/>
+          </a:prstGeom>
+        </p:spPr>
+        <p:style>
+          <a:lnRef idx="1">
+            <a:schemeClr val="accent1"/>
+          </a:lnRef>
+          <a:fillRef idx="0">
+            <a:schemeClr val="accent1"/>
+          </a:fillRef>
+          <a:effectRef idx="0">
+            <a:schemeClr val="accent1"/>
+          </a:effectRef>
+          <a:fontRef idx="minor">
+            <a:schemeClr val="tx1"/>
+          </a:fontRef>
+        </p:style>
+      </p:cxnSp>
+      <p:cxnSp>
+        <p:nvCxnSpPr>
+          <p:cNvPr id="16" name="直線接點 15"/>
+          <p:cNvCxnSpPr/>
+          <p:nvPr/>
+        </p:nvCxnSpPr>
+        <p:spPr>
+          <a:xfrm>
+            <a:off x="0" y="3755244"/>
+            <a:ext cx="7252314" cy="0"/>
+          </a:xfrm>
+          <a:prstGeom prst="line">
+            <a:avLst/>
+          </a:prstGeom>
+        </p:spPr>
+        <p:style>
+          <a:lnRef idx="1">
+            <a:schemeClr val="accent1"/>
+          </a:lnRef>
+          <a:fillRef idx="0">
+            <a:schemeClr val="accent1"/>
+          </a:fillRef>
+          <a:effectRef idx="0">
+            <a:schemeClr val="accent1"/>
+          </a:effectRef>
+          <a:fontRef idx="minor">
+            <a:schemeClr val="tx1"/>
+          </a:fontRef>
+        </p:style>
+      </p:cxnSp>
+      <p:pic>
+        <p:nvPicPr>
+          <p:cNvPr id="17" name="圖片 16"/>
+          <p:cNvPicPr>
+            <a:picLocks noChangeAspect="1"/>
+          </p:cNvPicPr>
+          <p:nvPr/>
+        </p:nvPicPr>
+        <p:blipFill>
+          <a:blip r:embed="rId9"/>
+          <a:stretch>
+            <a:fillRect/>
+          </a:stretch>
+        </p:blipFill>
+        <p:spPr>
+          <a:xfrm>
+            <a:off x="7648983" y="1872623"/>
+            <a:ext cx="1825911" cy="469983"/>
+          </a:xfrm>
+          <a:prstGeom prst="rect">
+            <a:avLst/>
+          </a:prstGeom>
+        </p:spPr>
+      </p:pic>
+      <p:pic>
+        <p:nvPicPr>
+          <p:cNvPr id="18" name="圖片 17"/>
+          <p:cNvPicPr>
+            <a:picLocks noChangeAspect="1"/>
+          </p:cNvPicPr>
+          <p:nvPr/>
+        </p:nvPicPr>
+        <p:blipFill>
+          <a:blip r:embed="rId10"/>
+          <a:stretch>
+            <a:fillRect/>
+          </a:stretch>
+        </p:blipFill>
+        <p:spPr>
+          <a:xfrm>
+            <a:off x="7393985" y="2397837"/>
+            <a:ext cx="4703621" cy="2387237"/>
+          </a:xfrm>
+          <a:prstGeom prst="rect">
+            <a:avLst/>
+          </a:prstGeom>
+        </p:spPr>
+      </p:pic>
+      <p:pic>
+        <p:nvPicPr>
+          <p:cNvPr id="19" name="圖片 18"/>
+          <p:cNvPicPr>
+            <a:picLocks noChangeAspect="1"/>
+          </p:cNvPicPr>
+          <p:nvPr/>
+        </p:nvPicPr>
+        <p:blipFill>
+          <a:blip r:embed="rId11"/>
+          <a:stretch>
+            <a:fillRect/>
+          </a:stretch>
+        </p:blipFill>
+        <p:spPr>
+          <a:xfrm>
+            <a:off x="7393985" y="4772951"/>
+            <a:ext cx="4624251" cy="288648"/>
+          </a:xfrm>
+          <a:prstGeom prst="rect">
+            <a:avLst/>
+          </a:prstGeom>
+        </p:spPr>
+      </p:pic>
     </p:spTree>
     <p:extLst>
       <p:ext uri="{BB962C8B-B14F-4D97-AF65-F5344CB8AC3E}">
         <p14:creationId xmlns:p14="http://schemas.microsoft.com/office/powerpoint/2010/main" val="3728026172"/>
+      </p:ext>
+    </p:extLst>
+  </p:cSld>
+  <p:clrMapOvr>
+    <a:masterClrMapping/>
+  </p:clrMapOvr>
+</p:sld>
+</file>
+
+<file path=ppt/slides/slide3.xml><?xml version="1.0" encoding="utf-8"?>
+<p:sld xmlns:a="http://schemas.openxmlformats.org/drawingml/2006/main" xmlns:r="http://schemas.openxmlformats.org/officeDocument/2006/relationships" xmlns:p="http://schemas.openxmlformats.org/presentationml/2006/main">
+  <p:cSld>
+    <p:spTree>
+      <p:nvGrpSpPr>
+        <p:cNvPr id="1" name=""/>
+        <p:cNvGrpSpPr/>
+        <p:nvPr/>
+      </p:nvGrpSpPr>
+      <p:grpSpPr>
+        <a:xfrm>
+          <a:off x="0" y="0"/>
+          <a:ext cx="0" cy="0"/>
+          <a:chOff x="0" y="0"/>
+          <a:chExt cx="0" cy="0"/>
+        </a:xfrm>
+      </p:grpSpPr>
+      <p:pic>
+        <p:nvPicPr>
+          <p:cNvPr id="4" name="圖片 3"/>
+          <p:cNvPicPr>
+            <a:picLocks noChangeAspect="1"/>
+          </p:cNvPicPr>
+          <p:nvPr/>
+        </p:nvPicPr>
+        <p:blipFill>
+          <a:blip r:embed="rId2"/>
+          <a:stretch>
+            <a:fillRect/>
+          </a:stretch>
+        </p:blipFill>
+        <p:spPr>
+          <a:xfrm>
+            <a:off x="86132" y="63273"/>
+            <a:ext cx="5815230" cy="476658"/>
+          </a:xfrm>
+          <a:prstGeom prst="rect">
+            <a:avLst/>
+          </a:prstGeom>
+        </p:spPr>
+      </p:pic>
+      <p:pic>
+        <p:nvPicPr>
+          <p:cNvPr id="5" name="圖片 4"/>
+          <p:cNvPicPr>
+            <a:picLocks noChangeAspect="1"/>
+          </p:cNvPicPr>
+          <p:nvPr/>
+        </p:nvPicPr>
+        <p:blipFill>
+          <a:blip r:embed="rId3"/>
+          <a:stretch>
+            <a:fillRect/>
+          </a:stretch>
+        </p:blipFill>
+        <p:spPr>
+          <a:xfrm>
+            <a:off x="86132" y="539931"/>
+            <a:ext cx="2028825" cy="1451563"/>
+          </a:xfrm>
+          <a:prstGeom prst="rect">
+            <a:avLst/>
+          </a:prstGeom>
+        </p:spPr>
+      </p:pic>
+      <p:sp>
+        <p:nvSpPr>
+          <p:cNvPr id="7" name="文字方塊 6"/>
+          <p:cNvSpPr txBox="1"/>
+          <p:nvPr/>
+        </p:nvSpPr>
+        <p:spPr>
+          <a:xfrm>
+            <a:off x="1612729" y="850214"/>
+            <a:ext cx="580608" cy="276999"/>
+          </a:xfrm>
+          <a:prstGeom prst="rect">
+            <a:avLst/>
+          </a:prstGeom>
+          <a:noFill/>
+        </p:spPr>
+        <p:txBody>
+          <a:bodyPr wrap="none" rtlCol="0">
+            <a:spAutoFit/>
+          </a:bodyPr>
+          <a:lstStyle/>
+          <a:p>
+            <a:r>
+              <a:rPr lang="en-US" altLang="zh-TW" sz="1200" b="1" dirty="0" smtClean="0">
+                <a:solidFill>
+                  <a:srgbClr val="FF0000"/>
+                </a:solidFill>
+              </a:rPr>
+              <a:t>&lt;SOL&gt;</a:t>
+            </a:r>
+            <a:endParaRPr lang="zh-TW" altLang="en-US" b="1" dirty="0">
+              <a:solidFill>
+                <a:srgbClr val="FF0000"/>
+              </a:solidFill>
+            </a:endParaRPr>
+          </a:p>
+        </p:txBody>
+      </p:sp>
+      <p:pic>
+        <p:nvPicPr>
+          <p:cNvPr id="8" name="圖片 7"/>
+          <p:cNvPicPr>
+            <a:picLocks noChangeAspect="1"/>
+          </p:cNvPicPr>
+          <p:nvPr/>
+        </p:nvPicPr>
+        <p:blipFill>
+          <a:blip r:embed="rId4"/>
+          <a:stretch>
+            <a:fillRect/>
+          </a:stretch>
+        </p:blipFill>
+        <p:spPr>
+          <a:xfrm>
+            <a:off x="2114957" y="539932"/>
+            <a:ext cx="4652005" cy="2272938"/>
+          </a:xfrm>
+          <a:prstGeom prst="rect">
+            <a:avLst/>
+          </a:prstGeom>
+        </p:spPr>
+      </p:pic>
+      <p:pic>
+        <p:nvPicPr>
+          <p:cNvPr id="9" name="圖片 8"/>
+          <p:cNvPicPr>
+            <a:picLocks noChangeAspect="1"/>
+          </p:cNvPicPr>
+          <p:nvPr/>
+        </p:nvPicPr>
+        <p:blipFill>
+          <a:blip r:embed="rId5"/>
+          <a:stretch>
+            <a:fillRect/>
+          </a:stretch>
+        </p:blipFill>
+        <p:spPr>
+          <a:xfrm>
+            <a:off x="0" y="2812870"/>
+            <a:ext cx="6242298" cy="1393370"/>
+          </a:xfrm>
+          <a:prstGeom prst="rect">
+            <a:avLst/>
+          </a:prstGeom>
+        </p:spPr>
+      </p:pic>
+      <p:pic>
+        <p:nvPicPr>
+          <p:cNvPr id="10" name="圖片 9"/>
+          <p:cNvPicPr>
+            <a:picLocks noChangeAspect="1"/>
+          </p:cNvPicPr>
+          <p:nvPr/>
+        </p:nvPicPr>
+        <p:blipFill>
+          <a:blip r:embed="rId6"/>
+          <a:stretch>
+            <a:fillRect/>
+          </a:stretch>
+        </p:blipFill>
+        <p:spPr>
+          <a:xfrm>
+            <a:off x="24900" y="4206240"/>
+            <a:ext cx="2536373" cy="2698158"/>
+          </a:xfrm>
+          <a:prstGeom prst="rect">
+            <a:avLst/>
+          </a:prstGeom>
+        </p:spPr>
+      </p:pic>
+      <p:sp>
+        <p:nvSpPr>
+          <p:cNvPr id="11" name="文字方塊 10"/>
+          <p:cNvSpPr txBox="1"/>
+          <p:nvPr/>
+        </p:nvSpPr>
+        <p:spPr>
+          <a:xfrm>
+            <a:off x="-27764" y="4572000"/>
+            <a:ext cx="380232" cy="276999"/>
+          </a:xfrm>
+          <a:prstGeom prst="rect">
+            <a:avLst/>
+          </a:prstGeom>
+          <a:noFill/>
+        </p:spPr>
+        <p:txBody>
+          <a:bodyPr wrap="none" rtlCol="0">
+            <a:spAutoFit/>
+          </a:bodyPr>
+          <a:lstStyle/>
+          <a:p>
+            <a:r>
+              <a:rPr lang="en-US" altLang="zh-TW" sz="1200" dirty="0" smtClean="0"/>
+              <a:t>0.4</a:t>
+            </a:r>
+            <a:endParaRPr lang="zh-TW" altLang="en-US" sz="1200" dirty="0"/>
+          </a:p>
+        </p:txBody>
+      </p:sp>
+      <p:pic>
+        <p:nvPicPr>
+          <p:cNvPr id="12" name="圖片 11"/>
+          <p:cNvPicPr>
+            <a:picLocks noChangeAspect="1"/>
+          </p:cNvPicPr>
+          <p:nvPr/>
+        </p:nvPicPr>
+        <p:blipFill>
+          <a:blip r:embed="rId7"/>
+          <a:stretch>
+            <a:fillRect/>
+          </a:stretch>
+        </p:blipFill>
+        <p:spPr>
+          <a:xfrm>
+            <a:off x="2613937" y="4460058"/>
+            <a:ext cx="4909048" cy="1212946"/>
+          </a:xfrm>
+          <a:prstGeom prst="rect">
+            <a:avLst/>
+          </a:prstGeom>
+        </p:spPr>
+      </p:pic>
+      <p:sp>
+        <p:nvSpPr>
+          <p:cNvPr id="13" name="文字方塊 12"/>
+          <p:cNvSpPr txBox="1"/>
+          <p:nvPr/>
+        </p:nvSpPr>
+        <p:spPr>
+          <a:xfrm>
+            <a:off x="2441047" y="4183059"/>
+            <a:ext cx="513282" cy="276999"/>
+          </a:xfrm>
+          <a:prstGeom prst="rect">
+            <a:avLst/>
+          </a:prstGeom>
+          <a:noFill/>
+        </p:spPr>
+        <p:txBody>
+          <a:bodyPr wrap="none" rtlCol="0">
+            <a:spAutoFit/>
+          </a:bodyPr>
+          <a:lstStyle/>
+          <a:p>
+            <a:r>
+              <a:rPr lang="en-US" altLang="zh-TW" sz="1200" b="1" dirty="0" smtClean="0">
+                <a:solidFill>
+                  <a:srgbClr val="FF0000"/>
+                </a:solidFill>
+              </a:rPr>
+              <a:t>&lt;(1)&gt;</a:t>
+            </a:r>
+            <a:endParaRPr lang="zh-TW" altLang="en-US" b="1" dirty="0">
+              <a:solidFill>
+                <a:srgbClr val="FF0000"/>
+              </a:solidFill>
+            </a:endParaRPr>
+          </a:p>
+        </p:txBody>
+      </p:sp>
+      <p:sp>
+        <p:nvSpPr>
+          <p:cNvPr id="14" name="文字方塊 13"/>
+          <p:cNvSpPr txBox="1"/>
+          <p:nvPr/>
+        </p:nvSpPr>
+        <p:spPr>
+          <a:xfrm>
+            <a:off x="2613937" y="5953356"/>
+            <a:ext cx="1402948" cy="307777"/>
+          </a:xfrm>
+          <a:prstGeom prst="rect">
+            <a:avLst/>
+          </a:prstGeom>
+          <a:noFill/>
+        </p:spPr>
+        <p:txBody>
+          <a:bodyPr wrap="none" rtlCol="0">
+            <a:spAutoFit/>
+          </a:bodyPr>
+          <a:lstStyle/>
+          <a:p>
+            <a:r>
+              <a:rPr lang="en-US" altLang="zh-TW" sz="1400" b="1" dirty="0">
+                <a:latin typeface="微軟正黑體" panose="020B0604030504040204" pitchFamily="34" charset="-120"/>
+                <a:ea typeface="微軟正黑體" panose="020B0604030504040204" pitchFamily="34" charset="-120"/>
+              </a:rPr>
+              <a:t>y</a:t>
+            </a:r>
+            <a:r>
+              <a:rPr lang="en-US" altLang="zh-TW" sz="1400" b="1" dirty="0" smtClean="0">
+                <a:latin typeface="微軟正黑體" panose="020B0604030504040204" pitchFamily="34" charset="-120"/>
+                <a:ea typeface="微軟正黑體" panose="020B0604030504040204" pitchFamily="34" charset="-120"/>
+              </a:rPr>
+              <a:t>1 y2 </a:t>
+            </a:r>
+            <a:r>
+              <a:rPr lang="zh-TW" altLang="en-US" sz="1400" b="1" dirty="0" smtClean="0">
+                <a:latin typeface="微軟正黑體" panose="020B0604030504040204" pitchFamily="34" charset="-120"/>
+                <a:ea typeface="微軟正黑體" panose="020B0604030504040204" pitchFamily="34" charset="-120"/>
+              </a:rPr>
+              <a:t>以此類推</a:t>
+            </a:r>
+            <a:endParaRPr lang="zh-TW" altLang="en-US" sz="1400" b="1" dirty="0">
+              <a:latin typeface="微軟正黑體" panose="020B0604030504040204" pitchFamily="34" charset="-120"/>
+              <a:ea typeface="微軟正黑體" panose="020B0604030504040204" pitchFamily="34" charset="-120"/>
+            </a:endParaRPr>
+          </a:p>
+        </p:txBody>
+      </p:sp>
+      <p:pic>
+        <p:nvPicPr>
+          <p:cNvPr id="15" name="圖片 14"/>
+          <p:cNvPicPr>
+            <a:picLocks noChangeAspect="1"/>
+          </p:cNvPicPr>
+          <p:nvPr/>
+        </p:nvPicPr>
+        <p:blipFill>
+          <a:blip r:embed="rId8"/>
+          <a:stretch>
+            <a:fillRect/>
+          </a:stretch>
+        </p:blipFill>
+        <p:spPr>
+          <a:xfrm>
+            <a:off x="2613937" y="5673004"/>
+            <a:ext cx="2411805" cy="248370"/>
+          </a:xfrm>
+          <a:prstGeom prst="rect">
+            <a:avLst/>
+          </a:prstGeom>
+        </p:spPr>
+      </p:pic>
+      <p:pic>
+        <p:nvPicPr>
+          <p:cNvPr id="16" name="圖片 15"/>
+          <p:cNvPicPr>
+            <a:picLocks noChangeAspect="1"/>
+          </p:cNvPicPr>
+          <p:nvPr/>
+        </p:nvPicPr>
+        <p:blipFill>
+          <a:blip r:embed="rId9"/>
+          <a:stretch>
+            <a:fillRect/>
+          </a:stretch>
+        </p:blipFill>
+        <p:spPr>
+          <a:xfrm>
+            <a:off x="7083743" y="122509"/>
+            <a:ext cx="2870156" cy="834844"/>
+          </a:xfrm>
+          <a:prstGeom prst="rect">
+            <a:avLst/>
+          </a:prstGeom>
+        </p:spPr>
+      </p:pic>
+      <p:pic>
+        <p:nvPicPr>
+          <p:cNvPr id="18" name="圖片 17"/>
+          <p:cNvPicPr>
+            <a:picLocks noChangeAspect="1"/>
+          </p:cNvPicPr>
+          <p:nvPr/>
+        </p:nvPicPr>
+        <p:blipFill>
+          <a:blip r:embed="rId10"/>
+          <a:stretch>
+            <a:fillRect/>
+          </a:stretch>
+        </p:blipFill>
+        <p:spPr>
+          <a:xfrm>
+            <a:off x="9953899" y="520899"/>
+            <a:ext cx="1846086" cy="436454"/>
+          </a:xfrm>
+          <a:prstGeom prst="rect">
+            <a:avLst/>
+          </a:prstGeom>
+        </p:spPr>
+      </p:pic>
+      <p:pic>
+        <p:nvPicPr>
+          <p:cNvPr id="19" name="圖片 18"/>
+          <p:cNvPicPr>
+            <a:picLocks noChangeAspect="1"/>
+          </p:cNvPicPr>
+          <p:nvPr/>
+        </p:nvPicPr>
+        <p:blipFill>
+          <a:blip r:embed="rId11"/>
+          <a:stretch>
+            <a:fillRect/>
+          </a:stretch>
+        </p:blipFill>
+        <p:spPr>
+          <a:xfrm>
+            <a:off x="7083743" y="988714"/>
+            <a:ext cx="2870156" cy="853290"/>
+          </a:xfrm>
+          <a:prstGeom prst="rect">
+            <a:avLst/>
+          </a:prstGeom>
+        </p:spPr>
+      </p:pic>
+      <p:pic>
+        <p:nvPicPr>
+          <p:cNvPr id="20" name="圖片 19"/>
+          <p:cNvPicPr>
+            <a:picLocks noChangeAspect="1"/>
+          </p:cNvPicPr>
+          <p:nvPr/>
+        </p:nvPicPr>
+        <p:blipFill>
+          <a:blip r:embed="rId12"/>
+          <a:stretch>
+            <a:fillRect/>
+          </a:stretch>
+        </p:blipFill>
+        <p:spPr>
+          <a:xfrm>
+            <a:off x="9953899" y="1323435"/>
+            <a:ext cx="1991049" cy="518569"/>
+          </a:xfrm>
+          <a:prstGeom prst="rect">
+            <a:avLst/>
+          </a:prstGeom>
+        </p:spPr>
+      </p:pic>
+      <p:pic>
+        <p:nvPicPr>
+          <p:cNvPr id="21" name="圖片 20"/>
+          <p:cNvPicPr>
+            <a:picLocks noChangeAspect="1"/>
+          </p:cNvPicPr>
+          <p:nvPr/>
+        </p:nvPicPr>
+        <p:blipFill>
+          <a:blip r:embed="rId13"/>
+          <a:stretch>
+            <a:fillRect/>
+          </a:stretch>
+        </p:blipFill>
+        <p:spPr>
+          <a:xfrm>
+            <a:off x="7128564" y="1842004"/>
+            <a:ext cx="4816384" cy="502243"/>
+          </a:xfrm>
+          <a:prstGeom prst="rect">
+            <a:avLst/>
+          </a:prstGeom>
+        </p:spPr>
+      </p:pic>
+      <p:sp>
+        <p:nvSpPr>
+          <p:cNvPr id="22" name="文字方塊 21"/>
+          <p:cNvSpPr txBox="1"/>
+          <p:nvPr/>
+        </p:nvSpPr>
+        <p:spPr>
+          <a:xfrm>
+            <a:off x="6634822" y="14563"/>
+            <a:ext cx="513282" cy="276999"/>
+          </a:xfrm>
+          <a:prstGeom prst="rect">
+            <a:avLst/>
+          </a:prstGeom>
+          <a:noFill/>
+        </p:spPr>
+        <p:txBody>
+          <a:bodyPr wrap="none" rtlCol="0">
+            <a:spAutoFit/>
+          </a:bodyPr>
+          <a:lstStyle/>
+          <a:p>
+            <a:r>
+              <a:rPr lang="en-US" altLang="zh-TW" sz="1200" b="1" dirty="0" smtClean="0">
+                <a:solidFill>
+                  <a:srgbClr val="FF0000"/>
+                </a:solidFill>
+              </a:rPr>
+              <a:t>&lt;(2)&gt;</a:t>
+            </a:r>
+            <a:endParaRPr lang="zh-TW" altLang="en-US" b="1" dirty="0">
+              <a:solidFill>
+                <a:srgbClr val="FF0000"/>
+              </a:solidFill>
+            </a:endParaRPr>
+          </a:p>
+        </p:txBody>
+      </p:sp>
+      <p:cxnSp>
+        <p:nvCxnSpPr>
+          <p:cNvPr id="24" name="直線接點 23"/>
+          <p:cNvCxnSpPr/>
+          <p:nvPr/>
+        </p:nvCxnSpPr>
+        <p:spPr>
+          <a:xfrm>
+            <a:off x="6696891" y="0"/>
+            <a:ext cx="0" cy="2812870"/>
+          </a:xfrm>
+          <a:prstGeom prst="line">
+            <a:avLst/>
+          </a:prstGeom>
+        </p:spPr>
+        <p:style>
+          <a:lnRef idx="1">
+            <a:schemeClr val="accent1"/>
+          </a:lnRef>
+          <a:fillRef idx="0">
+            <a:schemeClr val="accent1"/>
+          </a:fillRef>
+          <a:effectRef idx="0">
+            <a:schemeClr val="accent1"/>
+          </a:effectRef>
+          <a:fontRef idx="minor">
+            <a:schemeClr val="tx1"/>
+          </a:fontRef>
+        </p:style>
+      </p:cxnSp>
+      <p:cxnSp>
+        <p:nvCxnSpPr>
+          <p:cNvPr id="26" name="直線接點 25"/>
+          <p:cNvCxnSpPr/>
+          <p:nvPr/>
+        </p:nvCxnSpPr>
+        <p:spPr>
+          <a:xfrm>
+            <a:off x="0" y="2812870"/>
+            <a:ext cx="6696891" cy="0"/>
+          </a:xfrm>
+          <a:prstGeom prst="line">
+            <a:avLst/>
+          </a:prstGeom>
+        </p:spPr>
+        <p:style>
+          <a:lnRef idx="1">
+            <a:schemeClr val="accent1"/>
+          </a:lnRef>
+          <a:fillRef idx="0">
+            <a:schemeClr val="accent1"/>
+          </a:fillRef>
+          <a:effectRef idx="0">
+            <a:schemeClr val="accent1"/>
+          </a:effectRef>
+          <a:fontRef idx="minor">
+            <a:schemeClr val="tx1"/>
+          </a:fontRef>
+        </p:style>
+      </p:cxnSp>
+      <p:cxnSp>
+        <p:nvCxnSpPr>
+          <p:cNvPr id="30" name="直線接點 29"/>
+          <p:cNvCxnSpPr/>
+          <p:nvPr/>
+        </p:nvCxnSpPr>
+        <p:spPr>
+          <a:xfrm flipH="1">
+            <a:off x="6696891" y="2344247"/>
+            <a:ext cx="5495109" cy="0"/>
+          </a:xfrm>
+          <a:prstGeom prst="line">
+            <a:avLst/>
+          </a:prstGeom>
+        </p:spPr>
+        <p:style>
+          <a:lnRef idx="1">
+            <a:schemeClr val="accent1"/>
+          </a:lnRef>
+          <a:fillRef idx="0">
+            <a:schemeClr val="accent1"/>
+          </a:fillRef>
+          <a:effectRef idx="0">
+            <a:schemeClr val="accent1"/>
+          </a:effectRef>
+          <a:fontRef idx="minor">
+            <a:schemeClr val="tx1"/>
+          </a:fontRef>
+        </p:style>
+      </p:cxnSp>
+      <p:cxnSp>
+        <p:nvCxnSpPr>
+          <p:cNvPr id="32" name="直線接點 31"/>
+          <p:cNvCxnSpPr/>
+          <p:nvPr/>
+        </p:nvCxnSpPr>
+        <p:spPr>
+          <a:xfrm>
+            <a:off x="6696891" y="2812870"/>
+            <a:ext cx="0" cy="1897629"/>
+          </a:xfrm>
+          <a:prstGeom prst="line">
+            <a:avLst/>
+          </a:prstGeom>
+        </p:spPr>
+        <p:style>
+          <a:lnRef idx="1">
+            <a:schemeClr val="accent1"/>
+          </a:lnRef>
+          <a:fillRef idx="0">
+            <a:schemeClr val="accent1"/>
+          </a:fillRef>
+          <a:effectRef idx="0">
+            <a:schemeClr val="accent1"/>
+          </a:effectRef>
+          <a:fontRef idx="minor">
+            <a:schemeClr val="tx1"/>
+          </a:fontRef>
+        </p:style>
+      </p:cxnSp>
+      <p:cxnSp>
+        <p:nvCxnSpPr>
+          <p:cNvPr id="34" name="直線接點 33"/>
+          <p:cNvCxnSpPr/>
+          <p:nvPr/>
+        </p:nvCxnSpPr>
+        <p:spPr>
+          <a:xfrm>
+            <a:off x="6696891" y="4710499"/>
+            <a:ext cx="826094" cy="0"/>
+          </a:xfrm>
+          <a:prstGeom prst="line">
+            <a:avLst/>
+          </a:prstGeom>
+        </p:spPr>
+        <p:style>
+          <a:lnRef idx="1">
+            <a:schemeClr val="accent1"/>
+          </a:lnRef>
+          <a:fillRef idx="0">
+            <a:schemeClr val="accent1"/>
+          </a:fillRef>
+          <a:effectRef idx="0">
+            <a:schemeClr val="accent1"/>
+          </a:effectRef>
+          <a:fontRef idx="minor">
+            <a:schemeClr val="tx1"/>
+          </a:fontRef>
+        </p:style>
+      </p:cxnSp>
+      <p:cxnSp>
+        <p:nvCxnSpPr>
+          <p:cNvPr id="36" name="直線接點 35"/>
+          <p:cNvCxnSpPr/>
+          <p:nvPr/>
+        </p:nvCxnSpPr>
+        <p:spPr>
+          <a:xfrm>
+            <a:off x="7522985" y="4710499"/>
+            <a:ext cx="0" cy="2147501"/>
+          </a:xfrm>
+          <a:prstGeom prst="line">
+            <a:avLst/>
+          </a:prstGeom>
+        </p:spPr>
+        <p:style>
+          <a:lnRef idx="1">
+            <a:schemeClr val="accent1"/>
+          </a:lnRef>
+          <a:fillRef idx="0">
+            <a:schemeClr val="accent1"/>
+          </a:fillRef>
+          <a:effectRef idx="0">
+            <a:schemeClr val="accent1"/>
+          </a:effectRef>
+          <a:fontRef idx="minor">
+            <a:schemeClr val="tx1"/>
+          </a:fontRef>
+        </p:style>
+      </p:cxnSp>
+      <p:pic>
+        <p:nvPicPr>
+          <p:cNvPr id="37" name="圖片 36"/>
+          <p:cNvPicPr>
+            <a:picLocks noChangeAspect="1"/>
+          </p:cNvPicPr>
+          <p:nvPr/>
+        </p:nvPicPr>
+        <p:blipFill>
+          <a:blip r:embed="rId14"/>
+          <a:stretch>
+            <a:fillRect/>
+          </a:stretch>
+        </p:blipFill>
+        <p:spPr>
+          <a:xfrm>
+            <a:off x="6738313" y="2432820"/>
+            <a:ext cx="5411520" cy="980940"/>
+          </a:xfrm>
+          <a:prstGeom prst="rect">
+            <a:avLst/>
+          </a:prstGeom>
+        </p:spPr>
+      </p:pic>
+      <p:sp>
+        <p:nvSpPr>
+          <p:cNvPr id="39" name="文字方塊 38"/>
+          <p:cNvSpPr txBox="1"/>
+          <p:nvPr/>
+        </p:nvSpPr>
+        <p:spPr>
+          <a:xfrm>
+            <a:off x="7196049" y="3497554"/>
+            <a:ext cx="510076" cy="276999"/>
+          </a:xfrm>
+          <a:prstGeom prst="rect">
+            <a:avLst/>
+          </a:prstGeom>
+          <a:noFill/>
+        </p:spPr>
+        <p:txBody>
+          <a:bodyPr wrap="none" rtlCol="0">
+            <a:spAutoFit/>
+          </a:bodyPr>
+          <a:lstStyle/>
+          <a:p>
+            <a:r>
+              <a:rPr lang="en-US" altLang="zh-TW" sz="1200" b="1" dirty="0" smtClean="0">
+                <a:solidFill>
+                  <a:srgbClr val="FF0000"/>
+                </a:solidFill>
+              </a:rPr>
+              <a:t>&lt;(a)&gt;</a:t>
+            </a:r>
+            <a:endParaRPr lang="zh-TW" altLang="en-US" b="1" dirty="0">
+              <a:solidFill>
+                <a:srgbClr val="FF0000"/>
+              </a:solidFill>
+            </a:endParaRPr>
+          </a:p>
+        </p:txBody>
+      </p:sp>
+      <p:pic>
+        <p:nvPicPr>
+          <p:cNvPr id="40" name="圖片 39"/>
+          <p:cNvPicPr>
+            <a:picLocks noChangeAspect="1"/>
+          </p:cNvPicPr>
+          <p:nvPr/>
+        </p:nvPicPr>
+        <p:blipFill>
+          <a:blip r:embed="rId15"/>
+          <a:stretch>
+            <a:fillRect/>
+          </a:stretch>
+        </p:blipFill>
+        <p:spPr>
+          <a:xfrm>
+            <a:off x="7706126" y="3408333"/>
+            <a:ext cx="2395818" cy="1326125"/>
+          </a:xfrm>
+          <a:prstGeom prst="rect">
+            <a:avLst/>
+          </a:prstGeom>
+        </p:spPr>
+      </p:pic>
+      <p:pic>
+        <p:nvPicPr>
+          <p:cNvPr id="41" name="圖片 40"/>
+          <p:cNvPicPr>
+            <a:picLocks noChangeAspect="1"/>
+          </p:cNvPicPr>
+          <p:nvPr/>
+        </p:nvPicPr>
+        <p:blipFill>
+          <a:blip r:embed="rId16"/>
+          <a:stretch>
+            <a:fillRect/>
+          </a:stretch>
+        </p:blipFill>
+        <p:spPr>
+          <a:xfrm>
+            <a:off x="7767809" y="4734459"/>
+            <a:ext cx="2752145" cy="702160"/>
+          </a:xfrm>
+          <a:prstGeom prst="rect">
+            <a:avLst/>
+          </a:prstGeom>
+        </p:spPr>
+      </p:pic>
+      <p:pic>
+        <p:nvPicPr>
+          <p:cNvPr id="42" name="圖片 41"/>
+          <p:cNvPicPr>
+            <a:picLocks noChangeAspect="1"/>
+          </p:cNvPicPr>
+          <p:nvPr/>
+        </p:nvPicPr>
+        <p:blipFill>
+          <a:blip r:embed="rId17"/>
+          <a:stretch>
+            <a:fillRect/>
+          </a:stretch>
+        </p:blipFill>
+        <p:spPr>
+          <a:xfrm>
+            <a:off x="7767808" y="5436619"/>
+            <a:ext cx="1885950" cy="371475"/>
+          </a:xfrm>
+          <a:prstGeom prst="rect">
+            <a:avLst/>
+          </a:prstGeom>
+        </p:spPr>
+      </p:pic>
+    </p:spTree>
+    <p:extLst>
+      <p:ext uri="{BB962C8B-B14F-4D97-AF65-F5344CB8AC3E}">
+        <p14:creationId xmlns:p14="http://schemas.microsoft.com/office/powerpoint/2010/main" val="2835640781"/>
+      </p:ext>
+    </p:extLst>
+  </p:cSld>
+  <p:clrMapOvr>
+    <a:masterClrMapping/>
+  </p:clrMapOvr>
+</p:sld>
+</file>
+
+<file path=ppt/slides/slide4.xml><?xml version="1.0" encoding="utf-8"?>
+<p:sld xmlns:a="http://schemas.openxmlformats.org/drawingml/2006/main" xmlns:r="http://schemas.openxmlformats.org/officeDocument/2006/relationships" xmlns:p="http://schemas.openxmlformats.org/presentationml/2006/main">
+  <p:cSld>
+    <p:spTree>
+      <p:nvGrpSpPr>
+        <p:cNvPr id="1" name=""/>
+        <p:cNvGrpSpPr/>
+        <p:nvPr/>
+      </p:nvGrpSpPr>
+      <p:grpSpPr>
+        <a:xfrm>
+          <a:off x="0" y="0"/>
+          <a:ext cx="0" cy="0"/>
+          <a:chOff x="0" y="0"/>
+          <a:chExt cx="0" cy="0"/>
+        </a:xfrm>
+      </p:grpSpPr>
+      <p:grpSp>
+        <p:nvGrpSpPr>
+          <p:cNvPr id="6" name="群組 5"/>
+          <p:cNvGrpSpPr/>
+          <p:nvPr/>
+        </p:nvGrpSpPr>
+        <p:grpSpPr>
+          <a:xfrm>
+            <a:off x="0" y="0"/>
+            <a:ext cx="7271657" cy="1114697"/>
+            <a:chOff x="0" y="-1"/>
+            <a:chExt cx="7741702" cy="923109"/>
+          </a:xfrm>
+        </p:grpSpPr>
+        <p:pic>
+          <p:nvPicPr>
+            <p:cNvPr id="4" name="圖片 3"/>
+            <p:cNvPicPr>
+              <a:picLocks noChangeAspect="1"/>
+            </p:cNvPicPr>
+            <p:nvPr/>
+          </p:nvPicPr>
+          <p:blipFill>
+            <a:blip r:embed="rId2"/>
+            <a:stretch>
+              <a:fillRect/>
+            </a:stretch>
+          </p:blipFill>
+          <p:spPr>
+            <a:xfrm>
+              <a:off x="0" y="-1"/>
+              <a:ext cx="7741702" cy="923109"/>
+            </a:xfrm>
+            <a:prstGeom prst="rect">
+              <a:avLst/>
+            </a:prstGeom>
+          </p:spPr>
+        </p:pic>
+        <p:pic>
+          <p:nvPicPr>
+            <p:cNvPr id="5" name="圖片 4"/>
+            <p:cNvPicPr>
+              <a:picLocks noChangeAspect="1"/>
+            </p:cNvPicPr>
+            <p:nvPr/>
+          </p:nvPicPr>
+          <p:blipFill>
+            <a:blip r:embed="rId3"/>
+            <a:stretch>
+              <a:fillRect/>
+            </a:stretch>
+          </p:blipFill>
+          <p:spPr>
+            <a:xfrm>
+              <a:off x="2158364" y="679107"/>
+              <a:ext cx="2413635" cy="244001"/>
+            </a:xfrm>
+            <a:prstGeom prst="rect">
+              <a:avLst/>
+            </a:prstGeom>
+          </p:spPr>
+        </p:pic>
+      </p:grpSp>
+      <p:pic>
+        <p:nvPicPr>
+          <p:cNvPr id="7" name="圖片 6"/>
+          <p:cNvPicPr>
+            <a:picLocks noChangeAspect="1"/>
+          </p:cNvPicPr>
+          <p:nvPr/>
+        </p:nvPicPr>
+        <p:blipFill>
+          <a:blip r:embed="rId4"/>
+          <a:stretch>
+            <a:fillRect/>
+          </a:stretch>
+        </p:blipFill>
+        <p:spPr>
+          <a:xfrm>
+            <a:off x="200026" y="1114697"/>
+            <a:ext cx="7071631" cy="1015376"/>
+          </a:xfrm>
+          <a:prstGeom prst="rect">
+            <a:avLst/>
+          </a:prstGeom>
+        </p:spPr>
+      </p:pic>
+      <p:pic>
+        <p:nvPicPr>
+          <p:cNvPr id="8" name="圖片 7"/>
+          <p:cNvPicPr>
+            <a:picLocks noChangeAspect="1"/>
+          </p:cNvPicPr>
+          <p:nvPr/>
+        </p:nvPicPr>
+        <p:blipFill>
+          <a:blip r:embed="rId5"/>
+          <a:stretch>
+            <a:fillRect/>
+          </a:stretch>
+        </p:blipFill>
+        <p:spPr>
+          <a:xfrm>
+            <a:off x="4069353" y="1905099"/>
+            <a:ext cx="3260942" cy="1145372"/>
+          </a:xfrm>
+          <a:prstGeom prst="rect">
+            <a:avLst/>
+          </a:prstGeom>
+        </p:spPr>
+      </p:pic>
+      <p:pic>
+        <p:nvPicPr>
+          <p:cNvPr id="9" name="圖片 8"/>
+          <p:cNvPicPr>
+            <a:picLocks noChangeAspect="1"/>
+          </p:cNvPicPr>
+          <p:nvPr/>
+        </p:nvPicPr>
+        <p:blipFill>
+          <a:blip r:embed="rId6"/>
+          <a:stretch>
+            <a:fillRect/>
+          </a:stretch>
+        </p:blipFill>
+        <p:spPr>
+          <a:xfrm>
+            <a:off x="429253" y="2229394"/>
+            <a:ext cx="2969894" cy="809213"/>
+          </a:xfrm>
+          <a:prstGeom prst="rect">
+            <a:avLst/>
+          </a:prstGeom>
+        </p:spPr>
+      </p:pic>
+      <p:pic>
+        <p:nvPicPr>
+          <p:cNvPr id="10" name="圖片 9"/>
+          <p:cNvPicPr>
+            <a:picLocks noChangeAspect="1"/>
+          </p:cNvPicPr>
+          <p:nvPr/>
+        </p:nvPicPr>
+        <p:blipFill>
+          <a:blip r:embed="rId7"/>
+          <a:stretch>
+            <a:fillRect/>
+          </a:stretch>
+        </p:blipFill>
+        <p:spPr>
+          <a:xfrm>
+            <a:off x="2328222" y="2641164"/>
+            <a:ext cx="1070925" cy="458968"/>
+          </a:xfrm>
+          <a:prstGeom prst="rect">
+            <a:avLst/>
+          </a:prstGeom>
+        </p:spPr>
+      </p:pic>
+      <p:pic>
+        <p:nvPicPr>
+          <p:cNvPr id="11" name="圖片 10"/>
+          <p:cNvPicPr>
+            <a:picLocks noChangeAspect="1"/>
+          </p:cNvPicPr>
+          <p:nvPr/>
+        </p:nvPicPr>
+        <p:blipFill>
+          <a:blip r:embed="rId8"/>
+          <a:stretch>
+            <a:fillRect/>
+          </a:stretch>
+        </p:blipFill>
+        <p:spPr>
+          <a:xfrm>
+            <a:off x="429252" y="3082543"/>
+            <a:ext cx="3206576" cy="561684"/>
+          </a:xfrm>
+          <a:prstGeom prst="rect">
+            <a:avLst/>
+          </a:prstGeom>
+        </p:spPr>
+      </p:pic>
+      <p:sp>
+        <p:nvSpPr>
+          <p:cNvPr id="12" name="文字方塊 11"/>
+          <p:cNvSpPr txBox="1"/>
+          <p:nvPr/>
+        </p:nvSpPr>
+        <p:spPr>
+          <a:xfrm>
+            <a:off x="74202" y="2108619"/>
+            <a:ext cx="518091" cy="276999"/>
+          </a:xfrm>
+          <a:prstGeom prst="rect">
+            <a:avLst/>
+          </a:prstGeom>
+          <a:noFill/>
+        </p:spPr>
+        <p:txBody>
+          <a:bodyPr wrap="none" rtlCol="0">
+            <a:spAutoFit/>
+          </a:bodyPr>
+          <a:lstStyle/>
+          <a:p>
+            <a:r>
+              <a:rPr lang="en-US" altLang="zh-TW" sz="1200" b="1" dirty="0" smtClean="0">
+                <a:solidFill>
+                  <a:srgbClr val="FF0000"/>
+                </a:solidFill>
+              </a:rPr>
+              <a:t>&lt;(b)&gt;</a:t>
+            </a:r>
+            <a:endParaRPr lang="zh-TW" altLang="en-US" b="1" dirty="0">
+              <a:solidFill>
+                <a:srgbClr val="FF0000"/>
+              </a:solidFill>
+            </a:endParaRPr>
+          </a:p>
+        </p:txBody>
+      </p:sp>
+      <p:pic>
+        <p:nvPicPr>
+          <p:cNvPr id="13" name="圖片 12"/>
+          <p:cNvPicPr>
+            <a:picLocks noChangeAspect="1"/>
+          </p:cNvPicPr>
+          <p:nvPr/>
+        </p:nvPicPr>
+        <p:blipFill>
+          <a:blip r:embed="rId9"/>
+          <a:stretch>
+            <a:fillRect/>
+          </a:stretch>
+        </p:blipFill>
+        <p:spPr>
+          <a:xfrm>
+            <a:off x="429252" y="3688163"/>
+            <a:ext cx="4812984" cy="2366384"/>
+          </a:xfrm>
+          <a:prstGeom prst="rect">
+            <a:avLst/>
+          </a:prstGeom>
+        </p:spPr>
+      </p:pic>
+      <p:sp>
+        <p:nvSpPr>
+          <p:cNvPr id="14" name="文字方塊 13"/>
+          <p:cNvSpPr txBox="1"/>
+          <p:nvPr/>
+        </p:nvSpPr>
+        <p:spPr>
+          <a:xfrm>
+            <a:off x="46075" y="3527696"/>
+            <a:ext cx="498855" cy="276999"/>
+          </a:xfrm>
+          <a:prstGeom prst="rect">
+            <a:avLst/>
+          </a:prstGeom>
+          <a:noFill/>
+        </p:spPr>
+        <p:txBody>
+          <a:bodyPr wrap="none" rtlCol="0">
+            <a:spAutoFit/>
+          </a:bodyPr>
+          <a:lstStyle/>
+          <a:p>
+            <a:r>
+              <a:rPr lang="en-US" altLang="zh-TW" sz="1200" b="1" dirty="0" smtClean="0">
+                <a:solidFill>
+                  <a:srgbClr val="FF0000"/>
+                </a:solidFill>
+              </a:rPr>
+              <a:t>&lt;(c)&gt;</a:t>
+            </a:r>
+            <a:endParaRPr lang="zh-TW" altLang="en-US" b="1" dirty="0">
+              <a:solidFill>
+                <a:srgbClr val="FF0000"/>
+              </a:solidFill>
+            </a:endParaRPr>
+          </a:p>
+        </p:txBody>
+      </p:sp>
+      <p:pic>
+        <p:nvPicPr>
+          <p:cNvPr id="15" name="圖片 14"/>
+          <p:cNvPicPr>
+            <a:picLocks noChangeAspect="1"/>
+          </p:cNvPicPr>
+          <p:nvPr/>
+        </p:nvPicPr>
+        <p:blipFill>
+          <a:blip r:embed="rId10"/>
+          <a:stretch>
+            <a:fillRect/>
+          </a:stretch>
+        </p:blipFill>
+        <p:spPr>
+          <a:xfrm>
+            <a:off x="5481228" y="3171638"/>
+            <a:ext cx="6710772" cy="472589"/>
+          </a:xfrm>
+          <a:prstGeom prst="rect">
+            <a:avLst/>
+          </a:prstGeom>
+        </p:spPr>
+      </p:pic>
+      <p:pic>
+        <p:nvPicPr>
+          <p:cNvPr id="17" name="圖片 16"/>
+          <p:cNvPicPr>
+            <a:picLocks noChangeAspect="1"/>
+          </p:cNvPicPr>
+          <p:nvPr/>
+        </p:nvPicPr>
+        <p:blipFill>
+          <a:blip r:embed="rId11"/>
+          <a:stretch>
+            <a:fillRect/>
+          </a:stretch>
+        </p:blipFill>
+        <p:spPr>
+          <a:xfrm>
+            <a:off x="5625413" y="3666415"/>
+            <a:ext cx="5997603" cy="235041"/>
+          </a:xfrm>
+          <a:prstGeom prst="rect">
+            <a:avLst/>
+          </a:prstGeom>
+        </p:spPr>
+      </p:pic>
+      <p:pic>
+        <p:nvPicPr>
+          <p:cNvPr id="18" name="圖片 17"/>
+          <p:cNvPicPr>
+            <a:picLocks noChangeAspect="1"/>
+          </p:cNvPicPr>
+          <p:nvPr/>
+        </p:nvPicPr>
+        <p:blipFill>
+          <a:blip r:embed="rId12"/>
+          <a:stretch>
+            <a:fillRect/>
+          </a:stretch>
+        </p:blipFill>
+        <p:spPr>
+          <a:xfrm>
+            <a:off x="8624214" y="2790638"/>
+            <a:ext cx="3476625" cy="381000"/>
+          </a:xfrm>
+          <a:prstGeom prst="rect">
+            <a:avLst/>
+          </a:prstGeom>
+        </p:spPr>
+      </p:pic>
+      <p:pic>
+        <p:nvPicPr>
+          <p:cNvPr id="19" name="圖片 18"/>
+          <p:cNvPicPr>
+            <a:picLocks noChangeAspect="1"/>
+          </p:cNvPicPr>
+          <p:nvPr/>
+        </p:nvPicPr>
+        <p:blipFill>
+          <a:blip r:embed="rId13"/>
+          <a:stretch>
+            <a:fillRect/>
+          </a:stretch>
+        </p:blipFill>
+        <p:spPr>
+          <a:xfrm>
+            <a:off x="5481228" y="3879045"/>
+            <a:ext cx="6714380" cy="710372"/>
+          </a:xfrm>
+          <a:prstGeom prst="rect">
+            <a:avLst/>
+          </a:prstGeom>
+        </p:spPr>
+      </p:pic>
+      <p:sp>
+        <p:nvSpPr>
+          <p:cNvPr id="20" name="文字方塊 19"/>
+          <p:cNvSpPr txBox="1"/>
+          <p:nvPr/>
+        </p:nvSpPr>
+        <p:spPr>
+          <a:xfrm>
+            <a:off x="5326934" y="4431105"/>
+            <a:ext cx="511679" cy="276999"/>
+          </a:xfrm>
+          <a:prstGeom prst="rect">
+            <a:avLst/>
+          </a:prstGeom>
+          <a:noFill/>
+        </p:spPr>
+        <p:txBody>
+          <a:bodyPr wrap="none" rtlCol="0">
+            <a:spAutoFit/>
+          </a:bodyPr>
+          <a:lstStyle/>
+          <a:p>
+            <a:r>
+              <a:rPr lang="en-US" altLang="zh-TW" sz="1200" b="1" dirty="0" smtClean="0">
+                <a:solidFill>
+                  <a:srgbClr val="FF0000"/>
+                </a:solidFill>
+              </a:rPr>
+              <a:t>&lt;(e)&gt;</a:t>
+            </a:r>
+            <a:endParaRPr lang="zh-TW" altLang="en-US" b="1" dirty="0">
+              <a:solidFill>
+                <a:srgbClr val="FF0000"/>
+              </a:solidFill>
+            </a:endParaRPr>
+          </a:p>
+        </p:txBody>
+      </p:sp>
+      <p:pic>
+        <p:nvPicPr>
+          <p:cNvPr id="21" name="圖片 20"/>
+          <p:cNvPicPr>
+            <a:picLocks noChangeAspect="1"/>
+          </p:cNvPicPr>
+          <p:nvPr/>
+        </p:nvPicPr>
+        <p:blipFill>
+          <a:blip r:embed="rId14"/>
+          <a:stretch>
+            <a:fillRect/>
+          </a:stretch>
+        </p:blipFill>
+        <p:spPr>
+          <a:xfrm>
+            <a:off x="5753915" y="4608561"/>
+            <a:ext cx="2366548" cy="1898637"/>
+          </a:xfrm>
+          <a:prstGeom prst="rect">
+            <a:avLst/>
+          </a:prstGeom>
+        </p:spPr>
+      </p:pic>
+      <p:pic>
+        <p:nvPicPr>
+          <p:cNvPr id="22" name="圖片 21"/>
+          <p:cNvPicPr>
+            <a:picLocks noChangeAspect="1"/>
+          </p:cNvPicPr>
+          <p:nvPr/>
+        </p:nvPicPr>
+        <p:blipFill>
+          <a:blip r:embed="rId15"/>
+          <a:stretch>
+            <a:fillRect/>
+          </a:stretch>
+        </p:blipFill>
+        <p:spPr>
+          <a:xfrm>
+            <a:off x="8205161" y="4589417"/>
+            <a:ext cx="2228578" cy="2035551"/>
+          </a:xfrm>
+          <a:prstGeom prst="rect">
+            <a:avLst/>
+          </a:prstGeom>
+        </p:spPr>
+      </p:pic>
+      <p:pic>
+        <p:nvPicPr>
+          <p:cNvPr id="23" name="圖片 22"/>
+          <p:cNvPicPr>
+            <a:picLocks noChangeAspect="1"/>
+          </p:cNvPicPr>
+          <p:nvPr/>
+        </p:nvPicPr>
+        <p:blipFill>
+          <a:blip r:embed="rId16"/>
+          <a:stretch>
+            <a:fillRect/>
+          </a:stretch>
+        </p:blipFill>
+        <p:spPr>
+          <a:xfrm>
+            <a:off x="7422681" y="97203"/>
+            <a:ext cx="4678158" cy="320815"/>
+          </a:xfrm>
+          <a:prstGeom prst="rect">
+            <a:avLst/>
+          </a:prstGeom>
+        </p:spPr>
+      </p:pic>
+      <p:pic>
+        <p:nvPicPr>
+          <p:cNvPr id="24" name="圖片 23"/>
+          <p:cNvPicPr>
+            <a:picLocks noChangeAspect="1"/>
+          </p:cNvPicPr>
+          <p:nvPr/>
+        </p:nvPicPr>
+        <p:blipFill>
+          <a:blip r:embed="rId17"/>
+          <a:stretch>
+            <a:fillRect/>
+          </a:stretch>
+        </p:blipFill>
+        <p:spPr>
+          <a:xfrm>
+            <a:off x="8000501" y="521527"/>
+            <a:ext cx="2800350" cy="1581150"/>
+          </a:xfrm>
+          <a:prstGeom prst="rect">
+            <a:avLst/>
+          </a:prstGeom>
+        </p:spPr>
+      </p:pic>
+      <p:sp>
+        <p:nvSpPr>
+          <p:cNvPr id="25" name="文字方塊 24"/>
+          <p:cNvSpPr txBox="1"/>
+          <p:nvPr/>
+        </p:nvSpPr>
+        <p:spPr>
+          <a:xfrm>
+            <a:off x="7491788" y="514336"/>
+            <a:ext cx="509242" cy="276999"/>
+          </a:xfrm>
+          <a:prstGeom prst="rect">
+            <a:avLst/>
+          </a:prstGeom>
+          <a:noFill/>
+        </p:spPr>
+        <p:txBody>
+          <a:bodyPr wrap="none" rtlCol="0">
+            <a:spAutoFit/>
+          </a:bodyPr>
+          <a:lstStyle/>
+          <a:p>
+            <a:r>
+              <a:rPr lang="en-US" altLang="zh-TW" sz="1200" b="1" dirty="0" smtClean="0">
+                <a:solidFill>
+                  <a:srgbClr val="FF0000"/>
+                </a:solidFill>
+              </a:rPr>
+              <a:t>&lt;(g)&gt;</a:t>
+            </a:r>
+            <a:endParaRPr lang="zh-TW" altLang="en-US" b="1" dirty="0">
+              <a:solidFill>
+                <a:srgbClr val="FF0000"/>
+              </a:solidFill>
+            </a:endParaRPr>
+          </a:p>
+        </p:txBody>
+      </p:sp>
+      <p:pic>
+        <p:nvPicPr>
+          <p:cNvPr id="26" name="圖片 25"/>
+          <p:cNvPicPr>
+            <a:picLocks noChangeAspect="1"/>
+          </p:cNvPicPr>
+          <p:nvPr/>
+        </p:nvPicPr>
+        <p:blipFill>
+          <a:blip r:embed="rId18"/>
+          <a:stretch>
+            <a:fillRect/>
+          </a:stretch>
+        </p:blipFill>
+        <p:spPr>
+          <a:xfrm>
+            <a:off x="10672731" y="4402128"/>
+            <a:ext cx="1380666" cy="1034207"/>
+          </a:xfrm>
+          <a:prstGeom prst="rect">
+            <a:avLst/>
+          </a:prstGeom>
+        </p:spPr>
+      </p:pic>
+      <p:pic>
+        <p:nvPicPr>
+          <p:cNvPr id="27" name="圖片 26"/>
+          <p:cNvPicPr>
+            <a:picLocks noChangeAspect="1"/>
+          </p:cNvPicPr>
+          <p:nvPr/>
+        </p:nvPicPr>
+        <p:blipFill>
+          <a:blip r:embed="rId19"/>
+          <a:stretch>
+            <a:fillRect/>
+          </a:stretch>
+        </p:blipFill>
+        <p:spPr>
+          <a:xfrm>
+            <a:off x="10689824" y="5484901"/>
+            <a:ext cx="1500958" cy="1135556"/>
+          </a:xfrm>
+          <a:prstGeom prst="rect">
+            <a:avLst/>
+          </a:prstGeom>
+        </p:spPr>
+      </p:pic>
+      <p:cxnSp>
+        <p:nvCxnSpPr>
+          <p:cNvPr id="29" name="直線接點 28"/>
+          <p:cNvCxnSpPr/>
+          <p:nvPr/>
+        </p:nvCxnSpPr>
+        <p:spPr>
+          <a:xfrm>
+            <a:off x="7330295" y="0"/>
+            <a:ext cx="0" cy="3100132"/>
+          </a:xfrm>
+          <a:prstGeom prst="line">
+            <a:avLst/>
+          </a:prstGeom>
+        </p:spPr>
+        <p:style>
+          <a:lnRef idx="1">
+            <a:schemeClr val="accent1"/>
+          </a:lnRef>
+          <a:fillRef idx="0">
+            <a:schemeClr val="accent1"/>
+          </a:fillRef>
+          <a:effectRef idx="0">
+            <a:schemeClr val="accent1"/>
+          </a:effectRef>
+          <a:fontRef idx="minor">
+            <a:schemeClr val="tx1"/>
+          </a:fontRef>
+        </p:style>
+      </p:cxnSp>
+      <p:cxnSp>
+        <p:nvCxnSpPr>
+          <p:cNvPr id="31" name="直線接點 30"/>
+          <p:cNvCxnSpPr/>
+          <p:nvPr/>
+        </p:nvCxnSpPr>
+        <p:spPr>
+          <a:xfrm>
+            <a:off x="5326934" y="3100132"/>
+            <a:ext cx="2003361" cy="0"/>
+          </a:xfrm>
+          <a:prstGeom prst="line">
+            <a:avLst/>
+          </a:prstGeom>
+        </p:spPr>
+        <p:style>
+          <a:lnRef idx="1">
+            <a:schemeClr val="accent1"/>
+          </a:lnRef>
+          <a:fillRef idx="0">
+            <a:schemeClr val="accent1"/>
+          </a:fillRef>
+          <a:effectRef idx="0">
+            <a:schemeClr val="accent1"/>
+          </a:effectRef>
+          <a:fontRef idx="minor">
+            <a:schemeClr val="tx1"/>
+          </a:fontRef>
+        </p:style>
+      </p:cxnSp>
+      <p:cxnSp>
+        <p:nvCxnSpPr>
+          <p:cNvPr id="33" name="直線接點 32"/>
+          <p:cNvCxnSpPr/>
+          <p:nvPr/>
+        </p:nvCxnSpPr>
+        <p:spPr>
+          <a:xfrm>
+            <a:off x="5326934" y="3100132"/>
+            <a:ext cx="0" cy="3757868"/>
+          </a:xfrm>
+          <a:prstGeom prst="line">
+            <a:avLst/>
+          </a:prstGeom>
+        </p:spPr>
+        <p:style>
+          <a:lnRef idx="1">
+            <a:schemeClr val="accent1"/>
+          </a:lnRef>
+          <a:fillRef idx="0">
+            <a:schemeClr val="accent1"/>
+          </a:fillRef>
+          <a:effectRef idx="0">
+            <a:schemeClr val="accent1"/>
+          </a:effectRef>
+          <a:fontRef idx="minor">
+            <a:schemeClr val="tx1"/>
+          </a:fontRef>
+        </p:style>
+      </p:cxnSp>
+    </p:spTree>
+    <p:extLst>
+      <p:ext uri="{BB962C8B-B14F-4D97-AF65-F5344CB8AC3E}">
+        <p14:creationId xmlns:p14="http://schemas.microsoft.com/office/powerpoint/2010/main" val="2724466571"/>
+      </p:ext>
+    </p:extLst>
+  </p:cSld>
+  <p:clrMapOvr>
+    <a:masterClrMapping/>
+  </p:clrMapOvr>
+</p:sld>
+</file>
+
+<file path=ppt/slides/slide5.xml><?xml version="1.0" encoding="utf-8"?>
+<p:sld xmlns:a="http://schemas.openxmlformats.org/drawingml/2006/main" xmlns:r="http://schemas.openxmlformats.org/officeDocument/2006/relationships" xmlns:p="http://schemas.openxmlformats.org/presentationml/2006/main">
+  <p:cSld>
+    <p:spTree>
+      <p:nvGrpSpPr>
+        <p:cNvPr id="1" name=""/>
+        <p:cNvGrpSpPr/>
+        <p:nvPr/>
+      </p:nvGrpSpPr>
+      <p:grpSpPr>
+        <a:xfrm>
+          <a:off x="0" y="0"/>
+          <a:ext cx="0" cy="0"/>
+          <a:chOff x="0" y="0"/>
+          <a:chExt cx="0" cy="0"/>
+        </a:xfrm>
+      </p:grpSpPr>
+      <p:pic>
+        <p:nvPicPr>
+          <p:cNvPr id="4" name="圖片 3"/>
+          <p:cNvPicPr>
+            <a:picLocks noChangeAspect="1"/>
+          </p:cNvPicPr>
+          <p:nvPr/>
+        </p:nvPicPr>
+        <p:blipFill>
+          <a:blip r:embed="rId2"/>
+          <a:stretch>
+            <a:fillRect/>
+          </a:stretch>
+        </p:blipFill>
+        <p:spPr>
+          <a:xfrm>
+            <a:off x="0" y="66675"/>
+            <a:ext cx="7017487" cy="464548"/>
+          </a:xfrm>
+          <a:prstGeom prst="rect">
+            <a:avLst/>
+          </a:prstGeom>
+        </p:spPr>
+      </p:pic>
+      <p:pic>
+        <p:nvPicPr>
+          <p:cNvPr id="5" name="圖片 4"/>
+          <p:cNvPicPr>
+            <a:picLocks noChangeAspect="1"/>
+          </p:cNvPicPr>
+          <p:nvPr/>
+        </p:nvPicPr>
+        <p:blipFill>
+          <a:blip r:embed="rId3"/>
+          <a:stretch>
+            <a:fillRect/>
+          </a:stretch>
+        </p:blipFill>
+        <p:spPr>
+          <a:xfrm>
+            <a:off x="242617" y="601572"/>
+            <a:ext cx="3798162" cy="173591"/>
+          </a:xfrm>
+          <a:prstGeom prst="rect">
+            <a:avLst/>
+          </a:prstGeom>
+        </p:spPr>
+      </p:pic>
+      <p:pic>
+        <p:nvPicPr>
+          <p:cNvPr id="6" name="圖片 5"/>
+          <p:cNvPicPr>
+            <a:picLocks noChangeAspect="1"/>
+          </p:cNvPicPr>
+          <p:nvPr/>
+        </p:nvPicPr>
+        <p:blipFill>
+          <a:blip r:embed="rId4"/>
+          <a:stretch>
+            <a:fillRect/>
+          </a:stretch>
+        </p:blipFill>
+        <p:spPr>
+          <a:xfrm>
+            <a:off x="242617" y="775163"/>
+            <a:ext cx="5154387" cy="255838"/>
+          </a:xfrm>
+          <a:prstGeom prst="rect">
+            <a:avLst/>
+          </a:prstGeom>
+        </p:spPr>
+      </p:pic>
+      <p:pic>
+        <p:nvPicPr>
+          <p:cNvPr id="7" name="圖片 6"/>
+          <p:cNvPicPr>
+            <a:picLocks noChangeAspect="1"/>
+          </p:cNvPicPr>
+          <p:nvPr/>
+        </p:nvPicPr>
+        <p:blipFill>
+          <a:blip r:embed="rId5"/>
+          <a:stretch>
+            <a:fillRect/>
+          </a:stretch>
+        </p:blipFill>
+        <p:spPr>
+          <a:xfrm>
+            <a:off x="242617" y="952716"/>
+            <a:ext cx="3188030" cy="251876"/>
+          </a:xfrm>
+          <a:prstGeom prst="rect">
+            <a:avLst/>
+          </a:prstGeom>
+        </p:spPr>
+      </p:pic>
+      <p:pic>
+        <p:nvPicPr>
+          <p:cNvPr id="8" name="圖片 7"/>
+          <p:cNvPicPr>
+            <a:picLocks noChangeAspect="1"/>
+          </p:cNvPicPr>
+          <p:nvPr/>
+        </p:nvPicPr>
+        <p:blipFill>
+          <a:blip r:embed="rId6"/>
+          <a:stretch>
+            <a:fillRect/>
+          </a:stretch>
+        </p:blipFill>
+        <p:spPr>
+          <a:xfrm>
+            <a:off x="242617" y="1274941"/>
+            <a:ext cx="3202307" cy="1018916"/>
+          </a:xfrm>
+          <a:prstGeom prst="rect">
+            <a:avLst/>
+          </a:prstGeom>
+        </p:spPr>
+      </p:pic>
+      <p:pic>
+        <p:nvPicPr>
+          <p:cNvPr id="9" name="圖片 8"/>
+          <p:cNvPicPr>
+            <a:picLocks noChangeAspect="1"/>
+          </p:cNvPicPr>
+          <p:nvPr/>
+        </p:nvPicPr>
+        <p:blipFill>
+          <a:blip r:embed="rId7"/>
+          <a:stretch>
+            <a:fillRect/>
+          </a:stretch>
+        </p:blipFill>
+        <p:spPr>
+          <a:xfrm>
+            <a:off x="242617" y="2293857"/>
+            <a:ext cx="3096970" cy="573269"/>
+          </a:xfrm>
+          <a:prstGeom prst="rect">
+            <a:avLst/>
+          </a:prstGeom>
+        </p:spPr>
+      </p:pic>
+      <p:pic>
+        <p:nvPicPr>
+          <p:cNvPr id="10" name="圖片 9"/>
+          <p:cNvPicPr>
+            <a:picLocks noChangeAspect="1"/>
+          </p:cNvPicPr>
+          <p:nvPr/>
+        </p:nvPicPr>
+        <p:blipFill>
+          <a:blip r:embed="rId8"/>
+          <a:stretch>
+            <a:fillRect/>
+          </a:stretch>
+        </p:blipFill>
+        <p:spPr>
+          <a:xfrm>
+            <a:off x="3508743" y="1274941"/>
+            <a:ext cx="2285556" cy="1592185"/>
+          </a:xfrm>
+          <a:prstGeom prst="rect">
+            <a:avLst/>
+          </a:prstGeom>
+        </p:spPr>
+      </p:pic>
+      <p:pic>
+        <p:nvPicPr>
+          <p:cNvPr id="11" name="圖片 10"/>
+          <p:cNvPicPr>
+            <a:picLocks noChangeAspect="1"/>
+          </p:cNvPicPr>
+          <p:nvPr/>
+        </p:nvPicPr>
+        <p:blipFill>
+          <a:blip r:embed="rId9"/>
+          <a:stretch>
+            <a:fillRect/>
+          </a:stretch>
+        </p:blipFill>
+        <p:spPr>
+          <a:xfrm>
+            <a:off x="242617" y="3037575"/>
+            <a:ext cx="4417286" cy="1913561"/>
+          </a:xfrm>
+          <a:prstGeom prst="rect">
+            <a:avLst/>
+          </a:prstGeom>
+        </p:spPr>
+      </p:pic>
+      <p:sp>
+        <p:nvSpPr>
+          <p:cNvPr id="12" name="文字方塊 11"/>
+          <p:cNvSpPr txBox="1"/>
+          <p:nvPr/>
+        </p:nvSpPr>
+        <p:spPr>
+          <a:xfrm>
+            <a:off x="-48338" y="2813851"/>
+            <a:ext cx="518091" cy="276999"/>
+          </a:xfrm>
+          <a:prstGeom prst="rect">
+            <a:avLst/>
+          </a:prstGeom>
+          <a:noFill/>
+        </p:spPr>
+        <p:txBody>
+          <a:bodyPr wrap="none" rtlCol="0">
+            <a:spAutoFit/>
+          </a:bodyPr>
+          <a:lstStyle/>
+          <a:p>
+            <a:r>
+              <a:rPr lang="en-US" altLang="zh-TW" sz="1200" b="1" dirty="0" smtClean="0">
+                <a:solidFill>
+                  <a:srgbClr val="FF0000"/>
+                </a:solidFill>
+              </a:rPr>
+              <a:t>&lt;(b)&gt;</a:t>
+            </a:r>
+            <a:endParaRPr lang="zh-TW" altLang="en-US" b="1" dirty="0">
+              <a:solidFill>
+                <a:srgbClr val="FF0000"/>
+              </a:solidFill>
+            </a:endParaRPr>
+          </a:p>
+        </p:txBody>
+      </p:sp>
+      <p:sp>
+        <p:nvSpPr>
+          <p:cNvPr id="13" name="文字方塊 12"/>
+          <p:cNvSpPr txBox="1"/>
+          <p:nvPr/>
+        </p:nvSpPr>
+        <p:spPr>
+          <a:xfrm>
+            <a:off x="-80248" y="1119011"/>
+            <a:ext cx="510076" cy="276999"/>
+          </a:xfrm>
+          <a:prstGeom prst="rect">
+            <a:avLst/>
+          </a:prstGeom>
+          <a:noFill/>
+        </p:spPr>
+        <p:txBody>
+          <a:bodyPr wrap="none" rtlCol="0">
+            <a:spAutoFit/>
+          </a:bodyPr>
+          <a:lstStyle/>
+          <a:p>
+            <a:r>
+              <a:rPr lang="en-US" altLang="zh-TW" sz="1200" b="1" dirty="0" smtClean="0">
+                <a:solidFill>
+                  <a:srgbClr val="FF0000"/>
+                </a:solidFill>
+              </a:rPr>
+              <a:t>&lt;(a)&gt;</a:t>
+            </a:r>
+            <a:endParaRPr lang="zh-TW" altLang="en-US" b="1" dirty="0">
+              <a:solidFill>
+                <a:srgbClr val="FF0000"/>
+              </a:solidFill>
+            </a:endParaRPr>
+          </a:p>
+        </p:txBody>
+      </p:sp>
+      <p:pic>
+        <p:nvPicPr>
+          <p:cNvPr id="14" name="圖片 13"/>
+          <p:cNvPicPr>
+            <a:picLocks noChangeAspect="1"/>
+          </p:cNvPicPr>
+          <p:nvPr/>
+        </p:nvPicPr>
+        <p:blipFill>
+          <a:blip r:embed="rId10"/>
+          <a:stretch>
+            <a:fillRect/>
+          </a:stretch>
+        </p:blipFill>
+        <p:spPr>
+          <a:xfrm>
+            <a:off x="7407368" y="87104"/>
+            <a:ext cx="2213882" cy="371113"/>
+          </a:xfrm>
+          <a:prstGeom prst="rect">
+            <a:avLst/>
+          </a:prstGeom>
+        </p:spPr>
+      </p:pic>
+      <p:pic>
+        <p:nvPicPr>
+          <p:cNvPr id="15" name="圖片 14"/>
+          <p:cNvPicPr>
+            <a:picLocks noChangeAspect="1"/>
+          </p:cNvPicPr>
+          <p:nvPr/>
+        </p:nvPicPr>
+        <p:blipFill>
+          <a:blip r:embed="rId11"/>
+          <a:stretch>
+            <a:fillRect/>
+          </a:stretch>
+        </p:blipFill>
+        <p:spPr>
+          <a:xfrm>
+            <a:off x="7407368" y="470407"/>
+            <a:ext cx="3493800" cy="560594"/>
+          </a:xfrm>
+          <a:prstGeom prst="rect">
+            <a:avLst/>
+          </a:prstGeom>
+        </p:spPr>
+      </p:pic>
+      <p:pic>
+        <p:nvPicPr>
+          <p:cNvPr id="16" name="圖片 15"/>
+          <p:cNvPicPr>
+            <a:picLocks noChangeAspect="1"/>
+          </p:cNvPicPr>
+          <p:nvPr/>
+        </p:nvPicPr>
+        <p:blipFill>
+          <a:blip r:embed="rId12"/>
+          <a:stretch>
+            <a:fillRect/>
+          </a:stretch>
+        </p:blipFill>
+        <p:spPr>
+          <a:xfrm>
+            <a:off x="10901168" y="766284"/>
+            <a:ext cx="1214620" cy="280297"/>
+          </a:xfrm>
+          <a:prstGeom prst="rect">
+            <a:avLst/>
+          </a:prstGeom>
+        </p:spPr>
+      </p:pic>
+      <p:pic>
+        <p:nvPicPr>
+          <p:cNvPr id="17" name="圖片 16"/>
+          <p:cNvPicPr>
+            <a:picLocks noChangeAspect="1"/>
+          </p:cNvPicPr>
+          <p:nvPr/>
+        </p:nvPicPr>
+        <p:blipFill>
+          <a:blip r:embed="rId13"/>
+          <a:stretch>
+            <a:fillRect/>
+          </a:stretch>
+        </p:blipFill>
+        <p:spPr>
+          <a:xfrm>
+            <a:off x="7407367" y="1072250"/>
+            <a:ext cx="4784633" cy="250753"/>
+          </a:xfrm>
+          <a:prstGeom prst="rect">
+            <a:avLst/>
+          </a:prstGeom>
+        </p:spPr>
+      </p:pic>
+      <p:pic>
+        <p:nvPicPr>
+          <p:cNvPr id="18" name="圖片 17"/>
+          <p:cNvPicPr>
+            <a:picLocks noChangeAspect="1"/>
+          </p:cNvPicPr>
+          <p:nvPr/>
+        </p:nvPicPr>
+        <p:blipFill>
+          <a:blip r:embed="rId14"/>
+          <a:stretch>
+            <a:fillRect/>
+          </a:stretch>
+        </p:blipFill>
+        <p:spPr>
+          <a:xfrm rot="5400000">
+            <a:off x="5301572" y="1066027"/>
+            <a:ext cx="2420783" cy="1074865"/>
+          </a:xfrm>
+          <a:prstGeom prst="rect">
+            <a:avLst/>
+          </a:prstGeom>
+        </p:spPr>
+      </p:pic>
+      <p:sp>
+        <p:nvSpPr>
+          <p:cNvPr id="19" name="文字方塊 18"/>
+          <p:cNvSpPr txBox="1"/>
+          <p:nvPr/>
+        </p:nvSpPr>
+        <p:spPr>
+          <a:xfrm>
+            <a:off x="7027897" y="5177"/>
+            <a:ext cx="498855" cy="276999"/>
+          </a:xfrm>
+          <a:prstGeom prst="rect">
+            <a:avLst/>
+          </a:prstGeom>
+          <a:noFill/>
+        </p:spPr>
+        <p:txBody>
+          <a:bodyPr wrap="none" rtlCol="0">
+            <a:spAutoFit/>
+          </a:bodyPr>
+          <a:lstStyle/>
+          <a:p>
+            <a:r>
+              <a:rPr lang="en-US" altLang="zh-TW" sz="1200" b="1" dirty="0" smtClean="0">
+                <a:solidFill>
+                  <a:srgbClr val="FF0000"/>
+                </a:solidFill>
+              </a:rPr>
+              <a:t>&lt;(c)&gt;</a:t>
+            </a:r>
+            <a:endParaRPr lang="zh-TW" altLang="en-US" b="1" dirty="0">
+              <a:solidFill>
+                <a:srgbClr val="FF0000"/>
+              </a:solidFill>
+            </a:endParaRPr>
+          </a:p>
+        </p:txBody>
+      </p:sp>
+      <p:cxnSp>
+        <p:nvCxnSpPr>
+          <p:cNvPr id="21" name="直線接點 20"/>
+          <p:cNvCxnSpPr/>
+          <p:nvPr/>
+        </p:nvCxnSpPr>
+        <p:spPr>
+          <a:xfrm>
+            <a:off x="0" y="4951136"/>
+            <a:ext cx="3030583" cy="0"/>
+          </a:xfrm>
+          <a:prstGeom prst="line">
+            <a:avLst/>
+          </a:prstGeom>
+        </p:spPr>
+        <p:style>
+          <a:lnRef idx="1">
+            <a:schemeClr val="accent1"/>
+          </a:lnRef>
+          <a:fillRef idx="0">
+            <a:schemeClr val="accent1"/>
+          </a:fillRef>
+          <a:effectRef idx="0">
+            <a:schemeClr val="accent1"/>
+          </a:effectRef>
+          <a:fontRef idx="minor">
+            <a:schemeClr val="tx1"/>
+          </a:fontRef>
+        </p:style>
+      </p:cxnSp>
+      <p:cxnSp>
+        <p:nvCxnSpPr>
+          <p:cNvPr id="25" name="直線接點 24"/>
+          <p:cNvCxnSpPr/>
+          <p:nvPr/>
+        </p:nvCxnSpPr>
+        <p:spPr>
+          <a:xfrm flipV="1">
+            <a:off x="7149737" y="1382145"/>
+            <a:ext cx="0" cy="1309254"/>
+          </a:xfrm>
+          <a:prstGeom prst="line">
+            <a:avLst/>
+          </a:prstGeom>
+        </p:spPr>
+        <p:style>
+          <a:lnRef idx="1">
+            <a:schemeClr val="accent1"/>
+          </a:lnRef>
+          <a:fillRef idx="0">
+            <a:schemeClr val="accent1"/>
+          </a:fillRef>
+          <a:effectRef idx="0">
+            <a:schemeClr val="accent1"/>
+          </a:effectRef>
+          <a:fontRef idx="minor">
+            <a:schemeClr val="tx1"/>
+          </a:fontRef>
+        </p:style>
+      </p:cxnSp>
+      <p:cxnSp>
+        <p:nvCxnSpPr>
+          <p:cNvPr id="27" name="直線接點 26"/>
+          <p:cNvCxnSpPr/>
+          <p:nvPr/>
+        </p:nvCxnSpPr>
+        <p:spPr>
+          <a:xfrm>
+            <a:off x="7123611" y="1396010"/>
+            <a:ext cx="5068389" cy="0"/>
+          </a:xfrm>
+          <a:prstGeom prst="line">
+            <a:avLst/>
+          </a:prstGeom>
+        </p:spPr>
+        <p:style>
+          <a:lnRef idx="1">
+            <a:schemeClr val="accent1"/>
+          </a:lnRef>
+          <a:fillRef idx="0">
+            <a:schemeClr val="accent1"/>
+          </a:fillRef>
+          <a:effectRef idx="0">
+            <a:schemeClr val="accent1"/>
+          </a:effectRef>
+          <a:fontRef idx="minor">
+            <a:schemeClr val="tx1"/>
+          </a:fontRef>
+        </p:style>
+      </p:cxnSp>
+      <p:pic>
+        <p:nvPicPr>
+          <p:cNvPr id="28" name="圖片 27"/>
+          <p:cNvPicPr>
+            <a:picLocks noChangeAspect="1"/>
+          </p:cNvPicPr>
+          <p:nvPr/>
+        </p:nvPicPr>
+        <p:blipFill>
+          <a:blip r:embed="rId15"/>
+          <a:stretch>
+            <a:fillRect/>
+          </a:stretch>
+        </p:blipFill>
+        <p:spPr>
+          <a:xfrm>
+            <a:off x="7373046" y="1718184"/>
+            <a:ext cx="4650192" cy="1485746"/>
+          </a:xfrm>
+          <a:prstGeom prst="rect">
+            <a:avLst/>
+          </a:prstGeom>
+        </p:spPr>
+      </p:pic>
+      <p:pic>
+        <p:nvPicPr>
+          <p:cNvPr id="29" name="圖片 28"/>
+          <p:cNvPicPr>
+            <a:picLocks noChangeAspect="1"/>
+          </p:cNvPicPr>
+          <p:nvPr/>
+        </p:nvPicPr>
+        <p:blipFill>
+          <a:blip r:embed="rId16"/>
+          <a:stretch>
+            <a:fillRect/>
+          </a:stretch>
+        </p:blipFill>
+        <p:spPr>
+          <a:xfrm>
+            <a:off x="5775342" y="3386840"/>
+            <a:ext cx="6434075" cy="485957"/>
+          </a:xfrm>
+          <a:prstGeom prst="rect">
+            <a:avLst/>
+          </a:prstGeom>
+        </p:spPr>
+      </p:pic>
+      <p:pic>
+        <p:nvPicPr>
+          <p:cNvPr id="30" name="圖片 29"/>
+          <p:cNvPicPr>
+            <a:picLocks noChangeAspect="1"/>
+          </p:cNvPicPr>
+          <p:nvPr/>
+        </p:nvPicPr>
+        <p:blipFill>
+          <a:blip r:embed="rId17"/>
+          <a:stretch>
+            <a:fillRect/>
+          </a:stretch>
+        </p:blipFill>
+        <p:spPr>
+          <a:xfrm>
+            <a:off x="5794299" y="3875836"/>
+            <a:ext cx="4821964" cy="1072261"/>
+          </a:xfrm>
+          <a:prstGeom prst="rect">
+            <a:avLst/>
+          </a:prstGeom>
+        </p:spPr>
+      </p:pic>
+      <p:pic>
+        <p:nvPicPr>
+          <p:cNvPr id="31" name="圖片 30"/>
+          <p:cNvPicPr>
+            <a:picLocks noChangeAspect="1"/>
+          </p:cNvPicPr>
+          <p:nvPr/>
+        </p:nvPicPr>
+        <p:blipFill>
+          <a:blip r:embed="rId18"/>
+          <a:stretch>
+            <a:fillRect/>
+          </a:stretch>
+        </p:blipFill>
+        <p:spPr>
+          <a:xfrm>
+            <a:off x="5821450" y="4973800"/>
+            <a:ext cx="4688886" cy="692319"/>
+          </a:xfrm>
+          <a:prstGeom prst="rect">
+            <a:avLst/>
+          </a:prstGeom>
+        </p:spPr>
+      </p:pic>
+      <p:pic>
+        <p:nvPicPr>
+          <p:cNvPr id="32" name="圖片 31"/>
+          <p:cNvPicPr>
+            <a:picLocks noChangeAspect="1"/>
+          </p:cNvPicPr>
+          <p:nvPr/>
+        </p:nvPicPr>
+        <p:blipFill>
+          <a:blip r:embed="rId19"/>
+          <a:stretch>
+            <a:fillRect/>
+          </a:stretch>
+        </p:blipFill>
+        <p:spPr>
+          <a:xfrm>
+            <a:off x="9938728" y="5299844"/>
+            <a:ext cx="1437867" cy="441881"/>
+          </a:xfrm>
+          <a:prstGeom prst="rect">
+            <a:avLst/>
+          </a:prstGeom>
+        </p:spPr>
+      </p:pic>
+      <p:pic>
+        <p:nvPicPr>
+          <p:cNvPr id="33" name="圖片 32"/>
+          <p:cNvPicPr>
+            <a:picLocks noChangeAspect="1"/>
+          </p:cNvPicPr>
+          <p:nvPr/>
+        </p:nvPicPr>
+        <p:blipFill>
+          <a:blip r:embed="rId20"/>
+          <a:stretch>
+            <a:fillRect/>
+          </a:stretch>
+        </p:blipFill>
+        <p:spPr>
+          <a:xfrm>
+            <a:off x="5794299" y="5675771"/>
+            <a:ext cx="6228939" cy="348302"/>
+          </a:xfrm>
+          <a:prstGeom prst="rect">
+            <a:avLst/>
+          </a:prstGeom>
+        </p:spPr>
+      </p:pic>
+      <p:pic>
+        <p:nvPicPr>
+          <p:cNvPr id="34" name="圖片 33"/>
+          <p:cNvPicPr>
+            <a:picLocks noChangeAspect="1"/>
+          </p:cNvPicPr>
+          <p:nvPr/>
+        </p:nvPicPr>
+        <p:blipFill>
+          <a:blip r:embed="rId21"/>
+          <a:stretch>
+            <a:fillRect/>
+          </a:stretch>
+        </p:blipFill>
+        <p:spPr>
+          <a:xfrm>
+            <a:off x="5821450" y="5992163"/>
+            <a:ext cx="5960933" cy="433656"/>
+          </a:xfrm>
+          <a:prstGeom prst="rect">
+            <a:avLst/>
+          </a:prstGeom>
+        </p:spPr>
+      </p:pic>
+      <p:cxnSp>
+        <p:nvCxnSpPr>
+          <p:cNvPr id="36" name="直線接點 35"/>
+          <p:cNvCxnSpPr/>
+          <p:nvPr/>
+        </p:nvCxnSpPr>
+        <p:spPr>
+          <a:xfrm>
+            <a:off x="5749464" y="3449872"/>
+            <a:ext cx="0" cy="3408128"/>
+          </a:xfrm>
+          <a:prstGeom prst="line">
+            <a:avLst/>
+          </a:prstGeom>
+        </p:spPr>
+        <p:style>
+          <a:lnRef idx="1">
+            <a:schemeClr val="accent1"/>
+          </a:lnRef>
+          <a:fillRef idx="0">
+            <a:schemeClr val="accent1"/>
+          </a:fillRef>
+          <a:effectRef idx="0">
+            <a:schemeClr val="accent1"/>
+          </a:effectRef>
+          <a:fontRef idx="minor">
+            <a:schemeClr val="tx1"/>
+          </a:fontRef>
+        </p:style>
+      </p:cxnSp>
+      <p:pic>
+        <p:nvPicPr>
+          <p:cNvPr id="38" name="圖片 37"/>
+          <p:cNvPicPr>
+            <a:picLocks noChangeAspect="1"/>
+          </p:cNvPicPr>
+          <p:nvPr/>
+        </p:nvPicPr>
+        <p:blipFill>
+          <a:blip r:embed="rId22"/>
+          <a:stretch>
+            <a:fillRect/>
+          </a:stretch>
+        </p:blipFill>
+        <p:spPr>
+          <a:xfrm>
+            <a:off x="20972" y="5534900"/>
+            <a:ext cx="5702615" cy="333384"/>
+          </a:xfrm>
+          <a:prstGeom prst="rect">
+            <a:avLst/>
+          </a:prstGeom>
+        </p:spPr>
+      </p:pic>
+      <p:sp>
+        <p:nvSpPr>
+          <p:cNvPr id="40" name="文字方塊 39"/>
+          <p:cNvSpPr txBox="1"/>
+          <p:nvPr/>
+        </p:nvSpPr>
+        <p:spPr>
+          <a:xfrm>
+            <a:off x="-98888" y="5840257"/>
+            <a:ext cx="510076" cy="276999"/>
+          </a:xfrm>
+          <a:prstGeom prst="rect">
+            <a:avLst/>
+          </a:prstGeom>
+          <a:noFill/>
+        </p:spPr>
+        <p:txBody>
+          <a:bodyPr wrap="none" rtlCol="0">
+            <a:spAutoFit/>
+          </a:bodyPr>
+          <a:lstStyle/>
+          <a:p>
+            <a:r>
+              <a:rPr lang="en-US" altLang="zh-TW" sz="1200" b="1" dirty="0" smtClean="0">
+                <a:solidFill>
+                  <a:srgbClr val="FF0000"/>
+                </a:solidFill>
+              </a:rPr>
+              <a:t>&lt;(a)&gt;</a:t>
+            </a:r>
+            <a:endParaRPr lang="zh-TW" altLang="en-US" b="1" dirty="0">
+              <a:solidFill>
+                <a:srgbClr val="FF0000"/>
+              </a:solidFill>
+            </a:endParaRPr>
+          </a:p>
+        </p:txBody>
+      </p:sp>
+      <p:pic>
+        <p:nvPicPr>
+          <p:cNvPr id="41" name="圖片 40"/>
+          <p:cNvPicPr>
+            <a:picLocks noChangeAspect="1"/>
+          </p:cNvPicPr>
+          <p:nvPr/>
+        </p:nvPicPr>
+        <p:blipFill>
+          <a:blip r:embed="rId23"/>
+          <a:stretch>
+            <a:fillRect/>
+          </a:stretch>
+        </p:blipFill>
+        <p:spPr>
+          <a:xfrm>
+            <a:off x="49603" y="6041656"/>
+            <a:ext cx="5682706" cy="768325"/>
+          </a:xfrm>
+          <a:prstGeom prst="rect">
+            <a:avLst/>
+          </a:prstGeom>
+        </p:spPr>
+      </p:pic>
+      <p:pic>
+        <p:nvPicPr>
+          <p:cNvPr id="39" name="圖片 38"/>
+          <p:cNvPicPr>
+            <a:picLocks noChangeAspect="1"/>
+          </p:cNvPicPr>
+          <p:nvPr/>
+        </p:nvPicPr>
+        <p:blipFill>
+          <a:blip r:embed="rId24"/>
+          <a:stretch>
+            <a:fillRect/>
+          </a:stretch>
+        </p:blipFill>
+        <p:spPr>
+          <a:xfrm>
+            <a:off x="4242439" y="4170772"/>
+            <a:ext cx="1480227" cy="1421488"/>
+          </a:xfrm>
+          <a:prstGeom prst="rect">
+            <a:avLst/>
+          </a:prstGeom>
+        </p:spPr>
+      </p:pic>
+      <p:cxnSp>
+        <p:nvCxnSpPr>
+          <p:cNvPr id="23" name="直線接點 22"/>
+          <p:cNvCxnSpPr/>
+          <p:nvPr/>
+        </p:nvCxnSpPr>
+        <p:spPr>
+          <a:xfrm flipV="1">
+            <a:off x="3030583" y="2699657"/>
+            <a:ext cx="4093028" cy="2251479"/>
+          </a:xfrm>
+          <a:prstGeom prst="line">
+            <a:avLst/>
+          </a:prstGeom>
+        </p:spPr>
+        <p:style>
+          <a:lnRef idx="1">
+            <a:schemeClr val="accent1"/>
+          </a:lnRef>
+          <a:fillRef idx="0">
+            <a:schemeClr val="accent1"/>
+          </a:fillRef>
+          <a:effectRef idx="0">
+            <a:schemeClr val="accent1"/>
+          </a:effectRef>
+          <a:fontRef idx="minor">
+            <a:schemeClr val="tx1"/>
+          </a:fontRef>
+        </p:style>
+      </p:cxnSp>
+    </p:spTree>
+    <p:extLst>
+      <p:ext uri="{BB962C8B-B14F-4D97-AF65-F5344CB8AC3E}">
+        <p14:creationId xmlns:p14="http://schemas.microsoft.com/office/powerpoint/2010/main" val="4035995618"/>
+      </p:ext>
+    </p:extLst>
+  </p:cSld>
+  <p:clrMapOvr>
+    <a:masterClrMapping/>
+  </p:clrMapOvr>
+</p:sld>
+</file>
+
+<file path=ppt/slides/slide6.xml><?xml version="1.0" encoding="utf-8"?>
+<p:sld xmlns:a="http://schemas.openxmlformats.org/drawingml/2006/main" xmlns:r="http://schemas.openxmlformats.org/officeDocument/2006/relationships" xmlns:p="http://schemas.openxmlformats.org/presentationml/2006/main">
+  <p:cSld>
+    <p:spTree>
+      <p:nvGrpSpPr>
+        <p:cNvPr id="1" name=""/>
+        <p:cNvGrpSpPr/>
+        <p:nvPr/>
+      </p:nvGrpSpPr>
+      <p:grpSpPr>
+        <a:xfrm>
+          <a:off x="0" y="0"/>
+          <a:ext cx="0" cy="0"/>
+          <a:chOff x="0" y="0"/>
+          <a:chExt cx="0" cy="0"/>
+        </a:xfrm>
+      </p:grpSpPr>
+      <p:pic>
+        <p:nvPicPr>
+          <p:cNvPr id="4" name="圖片 3"/>
+          <p:cNvPicPr>
+            <a:picLocks noChangeAspect="1"/>
+          </p:cNvPicPr>
+          <p:nvPr/>
+        </p:nvPicPr>
+        <p:blipFill>
+          <a:blip r:embed="rId2"/>
+          <a:stretch>
+            <a:fillRect/>
+          </a:stretch>
+        </p:blipFill>
+        <p:spPr>
+          <a:xfrm>
+            <a:off x="1" y="0"/>
+            <a:ext cx="6820556" cy="696686"/>
+          </a:xfrm>
+          <a:prstGeom prst="rect">
+            <a:avLst/>
+          </a:prstGeom>
+        </p:spPr>
+      </p:pic>
+      <p:pic>
+        <p:nvPicPr>
+          <p:cNvPr id="5" name="圖片 4"/>
+          <p:cNvPicPr>
+            <a:picLocks noChangeAspect="1"/>
+          </p:cNvPicPr>
+          <p:nvPr/>
+        </p:nvPicPr>
+        <p:blipFill>
+          <a:blip r:embed="rId3"/>
+          <a:stretch>
+            <a:fillRect/>
+          </a:stretch>
+        </p:blipFill>
+        <p:spPr>
+          <a:xfrm>
+            <a:off x="158501" y="696686"/>
+            <a:ext cx="6662056" cy="1452524"/>
+          </a:xfrm>
+          <a:prstGeom prst="rect">
+            <a:avLst/>
+          </a:prstGeom>
+        </p:spPr>
+      </p:pic>
+      <p:sp>
+        <p:nvSpPr>
+          <p:cNvPr id="6" name="文字方塊 5"/>
+          <p:cNvSpPr txBox="1"/>
+          <p:nvPr/>
+        </p:nvSpPr>
+        <p:spPr>
+          <a:xfrm>
+            <a:off x="-47129" y="2080653"/>
+            <a:ext cx="518091" cy="276999"/>
+          </a:xfrm>
+          <a:prstGeom prst="rect">
+            <a:avLst/>
+          </a:prstGeom>
+          <a:noFill/>
+        </p:spPr>
+        <p:txBody>
+          <a:bodyPr wrap="none" rtlCol="0">
+            <a:spAutoFit/>
+          </a:bodyPr>
+          <a:lstStyle/>
+          <a:p>
+            <a:r>
+              <a:rPr lang="en-US" altLang="zh-TW" sz="1200" b="1" dirty="0" smtClean="0">
+                <a:solidFill>
+                  <a:srgbClr val="FF0000"/>
+                </a:solidFill>
+              </a:rPr>
+              <a:t>&lt;(b)&gt;</a:t>
+            </a:r>
+            <a:endParaRPr lang="zh-TW" altLang="en-US" b="1" dirty="0">
+              <a:solidFill>
+                <a:srgbClr val="FF0000"/>
+              </a:solidFill>
+            </a:endParaRPr>
+          </a:p>
+        </p:txBody>
+      </p:sp>
+      <p:pic>
+        <p:nvPicPr>
+          <p:cNvPr id="7" name="圖片 6"/>
+          <p:cNvPicPr>
+            <a:picLocks noChangeAspect="1"/>
+          </p:cNvPicPr>
+          <p:nvPr/>
+        </p:nvPicPr>
+        <p:blipFill>
+          <a:blip r:embed="rId4"/>
+          <a:stretch>
+            <a:fillRect/>
+          </a:stretch>
+        </p:blipFill>
+        <p:spPr>
+          <a:xfrm>
+            <a:off x="407928" y="2146596"/>
+            <a:ext cx="3104675" cy="144206"/>
+          </a:xfrm>
+          <a:prstGeom prst="rect">
+            <a:avLst/>
+          </a:prstGeom>
+        </p:spPr>
+      </p:pic>
+      <p:pic>
+        <p:nvPicPr>
+          <p:cNvPr id="8" name="圖片 7"/>
+          <p:cNvPicPr>
+            <a:picLocks noChangeAspect="1"/>
+          </p:cNvPicPr>
+          <p:nvPr/>
+        </p:nvPicPr>
+        <p:blipFill>
+          <a:blip r:embed="rId5"/>
+          <a:stretch>
+            <a:fillRect/>
+          </a:stretch>
+        </p:blipFill>
+        <p:spPr>
+          <a:xfrm>
+            <a:off x="518091" y="2291256"/>
+            <a:ext cx="3032795" cy="774105"/>
+          </a:xfrm>
+          <a:prstGeom prst="rect">
+            <a:avLst/>
+          </a:prstGeom>
+        </p:spPr>
+      </p:pic>
+      <p:pic>
+        <p:nvPicPr>
+          <p:cNvPr id="9" name="圖片 8"/>
+          <p:cNvPicPr>
+            <a:picLocks noChangeAspect="1"/>
+          </p:cNvPicPr>
+          <p:nvPr/>
+        </p:nvPicPr>
+        <p:blipFill>
+          <a:blip r:embed="rId6"/>
+          <a:stretch>
+            <a:fillRect/>
+          </a:stretch>
+        </p:blipFill>
+        <p:spPr>
+          <a:xfrm>
+            <a:off x="3550886" y="2659711"/>
+            <a:ext cx="2937000" cy="372370"/>
+          </a:xfrm>
+          <a:prstGeom prst="rect">
+            <a:avLst/>
+          </a:prstGeom>
+        </p:spPr>
+      </p:pic>
+      <p:pic>
+        <p:nvPicPr>
+          <p:cNvPr id="10" name="圖片 9"/>
+          <p:cNvPicPr>
+            <a:picLocks noChangeAspect="1"/>
+          </p:cNvPicPr>
+          <p:nvPr/>
+        </p:nvPicPr>
+        <p:blipFill>
+          <a:blip r:embed="rId7"/>
+          <a:stretch>
+            <a:fillRect/>
+          </a:stretch>
+        </p:blipFill>
+        <p:spPr>
+          <a:xfrm>
+            <a:off x="341708" y="3092067"/>
+            <a:ext cx="3209178" cy="483795"/>
+          </a:xfrm>
+          <a:prstGeom prst="rect">
+            <a:avLst/>
+          </a:prstGeom>
+        </p:spPr>
+      </p:pic>
+      <p:pic>
+        <p:nvPicPr>
+          <p:cNvPr id="11" name="圖片 10"/>
+          <p:cNvPicPr>
+            <a:picLocks noChangeAspect="1"/>
+          </p:cNvPicPr>
+          <p:nvPr/>
+        </p:nvPicPr>
+        <p:blipFill>
+          <a:blip r:embed="rId8"/>
+          <a:stretch>
+            <a:fillRect/>
+          </a:stretch>
+        </p:blipFill>
+        <p:spPr>
+          <a:xfrm>
+            <a:off x="3550886" y="3049057"/>
+            <a:ext cx="3226967" cy="550517"/>
+          </a:xfrm>
+          <a:prstGeom prst="rect">
+            <a:avLst/>
+          </a:prstGeom>
+        </p:spPr>
+      </p:pic>
+      <p:pic>
+        <p:nvPicPr>
+          <p:cNvPr id="12" name="圖片 11"/>
+          <p:cNvPicPr>
+            <a:picLocks noChangeAspect="1"/>
+          </p:cNvPicPr>
+          <p:nvPr/>
+        </p:nvPicPr>
+        <p:blipFill>
+          <a:blip r:embed="rId9"/>
+          <a:stretch>
+            <a:fillRect/>
+          </a:stretch>
+        </p:blipFill>
+        <p:spPr>
+          <a:xfrm>
+            <a:off x="341709" y="3601258"/>
+            <a:ext cx="4134498" cy="427324"/>
+          </a:xfrm>
+          <a:prstGeom prst="rect">
+            <a:avLst/>
+          </a:prstGeom>
+        </p:spPr>
+      </p:pic>
+      <p:pic>
+        <p:nvPicPr>
+          <p:cNvPr id="13" name="圖片 12"/>
+          <p:cNvPicPr>
+            <a:picLocks noChangeAspect="1"/>
+          </p:cNvPicPr>
+          <p:nvPr/>
+        </p:nvPicPr>
+        <p:blipFill>
+          <a:blip r:embed="rId10"/>
+          <a:stretch>
+            <a:fillRect/>
+          </a:stretch>
+        </p:blipFill>
+        <p:spPr>
+          <a:xfrm>
+            <a:off x="4585199" y="3639189"/>
+            <a:ext cx="500607" cy="447602"/>
+          </a:xfrm>
+          <a:prstGeom prst="rect">
+            <a:avLst/>
+          </a:prstGeom>
+        </p:spPr>
+      </p:pic>
+      <p:sp>
+        <p:nvSpPr>
+          <p:cNvPr id="14" name="文字方塊 13"/>
+          <p:cNvSpPr txBox="1"/>
+          <p:nvPr/>
+        </p:nvSpPr>
+        <p:spPr>
+          <a:xfrm>
+            <a:off x="-90927" y="4003110"/>
+            <a:ext cx="498855" cy="276999"/>
+          </a:xfrm>
+          <a:prstGeom prst="rect">
+            <a:avLst/>
+          </a:prstGeom>
+          <a:noFill/>
+        </p:spPr>
+        <p:txBody>
+          <a:bodyPr wrap="none" rtlCol="0">
+            <a:spAutoFit/>
+          </a:bodyPr>
+          <a:lstStyle/>
+          <a:p>
+            <a:r>
+              <a:rPr lang="en-US" altLang="zh-TW" sz="1200" b="1" dirty="0" smtClean="0">
+                <a:solidFill>
+                  <a:srgbClr val="FF0000"/>
+                </a:solidFill>
+              </a:rPr>
+              <a:t>&lt;(c)&gt;</a:t>
+            </a:r>
+            <a:endParaRPr lang="zh-TW" altLang="en-US" b="1" dirty="0">
+              <a:solidFill>
+                <a:srgbClr val="FF0000"/>
+              </a:solidFill>
+            </a:endParaRPr>
+          </a:p>
+        </p:txBody>
+      </p:sp>
+      <p:pic>
+        <p:nvPicPr>
+          <p:cNvPr id="15" name="圖片 14"/>
+          <p:cNvPicPr>
+            <a:picLocks noChangeAspect="1"/>
+          </p:cNvPicPr>
+          <p:nvPr/>
+        </p:nvPicPr>
+        <p:blipFill>
+          <a:blip r:embed="rId11"/>
+          <a:stretch>
+            <a:fillRect/>
+          </a:stretch>
+        </p:blipFill>
+        <p:spPr>
+          <a:xfrm>
+            <a:off x="341708" y="4103778"/>
+            <a:ext cx="4909562" cy="257752"/>
+          </a:xfrm>
+          <a:prstGeom prst="rect">
+            <a:avLst/>
+          </a:prstGeom>
+        </p:spPr>
+      </p:pic>
+      <p:pic>
+        <p:nvPicPr>
+          <p:cNvPr id="16" name="圖片 15"/>
+          <p:cNvPicPr>
+            <a:picLocks noChangeAspect="1"/>
+          </p:cNvPicPr>
+          <p:nvPr/>
+        </p:nvPicPr>
+        <p:blipFill>
+          <a:blip r:embed="rId12"/>
+          <a:stretch>
+            <a:fillRect/>
+          </a:stretch>
+        </p:blipFill>
+        <p:spPr>
+          <a:xfrm>
+            <a:off x="5251270" y="4074677"/>
+            <a:ext cx="1569287" cy="328701"/>
+          </a:xfrm>
+          <a:prstGeom prst="rect">
+            <a:avLst/>
+          </a:prstGeom>
+        </p:spPr>
+      </p:pic>
+      <p:pic>
+        <p:nvPicPr>
+          <p:cNvPr id="17" name="圖片 16"/>
+          <p:cNvPicPr>
+            <a:picLocks noChangeAspect="1"/>
+          </p:cNvPicPr>
+          <p:nvPr/>
+        </p:nvPicPr>
+        <p:blipFill>
+          <a:blip r:embed="rId13"/>
+          <a:stretch>
+            <a:fillRect/>
+          </a:stretch>
+        </p:blipFill>
+        <p:spPr>
+          <a:xfrm>
+            <a:off x="341708" y="4326885"/>
+            <a:ext cx="3838406" cy="508507"/>
+          </a:xfrm>
+          <a:prstGeom prst="rect">
+            <a:avLst/>
+          </a:prstGeom>
+        </p:spPr>
+      </p:pic>
+      <p:pic>
+        <p:nvPicPr>
+          <p:cNvPr id="19" name="圖片 18"/>
+          <p:cNvPicPr>
+            <a:picLocks noChangeAspect="1"/>
+          </p:cNvPicPr>
+          <p:nvPr/>
+        </p:nvPicPr>
+        <p:blipFill>
+          <a:blip r:embed="rId14"/>
+          <a:stretch>
+            <a:fillRect/>
+          </a:stretch>
+        </p:blipFill>
+        <p:spPr>
+          <a:xfrm>
+            <a:off x="341708" y="4835392"/>
+            <a:ext cx="2802342" cy="304857"/>
+          </a:xfrm>
+          <a:prstGeom prst="rect">
+            <a:avLst/>
+          </a:prstGeom>
+        </p:spPr>
+      </p:pic>
+      <p:pic>
+        <p:nvPicPr>
+          <p:cNvPr id="20" name="圖片 19"/>
+          <p:cNvPicPr>
+            <a:picLocks noChangeAspect="1"/>
+          </p:cNvPicPr>
+          <p:nvPr/>
+        </p:nvPicPr>
+        <p:blipFill>
+          <a:blip r:embed="rId15"/>
+          <a:stretch>
+            <a:fillRect/>
+          </a:stretch>
+        </p:blipFill>
+        <p:spPr>
+          <a:xfrm>
+            <a:off x="3363056" y="4809508"/>
+            <a:ext cx="3312660" cy="497982"/>
+          </a:xfrm>
+          <a:prstGeom prst="rect">
+            <a:avLst/>
+          </a:prstGeom>
+        </p:spPr>
+      </p:pic>
+      <p:pic>
+        <p:nvPicPr>
+          <p:cNvPr id="21" name="圖片 20"/>
+          <p:cNvPicPr>
+            <a:picLocks noChangeAspect="1"/>
+          </p:cNvPicPr>
+          <p:nvPr/>
+        </p:nvPicPr>
+        <p:blipFill>
+          <a:blip r:embed="rId16"/>
+          <a:stretch>
+            <a:fillRect/>
+          </a:stretch>
+        </p:blipFill>
+        <p:spPr>
+          <a:xfrm>
+            <a:off x="3176672" y="4935857"/>
+            <a:ext cx="186384" cy="132022"/>
+          </a:xfrm>
+          <a:prstGeom prst="rect">
+            <a:avLst/>
+          </a:prstGeom>
+        </p:spPr>
+      </p:pic>
+      <p:sp>
+        <p:nvSpPr>
+          <p:cNvPr id="22" name="文字方塊 21"/>
+          <p:cNvSpPr txBox="1"/>
+          <p:nvPr/>
+        </p:nvSpPr>
+        <p:spPr>
+          <a:xfrm>
+            <a:off x="-110163" y="5168990"/>
+            <a:ext cx="518091" cy="276999"/>
+          </a:xfrm>
+          <a:prstGeom prst="rect">
+            <a:avLst/>
+          </a:prstGeom>
+          <a:noFill/>
+        </p:spPr>
+        <p:txBody>
+          <a:bodyPr wrap="none" rtlCol="0">
+            <a:spAutoFit/>
+          </a:bodyPr>
+          <a:lstStyle/>
+          <a:p>
+            <a:r>
+              <a:rPr lang="en-US" altLang="zh-TW" sz="1200" b="1" dirty="0" smtClean="0">
+                <a:solidFill>
+                  <a:srgbClr val="FF0000"/>
+                </a:solidFill>
+              </a:rPr>
+              <a:t>&lt;(d)&gt;</a:t>
+            </a:r>
+            <a:endParaRPr lang="zh-TW" altLang="en-US" b="1" dirty="0">
+              <a:solidFill>
+                <a:srgbClr val="FF0000"/>
+              </a:solidFill>
+            </a:endParaRPr>
+          </a:p>
+        </p:txBody>
+      </p:sp>
+      <p:pic>
+        <p:nvPicPr>
+          <p:cNvPr id="23" name="圖片 22"/>
+          <p:cNvPicPr>
+            <a:picLocks noChangeAspect="1"/>
+          </p:cNvPicPr>
+          <p:nvPr/>
+        </p:nvPicPr>
+        <p:blipFill>
+          <a:blip r:embed="rId17"/>
+          <a:stretch>
+            <a:fillRect/>
+          </a:stretch>
+        </p:blipFill>
+        <p:spPr>
+          <a:xfrm>
+            <a:off x="341708" y="5307489"/>
+            <a:ext cx="4475612" cy="212858"/>
+          </a:xfrm>
+          <a:prstGeom prst="rect">
+            <a:avLst/>
+          </a:prstGeom>
+        </p:spPr>
+      </p:pic>
+      <p:pic>
+        <p:nvPicPr>
+          <p:cNvPr id="24" name="圖片 23"/>
+          <p:cNvPicPr>
+            <a:picLocks noChangeAspect="1"/>
+          </p:cNvPicPr>
+          <p:nvPr/>
+        </p:nvPicPr>
+        <p:blipFill>
+          <a:blip r:embed="rId18"/>
+          <a:stretch>
+            <a:fillRect/>
+          </a:stretch>
+        </p:blipFill>
+        <p:spPr>
+          <a:xfrm>
+            <a:off x="4835502" y="5288575"/>
+            <a:ext cx="1740133" cy="314827"/>
+          </a:xfrm>
+          <a:prstGeom prst="rect">
+            <a:avLst/>
+          </a:prstGeom>
+        </p:spPr>
+      </p:pic>
+      <p:pic>
+        <p:nvPicPr>
+          <p:cNvPr id="25" name="圖片 24"/>
+          <p:cNvPicPr>
+            <a:picLocks noChangeAspect="1"/>
+          </p:cNvPicPr>
+          <p:nvPr/>
+        </p:nvPicPr>
+        <p:blipFill>
+          <a:blip r:embed="rId19"/>
+          <a:stretch>
+            <a:fillRect/>
+          </a:stretch>
+        </p:blipFill>
+        <p:spPr>
+          <a:xfrm>
+            <a:off x="341708" y="5521780"/>
+            <a:ext cx="4749982" cy="220121"/>
+          </a:xfrm>
+          <a:prstGeom prst="rect">
+            <a:avLst/>
+          </a:prstGeom>
+        </p:spPr>
+      </p:pic>
+      <p:pic>
+        <p:nvPicPr>
+          <p:cNvPr id="26" name="圖片 25"/>
+          <p:cNvPicPr>
+            <a:picLocks noChangeAspect="1"/>
+          </p:cNvPicPr>
+          <p:nvPr/>
+        </p:nvPicPr>
+        <p:blipFill>
+          <a:blip r:embed="rId20"/>
+          <a:stretch>
+            <a:fillRect/>
+          </a:stretch>
+        </p:blipFill>
+        <p:spPr>
+          <a:xfrm>
+            <a:off x="5109872" y="5542462"/>
+            <a:ext cx="345595" cy="178756"/>
+          </a:xfrm>
+          <a:prstGeom prst="rect">
+            <a:avLst/>
+          </a:prstGeom>
+        </p:spPr>
+      </p:pic>
+      <p:pic>
+        <p:nvPicPr>
+          <p:cNvPr id="27" name="圖片 26"/>
+          <p:cNvPicPr>
+            <a:picLocks noChangeAspect="1"/>
+          </p:cNvPicPr>
+          <p:nvPr/>
+        </p:nvPicPr>
+        <p:blipFill>
+          <a:blip r:embed="rId21"/>
+          <a:stretch>
+            <a:fillRect/>
+          </a:stretch>
+        </p:blipFill>
+        <p:spPr>
+          <a:xfrm>
+            <a:off x="343156" y="5721218"/>
+            <a:ext cx="2800894" cy="294538"/>
+          </a:xfrm>
+          <a:prstGeom prst="rect">
+            <a:avLst/>
+          </a:prstGeom>
+        </p:spPr>
+      </p:pic>
+      <p:pic>
+        <p:nvPicPr>
+          <p:cNvPr id="28" name="圖片 27"/>
+          <p:cNvPicPr>
+            <a:picLocks noChangeAspect="1"/>
+          </p:cNvPicPr>
+          <p:nvPr/>
+        </p:nvPicPr>
+        <p:blipFill>
+          <a:blip r:embed="rId22"/>
+          <a:stretch>
+            <a:fillRect/>
+          </a:stretch>
+        </p:blipFill>
+        <p:spPr>
+          <a:xfrm>
+            <a:off x="3202799" y="5698978"/>
+            <a:ext cx="3055661" cy="533788"/>
+          </a:xfrm>
+          <a:prstGeom prst="rect">
+            <a:avLst/>
+          </a:prstGeom>
+        </p:spPr>
+      </p:pic>
+      <p:pic>
+        <p:nvPicPr>
+          <p:cNvPr id="29" name="圖片 28"/>
+          <p:cNvPicPr>
+            <a:picLocks noChangeAspect="1"/>
+          </p:cNvPicPr>
+          <p:nvPr/>
+        </p:nvPicPr>
+        <p:blipFill>
+          <a:blip r:embed="rId23"/>
+          <a:stretch>
+            <a:fillRect/>
+          </a:stretch>
+        </p:blipFill>
+        <p:spPr>
+          <a:xfrm>
+            <a:off x="341708" y="6253449"/>
+            <a:ext cx="3851996" cy="604859"/>
+          </a:xfrm>
+          <a:prstGeom prst="rect">
+            <a:avLst/>
+          </a:prstGeom>
+        </p:spPr>
+      </p:pic>
+      <p:cxnSp>
+        <p:nvCxnSpPr>
+          <p:cNvPr id="31" name="直線接點 30"/>
+          <p:cNvCxnSpPr/>
+          <p:nvPr/>
+        </p:nvCxnSpPr>
+        <p:spPr>
+          <a:xfrm>
+            <a:off x="6820557" y="-308"/>
+            <a:ext cx="0" cy="6858308"/>
+          </a:xfrm>
+          <a:prstGeom prst="line">
+            <a:avLst/>
+          </a:prstGeom>
+        </p:spPr>
+        <p:style>
+          <a:lnRef idx="1">
+            <a:schemeClr val="accent1"/>
+          </a:lnRef>
+          <a:fillRef idx="0">
+            <a:schemeClr val="accent1"/>
+          </a:fillRef>
+          <a:effectRef idx="0">
+            <a:schemeClr val="accent1"/>
+          </a:effectRef>
+          <a:fontRef idx="minor">
+            <a:schemeClr val="tx1"/>
+          </a:fontRef>
+        </p:style>
+      </p:cxnSp>
+      <p:pic>
+        <p:nvPicPr>
+          <p:cNvPr id="32" name="圖片 31"/>
+          <p:cNvPicPr>
+            <a:picLocks noChangeAspect="1"/>
+          </p:cNvPicPr>
+          <p:nvPr/>
+        </p:nvPicPr>
+        <p:blipFill>
+          <a:blip r:embed="rId24"/>
+          <a:stretch>
+            <a:fillRect/>
+          </a:stretch>
+        </p:blipFill>
+        <p:spPr>
+          <a:xfrm>
+            <a:off x="6863261" y="-1"/>
+            <a:ext cx="4489410" cy="200297"/>
+          </a:xfrm>
+          <a:prstGeom prst="rect">
+            <a:avLst/>
+          </a:prstGeom>
+        </p:spPr>
+      </p:pic>
+      <p:pic>
+        <p:nvPicPr>
+          <p:cNvPr id="33" name="圖片 32"/>
+          <p:cNvPicPr>
+            <a:picLocks noChangeAspect="1"/>
+          </p:cNvPicPr>
+          <p:nvPr/>
+        </p:nvPicPr>
+        <p:blipFill>
+          <a:blip r:embed="rId25"/>
+          <a:stretch>
+            <a:fillRect/>
+          </a:stretch>
+        </p:blipFill>
+        <p:spPr>
+          <a:xfrm>
+            <a:off x="6863261" y="200296"/>
+            <a:ext cx="5328739" cy="759640"/>
+          </a:xfrm>
+          <a:prstGeom prst="rect">
+            <a:avLst/>
+          </a:prstGeom>
+        </p:spPr>
+      </p:pic>
+      <p:sp>
+        <p:nvSpPr>
+          <p:cNvPr id="34" name="文字方塊 33"/>
+          <p:cNvSpPr txBox="1"/>
+          <p:nvPr/>
+        </p:nvSpPr>
+        <p:spPr>
+          <a:xfrm>
+            <a:off x="6675716" y="892233"/>
+            <a:ext cx="518091" cy="276999"/>
+          </a:xfrm>
+          <a:prstGeom prst="rect">
+            <a:avLst/>
+          </a:prstGeom>
+          <a:noFill/>
+        </p:spPr>
+        <p:txBody>
+          <a:bodyPr wrap="none" rtlCol="0">
+            <a:spAutoFit/>
+          </a:bodyPr>
+          <a:lstStyle/>
+          <a:p>
+            <a:r>
+              <a:rPr lang="en-US" altLang="zh-TW" sz="1200" b="1" dirty="0" smtClean="0">
+                <a:solidFill>
+                  <a:srgbClr val="FF0000"/>
+                </a:solidFill>
+              </a:rPr>
+              <a:t>&lt;(b)&gt;</a:t>
+            </a:r>
+            <a:endParaRPr lang="zh-TW" altLang="en-US" b="1" dirty="0">
+              <a:solidFill>
+                <a:srgbClr val="FF0000"/>
+              </a:solidFill>
+            </a:endParaRPr>
+          </a:p>
+        </p:txBody>
+      </p:sp>
+      <p:pic>
+        <p:nvPicPr>
+          <p:cNvPr id="35" name="圖片 34"/>
+          <p:cNvPicPr>
+            <a:picLocks noChangeAspect="1"/>
+          </p:cNvPicPr>
+          <p:nvPr/>
+        </p:nvPicPr>
+        <p:blipFill>
+          <a:blip r:embed="rId26"/>
+          <a:stretch>
+            <a:fillRect/>
+          </a:stretch>
+        </p:blipFill>
+        <p:spPr>
+          <a:xfrm>
+            <a:off x="7153228" y="983668"/>
+            <a:ext cx="3064041" cy="171815"/>
+          </a:xfrm>
+          <a:prstGeom prst="rect">
+            <a:avLst/>
+          </a:prstGeom>
+        </p:spPr>
+      </p:pic>
+      <p:pic>
+        <p:nvPicPr>
+          <p:cNvPr id="39" name="圖片 38"/>
+          <p:cNvPicPr>
+            <a:picLocks noChangeAspect="1"/>
+          </p:cNvPicPr>
+          <p:nvPr/>
+        </p:nvPicPr>
+        <p:blipFill>
+          <a:blip r:embed="rId27"/>
+          <a:stretch>
+            <a:fillRect/>
+          </a:stretch>
+        </p:blipFill>
+        <p:spPr>
+          <a:xfrm>
+            <a:off x="6979057" y="1144308"/>
+            <a:ext cx="3876944" cy="304808"/>
+          </a:xfrm>
+          <a:prstGeom prst="rect">
+            <a:avLst/>
+          </a:prstGeom>
+        </p:spPr>
+      </p:pic>
+      <p:pic>
+        <p:nvPicPr>
+          <p:cNvPr id="40" name="圖片 39"/>
+          <p:cNvPicPr>
+            <a:picLocks noChangeAspect="1"/>
+          </p:cNvPicPr>
+          <p:nvPr/>
+        </p:nvPicPr>
+        <p:blipFill>
+          <a:blip r:embed="rId28"/>
+          <a:stretch>
+            <a:fillRect/>
+          </a:stretch>
+        </p:blipFill>
+        <p:spPr>
+          <a:xfrm>
+            <a:off x="6979056" y="1443755"/>
+            <a:ext cx="2678749" cy="332001"/>
+          </a:xfrm>
+          <a:prstGeom prst="rect">
+            <a:avLst/>
+          </a:prstGeom>
+        </p:spPr>
+      </p:pic>
+      <p:pic>
+        <p:nvPicPr>
+          <p:cNvPr id="41" name="圖片 40"/>
+          <p:cNvPicPr>
+            <a:picLocks noChangeAspect="1"/>
+          </p:cNvPicPr>
+          <p:nvPr/>
+        </p:nvPicPr>
+        <p:blipFill>
+          <a:blip r:embed="rId29"/>
+          <a:stretch>
+            <a:fillRect/>
+          </a:stretch>
+        </p:blipFill>
+        <p:spPr>
+          <a:xfrm>
+            <a:off x="9657805" y="1488858"/>
+            <a:ext cx="2534195" cy="241795"/>
+          </a:xfrm>
+          <a:prstGeom prst="rect">
+            <a:avLst/>
+          </a:prstGeom>
+        </p:spPr>
+      </p:pic>
+      <p:pic>
+        <p:nvPicPr>
+          <p:cNvPr id="42" name="圖片 41"/>
+          <p:cNvPicPr>
+            <a:picLocks noChangeAspect="1"/>
+          </p:cNvPicPr>
+          <p:nvPr/>
+        </p:nvPicPr>
+        <p:blipFill>
+          <a:blip r:embed="rId30"/>
+          <a:stretch>
+            <a:fillRect/>
+          </a:stretch>
+        </p:blipFill>
+        <p:spPr>
+          <a:xfrm>
+            <a:off x="6979056" y="1775442"/>
+            <a:ext cx="2883142" cy="509297"/>
+          </a:xfrm>
+          <a:prstGeom prst="rect">
+            <a:avLst/>
+          </a:prstGeom>
+        </p:spPr>
+      </p:pic>
+      <p:pic>
+        <p:nvPicPr>
+          <p:cNvPr id="43" name="圖片 42"/>
+          <p:cNvPicPr>
+            <a:picLocks noChangeAspect="1"/>
+          </p:cNvPicPr>
+          <p:nvPr/>
+        </p:nvPicPr>
+        <p:blipFill>
+          <a:blip r:embed="rId31"/>
+          <a:stretch>
+            <a:fillRect/>
+          </a:stretch>
+        </p:blipFill>
+        <p:spPr>
+          <a:xfrm>
+            <a:off x="9664848" y="1929932"/>
+            <a:ext cx="2527152" cy="577534"/>
+          </a:xfrm>
+          <a:prstGeom prst="rect">
+            <a:avLst/>
+          </a:prstGeom>
+        </p:spPr>
+      </p:pic>
+      <p:cxnSp>
+        <p:nvCxnSpPr>
+          <p:cNvPr id="45" name="直線接點 44"/>
+          <p:cNvCxnSpPr/>
+          <p:nvPr/>
+        </p:nvCxnSpPr>
+        <p:spPr>
+          <a:xfrm>
+            <a:off x="6820557" y="2507466"/>
+            <a:ext cx="5371443" cy="0"/>
+          </a:xfrm>
+          <a:prstGeom prst="line">
+            <a:avLst/>
+          </a:prstGeom>
+        </p:spPr>
+        <p:style>
+          <a:lnRef idx="1">
+            <a:schemeClr val="accent1"/>
+          </a:lnRef>
+          <a:fillRef idx="0">
+            <a:schemeClr val="accent1"/>
+          </a:fillRef>
+          <a:effectRef idx="0">
+            <a:schemeClr val="accent1"/>
+          </a:effectRef>
+          <a:fontRef idx="minor">
+            <a:schemeClr val="tx1"/>
+          </a:fontRef>
+        </p:style>
+      </p:cxnSp>
+    </p:spTree>
+    <p:extLst>
+      <p:ext uri="{BB962C8B-B14F-4D97-AF65-F5344CB8AC3E}">
+        <p14:creationId xmlns:p14="http://schemas.microsoft.com/office/powerpoint/2010/main" val="446284968"/>
       </p:ext>
     </p:extLst>
   </p:cSld>

--- a/communication_theory/MID2/MID2_大抄.pptx
+++ b/communication_theory/MID2/MID2_大抄.pptx
@@ -11,6 +11,9 @@
     <p:sldId id="259" r:id="rId5"/>
     <p:sldId id="260" r:id="rId6"/>
     <p:sldId id="261" r:id="rId7"/>
+    <p:sldId id="262" r:id="rId8"/>
+    <p:sldId id="263" r:id="rId9"/>
+    <p:sldId id="264" r:id="rId10"/>
   </p:sldIdLst>
   <p:sldSz cx="12192000" cy="6858000"/>
   <p:notesSz cx="6858000" cy="9144000"/>
@@ -248,7 +251,7 @@
           <a:p>
             <a:fld id="{61BE9B31-49AB-4142-B615-C6C9556D9E2B}" type="datetimeFigureOut">
               <a:rPr lang="zh-TW" altLang="en-US" smtClean="0"/>
-              <a:t>2019/12/9</a:t>
+              <a:t>2019/12/10</a:t>
             </a:fld>
             <a:endParaRPr lang="zh-TW" altLang="en-US"/>
           </a:p>
@@ -418,7 +421,7 @@
           <a:p>
             <a:fld id="{61BE9B31-49AB-4142-B615-C6C9556D9E2B}" type="datetimeFigureOut">
               <a:rPr lang="zh-TW" altLang="en-US" smtClean="0"/>
-              <a:t>2019/12/9</a:t>
+              <a:t>2019/12/10</a:t>
             </a:fld>
             <a:endParaRPr lang="zh-TW" altLang="en-US"/>
           </a:p>
@@ -598,7 +601,7 @@
           <a:p>
             <a:fld id="{61BE9B31-49AB-4142-B615-C6C9556D9E2B}" type="datetimeFigureOut">
               <a:rPr lang="zh-TW" altLang="en-US" smtClean="0"/>
-              <a:t>2019/12/9</a:t>
+              <a:t>2019/12/10</a:t>
             </a:fld>
             <a:endParaRPr lang="zh-TW" altLang="en-US"/>
           </a:p>
@@ -768,7 +771,7 @@
           <a:p>
             <a:fld id="{61BE9B31-49AB-4142-B615-C6C9556D9E2B}" type="datetimeFigureOut">
               <a:rPr lang="zh-TW" altLang="en-US" smtClean="0"/>
-              <a:t>2019/12/9</a:t>
+              <a:t>2019/12/10</a:t>
             </a:fld>
             <a:endParaRPr lang="zh-TW" altLang="en-US"/>
           </a:p>
@@ -1014,7 +1017,7 @@
           <a:p>
             <a:fld id="{61BE9B31-49AB-4142-B615-C6C9556D9E2B}" type="datetimeFigureOut">
               <a:rPr lang="zh-TW" altLang="en-US" smtClean="0"/>
-              <a:t>2019/12/9</a:t>
+              <a:t>2019/12/10</a:t>
             </a:fld>
             <a:endParaRPr lang="zh-TW" altLang="en-US"/>
           </a:p>
@@ -1246,7 +1249,7 @@
           <a:p>
             <a:fld id="{61BE9B31-49AB-4142-B615-C6C9556D9E2B}" type="datetimeFigureOut">
               <a:rPr lang="zh-TW" altLang="en-US" smtClean="0"/>
-              <a:t>2019/12/9</a:t>
+              <a:t>2019/12/10</a:t>
             </a:fld>
             <a:endParaRPr lang="zh-TW" altLang="en-US"/>
           </a:p>
@@ -1613,7 +1616,7 @@
           <a:p>
             <a:fld id="{61BE9B31-49AB-4142-B615-C6C9556D9E2B}" type="datetimeFigureOut">
               <a:rPr lang="zh-TW" altLang="en-US" smtClean="0"/>
-              <a:t>2019/12/9</a:t>
+              <a:t>2019/12/10</a:t>
             </a:fld>
             <a:endParaRPr lang="zh-TW" altLang="en-US"/>
           </a:p>
@@ -1731,7 +1734,7 @@
           <a:p>
             <a:fld id="{61BE9B31-49AB-4142-B615-C6C9556D9E2B}" type="datetimeFigureOut">
               <a:rPr lang="zh-TW" altLang="en-US" smtClean="0"/>
-              <a:t>2019/12/9</a:t>
+              <a:t>2019/12/10</a:t>
             </a:fld>
             <a:endParaRPr lang="zh-TW" altLang="en-US"/>
           </a:p>
@@ -1826,7 +1829,7 @@
           <a:p>
             <a:fld id="{61BE9B31-49AB-4142-B615-C6C9556D9E2B}" type="datetimeFigureOut">
               <a:rPr lang="zh-TW" altLang="en-US" smtClean="0"/>
-              <a:t>2019/12/9</a:t>
+              <a:t>2019/12/10</a:t>
             </a:fld>
             <a:endParaRPr lang="zh-TW" altLang="en-US"/>
           </a:p>
@@ -2103,7 +2106,7 @@
           <a:p>
             <a:fld id="{61BE9B31-49AB-4142-B615-C6C9556D9E2B}" type="datetimeFigureOut">
               <a:rPr lang="zh-TW" altLang="en-US" smtClean="0"/>
-              <a:t>2019/12/9</a:t>
+              <a:t>2019/12/10</a:t>
             </a:fld>
             <a:endParaRPr lang="zh-TW" altLang="en-US"/>
           </a:p>
@@ -2356,7 +2359,7 @@
           <a:p>
             <a:fld id="{61BE9B31-49AB-4142-B615-C6C9556D9E2B}" type="datetimeFigureOut">
               <a:rPr lang="zh-TW" altLang="en-US" smtClean="0"/>
-              <a:t>2019/12/9</a:t>
+              <a:t>2019/12/10</a:t>
             </a:fld>
             <a:endParaRPr lang="zh-TW" altLang="en-US"/>
           </a:p>
@@ -2569,7 +2572,7 @@
           <a:p>
             <a:fld id="{61BE9B31-49AB-4142-B615-C6C9556D9E2B}" type="datetimeFigureOut">
               <a:rPr lang="zh-TW" altLang="en-US" smtClean="0"/>
-              <a:t>2019/12/9</a:t>
+              <a:t>2019/12/10</a:t>
             </a:fld>
             <a:endParaRPr lang="zh-TW" altLang="en-US"/>
           </a:p>
@@ -2974,8 +2977,8 @@
           <a:chExt cx="0" cy="0"/>
         </a:xfrm>
       </p:grpSpPr>
-      <mc:AlternateContent xmlns:mc="http://schemas.openxmlformats.org/markup-compatibility/2006">
-        <mc:Choice xmlns:a14="http://schemas.microsoft.com/office/drawing/2010/main" Requires="a14">
+      <mc:AlternateContent xmlns:mc="http://schemas.openxmlformats.org/markup-compatibility/2006" xmlns:a14="http://schemas.microsoft.com/office/drawing/2010/main">
+        <mc:Choice Requires="a14">
           <p:sp>
             <p:nvSpPr>
               <p:cNvPr id="4" name="文字方塊 3"/>
@@ -3184,7 +3187,7 @@
             </p:txBody>
           </p:sp>
         </mc:Choice>
-        <mc:Fallback>
+        <mc:Fallback xmlns="">
           <p:sp>
             <p:nvSpPr>
               <p:cNvPr id="4" name="文字方塊 3"/>
@@ -7752,10 +7755,2922 @@
           </a:fontRef>
         </p:style>
       </p:cxnSp>
+      <p:pic>
+        <p:nvPicPr>
+          <p:cNvPr id="2" name="圖片 1"/>
+          <p:cNvPicPr>
+            <a:picLocks noChangeAspect="1"/>
+          </p:cNvPicPr>
+          <p:nvPr/>
+        </p:nvPicPr>
+        <p:blipFill>
+          <a:blip r:embed="rId32"/>
+          <a:stretch>
+            <a:fillRect/>
+          </a:stretch>
+        </p:blipFill>
+        <p:spPr>
+          <a:xfrm>
+            <a:off x="6858840" y="2530688"/>
+            <a:ext cx="5333160" cy="1035128"/>
+          </a:xfrm>
+          <a:prstGeom prst="rect">
+            <a:avLst/>
+          </a:prstGeom>
+        </p:spPr>
+      </p:pic>
+      <p:pic>
+        <p:nvPicPr>
+          <p:cNvPr id="3" name="圖片 2"/>
+          <p:cNvPicPr>
+            <a:picLocks noChangeAspect="1"/>
+          </p:cNvPicPr>
+          <p:nvPr/>
+        </p:nvPicPr>
+        <p:blipFill>
+          <a:blip r:embed="rId33"/>
+          <a:stretch>
+            <a:fillRect/>
+          </a:stretch>
+        </p:blipFill>
+        <p:spPr>
+          <a:xfrm>
+            <a:off x="7141523" y="3565816"/>
+            <a:ext cx="5029082" cy="3279078"/>
+          </a:xfrm>
+          <a:prstGeom prst="rect">
+            <a:avLst/>
+          </a:prstGeom>
+        </p:spPr>
+      </p:pic>
+      <p:sp>
+        <p:nvSpPr>
+          <p:cNvPr id="44" name="文字方塊 43"/>
+          <p:cNvSpPr txBox="1"/>
+          <p:nvPr/>
+        </p:nvSpPr>
+        <p:spPr>
+          <a:xfrm>
+            <a:off x="6675716" y="3540918"/>
+            <a:ext cx="580608" cy="276999"/>
+          </a:xfrm>
+          <a:prstGeom prst="rect">
+            <a:avLst/>
+          </a:prstGeom>
+          <a:noFill/>
+        </p:spPr>
+        <p:txBody>
+          <a:bodyPr wrap="none" rtlCol="0">
+            <a:spAutoFit/>
+          </a:bodyPr>
+          <a:lstStyle/>
+          <a:p>
+            <a:r>
+              <a:rPr lang="en-US" altLang="zh-TW" sz="1200" b="1" dirty="0" smtClean="0">
+                <a:solidFill>
+                  <a:srgbClr val="FF0000"/>
+                </a:solidFill>
+              </a:rPr>
+              <a:t>&lt;SOL&gt;</a:t>
+            </a:r>
+            <a:endParaRPr lang="zh-TW" altLang="en-US" b="1" dirty="0">
+              <a:solidFill>
+                <a:srgbClr val="FF0000"/>
+              </a:solidFill>
+            </a:endParaRPr>
+          </a:p>
+        </p:txBody>
+      </p:sp>
     </p:spTree>
     <p:extLst>
       <p:ext uri="{BB962C8B-B14F-4D97-AF65-F5344CB8AC3E}">
         <p14:creationId xmlns:p14="http://schemas.microsoft.com/office/powerpoint/2010/main" val="446284968"/>
+      </p:ext>
+    </p:extLst>
+  </p:cSld>
+  <p:clrMapOvr>
+    <a:masterClrMapping/>
+  </p:clrMapOvr>
+</p:sld>
+</file>
+
+<file path=ppt/slides/slide7.xml><?xml version="1.0" encoding="utf-8"?>
+<p:sld xmlns:a="http://schemas.openxmlformats.org/drawingml/2006/main" xmlns:r="http://schemas.openxmlformats.org/officeDocument/2006/relationships" xmlns:p="http://schemas.openxmlformats.org/presentationml/2006/main">
+  <p:cSld>
+    <p:spTree>
+      <p:nvGrpSpPr>
+        <p:cNvPr id="1" name=""/>
+        <p:cNvGrpSpPr/>
+        <p:nvPr/>
+      </p:nvGrpSpPr>
+      <p:grpSpPr>
+        <a:xfrm>
+          <a:off x="0" y="0"/>
+          <a:ext cx="0" cy="0"/>
+          <a:chOff x="0" y="0"/>
+          <a:chExt cx="0" cy="0"/>
+        </a:xfrm>
+      </p:grpSpPr>
+      <p:pic>
+        <p:nvPicPr>
+          <p:cNvPr id="52" name="圖片 51"/>
+          <p:cNvPicPr>
+            <a:picLocks noChangeAspect="1"/>
+          </p:cNvPicPr>
+          <p:nvPr/>
+        </p:nvPicPr>
+        <p:blipFill>
+          <a:blip r:embed="rId2"/>
+          <a:stretch>
+            <a:fillRect/>
+          </a:stretch>
+        </p:blipFill>
+        <p:spPr>
+          <a:xfrm>
+            <a:off x="6094123" y="5599532"/>
+            <a:ext cx="3298451" cy="1279215"/>
+          </a:xfrm>
+          <a:prstGeom prst="rect">
+            <a:avLst/>
+          </a:prstGeom>
+        </p:spPr>
+      </p:pic>
+      <p:grpSp>
+        <p:nvGrpSpPr>
+          <p:cNvPr id="45" name="群組 44"/>
+          <p:cNvGrpSpPr/>
+          <p:nvPr/>
+        </p:nvGrpSpPr>
+        <p:grpSpPr>
+          <a:xfrm>
+            <a:off x="6094124" y="4376358"/>
+            <a:ext cx="6094477" cy="496145"/>
+            <a:chOff x="6325455" y="4635003"/>
+            <a:chExt cx="8839200" cy="744315"/>
+          </a:xfrm>
+        </p:grpSpPr>
+        <p:pic>
+          <p:nvPicPr>
+            <p:cNvPr id="42" name="圖片 41"/>
+            <p:cNvPicPr>
+              <a:picLocks noChangeAspect="1"/>
+            </p:cNvPicPr>
+            <p:nvPr/>
+          </p:nvPicPr>
+          <p:blipFill>
+            <a:blip r:embed="rId3"/>
+            <a:stretch>
+              <a:fillRect/>
+            </a:stretch>
+          </p:blipFill>
+          <p:spPr>
+            <a:xfrm>
+              <a:off x="6325455" y="4835348"/>
+              <a:ext cx="1533525" cy="323850"/>
+            </a:xfrm>
+            <a:prstGeom prst="rect">
+              <a:avLst/>
+            </a:prstGeom>
+          </p:spPr>
+        </p:pic>
+        <p:pic>
+          <p:nvPicPr>
+            <p:cNvPr id="43" name="圖片 42"/>
+            <p:cNvPicPr>
+              <a:picLocks noChangeAspect="1"/>
+            </p:cNvPicPr>
+            <p:nvPr/>
+          </p:nvPicPr>
+          <p:blipFill>
+            <a:blip r:embed="rId4"/>
+            <a:stretch>
+              <a:fillRect/>
+            </a:stretch>
+          </p:blipFill>
+          <p:spPr>
+            <a:xfrm>
+              <a:off x="7858980" y="4635003"/>
+              <a:ext cx="1428750" cy="714375"/>
+            </a:xfrm>
+            <a:prstGeom prst="rect">
+              <a:avLst/>
+            </a:prstGeom>
+          </p:spPr>
+        </p:pic>
+        <p:pic>
+          <p:nvPicPr>
+            <p:cNvPr id="44" name="圖片 43"/>
+            <p:cNvPicPr>
+              <a:picLocks noChangeAspect="1"/>
+            </p:cNvPicPr>
+            <p:nvPr/>
+          </p:nvPicPr>
+          <p:blipFill>
+            <a:blip r:embed="rId5"/>
+            <a:stretch>
+              <a:fillRect/>
+            </a:stretch>
+          </p:blipFill>
+          <p:spPr>
+            <a:xfrm>
+              <a:off x="9287730" y="4674468"/>
+              <a:ext cx="5876925" cy="704850"/>
+            </a:xfrm>
+            <a:prstGeom prst="rect">
+              <a:avLst/>
+            </a:prstGeom>
+          </p:spPr>
+        </p:pic>
+      </p:grpSp>
+      <p:pic>
+        <p:nvPicPr>
+          <p:cNvPr id="18" name="圖片 17"/>
+          <p:cNvPicPr>
+            <a:picLocks noChangeAspect="1"/>
+          </p:cNvPicPr>
+          <p:nvPr/>
+        </p:nvPicPr>
+        <p:blipFill>
+          <a:blip r:embed="rId6"/>
+          <a:stretch>
+            <a:fillRect/>
+          </a:stretch>
+        </p:blipFill>
+        <p:spPr>
+          <a:xfrm>
+            <a:off x="4604614" y="3878755"/>
+            <a:ext cx="1315350" cy="369942"/>
+          </a:xfrm>
+          <a:prstGeom prst="rect">
+            <a:avLst/>
+          </a:prstGeom>
+        </p:spPr>
+      </p:pic>
+      <p:pic>
+        <p:nvPicPr>
+          <p:cNvPr id="4" name="圖片 3"/>
+          <p:cNvPicPr>
+            <a:picLocks noChangeAspect="1"/>
+          </p:cNvPicPr>
+          <p:nvPr/>
+        </p:nvPicPr>
+        <p:blipFill>
+          <a:blip r:embed="rId7"/>
+          <a:stretch>
+            <a:fillRect/>
+          </a:stretch>
+        </p:blipFill>
+        <p:spPr>
+          <a:xfrm>
+            <a:off x="0" y="1"/>
+            <a:ext cx="5895703" cy="368098"/>
+          </a:xfrm>
+          <a:prstGeom prst="rect">
+            <a:avLst/>
+          </a:prstGeom>
+        </p:spPr>
+      </p:pic>
+      <p:pic>
+        <p:nvPicPr>
+          <p:cNvPr id="5" name="圖片 4"/>
+          <p:cNvPicPr>
+            <a:picLocks noChangeAspect="1"/>
+          </p:cNvPicPr>
+          <p:nvPr/>
+        </p:nvPicPr>
+        <p:blipFill>
+          <a:blip r:embed="rId8"/>
+          <a:stretch>
+            <a:fillRect/>
+          </a:stretch>
+        </p:blipFill>
+        <p:spPr>
+          <a:xfrm>
+            <a:off x="-1" y="368099"/>
+            <a:ext cx="5895703" cy="1061469"/>
+          </a:xfrm>
+          <a:prstGeom prst="rect">
+            <a:avLst/>
+          </a:prstGeom>
+        </p:spPr>
+      </p:pic>
+      <p:pic>
+        <p:nvPicPr>
+          <p:cNvPr id="6" name="圖片 5"/>
+          <p:cNvPicPr>
+            <a:picLocks noChangeAspect="1"/>
+          </p:cNvPicPr>
+          <p:nvPr/>
+        </p:nvPicPr>
+        <p:blipFill>
+          <a:blip r:embed="rId9"/>
+          <a:stretch>
+            <a:fillRect/>
+          </a:stretch>
+        </p:blipFill>
+        <p:spPr>
+          <a:xfrm>
+            <a:off x="0" y="1545117"/>
+            <a:ext cx="4368038" cy="1328711"/>
+          </a:xfrm>
+          <a:prstGeom prst="rect">
+            <a:avLst/>
+          </a:prstGeom>
+        </p:spPr>
+      </p:pic>
+      <p:sp>
+        <p:nvSpPr>
+          <p:cNvPr id="7" name="文字方塊 6"/>
+          <p:cNvSpPr txBox="1"/>
+          <p:nvPr/>
+        </p:nvSpPr>
+        <p:spPr>
+          <a:xfrm>
+            <a:off x="-82136" y="1348843"/>
+            <a:ext cx="580608" cy="276999"/>
+          </a:xfrm>
+          <a:prstGeom prst="rect">
+            <a:avLst/>
+          </a:prstGeom>
+          <a:noFill/>
+        </p:spPr>
+        <p:txBody>
+          <a:bodyPr wrap="none" rtlCol="0">
+            <a:spAutoFit/>
+          </a:bodyPr>
+          <a:lstStyle/>
+          <a:p>
+            <a:r>
+              <a:rPr lang="en-US" altLang="zh-TW" sz="1200" b="1" dirty="0" smtClean="0">
+                <a:solidFill>
+                  <a:srgbClr val="FF0000"/>
+                </a:solidFill>
+              </a:rPr>
+              <a:t>&lt;SOL&gt;</a:t>
+            </a:r>
+            <a:endParaRPr lang="zh-TW" altLang="en-US" b="1" dirty="0">
+              <a:solidFill>
+                <a:srgbClr val="FF0000"/>
+              </a:solidFill>
+            </a:endParaRPr>
+          </a:p>
+        </p:txBody>
+      </p:sp>
+      <p:pic>
+        <p:nvPicPr>
+          <p:cNvPr id="8" name="圖片 7"/>
+          <p:cNvPicPr>
+            <a:picLocks noChangeAspect="1"/>
+          </p:cNvPicPr>
+          <p:nvPr/>
+        </p:nvPicPr>
+        <p:blipFill>
+          <a:blip r:embed="rId10"/>
+          <a:stretch>
+            <a:fillRect/>
+          </a:stretch>
+        </p:blipFill>
+        <p:spPr>
+          <a:xfrm>
+            <a:off x="208168" y="2873828"/>
+            <a:ext cx="3151414" cy="334466"/>
+          </a:xfrm>
+          <a:prstGeom prst="rect">
+            <a:avLst/>
+          </a:prstGeom>
+        </p:spPr>
+      </p:pic>
+      <p:pic>
+        <p:nvPicPr>
+          <p:cNvPr id="9" name="圖片 8"/>
+          <p:cNvPicPr>
+            <a:picLocks noChangeAspect="1"/>
+          </p:cNvPicPr>
+          <p:nvPr/>
+        </p:nvPicPr>
+        <p:blipFill>
+          <a:blip r:embed="rId11"/>
+          <a:stretch>
+            <a:fillRect/>
+          </a:stretch>
+        </p:blipFill>
+        <p:spPr>
+          <a:xfrm>
+            <a:off x="4628877" y="1286691"/>
+            <a:ext cx="1266825" cy="1447800"/>
+          </a:xfrm>
+          <a:prstGeom prst="rect">
+            <a:avLst/>
+          </a:prstGeom>
+        </p:spPr>
+      </p:pic>
+      <p:pic>
+        <p:nvPicPr>
+          <p:cNvPr id="10" name="圖片 9"/>
+          <p:cNvPicPr>
+            <a:picLocks noChangeAspect="1"/>
+          </p:cNvPicPr>
+          <p:nvPr/>
+        </p:nvPicPr>
+        <p:blipFill>
+          <a:blip r:embed="rId12"/>
+          <a:stretch>
+            <a:fillRect/>
+          </a:stretch>
+        </p:blipFill>
+        <p:spPr>
+          <a:xfrm>
+            <a:off x="4012746" y="2731458"/>
+            <a:ext cx="1882956" cy="142370"/>
+          </a:xfrm>
+          <a:prstGeom prst="rect">
+            <a:avLst/>
+          </a:prstGeom>
+        </p:spPr>
+      </p:pic>
+      <p:cxnSp>
+        <p:nvCxnSpPr>
+          <p:cNvPr id="12" name="直線接點 11"/>
+          <p:cNvCxnSpPr/>
+          <p:nvPr/>
+        </p:nvCxnSpPr>
+        <p:spPr>
+          <a:xfrm>
+            <a:off x="5895702" y="0"/>
+            <a:ext cx="0" cy="3208294"/>
+          </a:xfrm>
+          <a:prstGeom prst="line">
+            <a:avLst/>
+          </a:prstGeom>
+        </p:spPr>
+        <p:style>
+          <a:lnRef idx="1">
+            <a:schemeClr val="accent1"/>
+          </a:lnRef>
+          <a:fillRef idx="0">
+            <a:schemeClr val="accent1"/>
+          </a:fillRef>
+          <a:effectRef idx="0">
+            <a:schemeClr val="accent1"/>
+          </a:effectRef>
+          <a:fontRef idx="minor">
+            <a:schemeClr val="tx1"/>
+          </a:fontRef>
+        </p:style>
+      </p:cxnSp>
+      <p:cxnSp>
+        <p:nvCxnSpPr>
+          <p:cNvPr id="14" name="直線接點 13"/>
+          <p:cNvCxnSpPr/>
+          <p:nvPr/>
+        </p:nvCxnSpPr>
+        <p:spPr>
+          <a:xfrm>
+            <a:off x="-1" y="3208294"/>
+            <a:ext cx="5895703" cy="0"/>
+          </a:xfrm>
+          <a:prstGeom prst="line">
+            <a:avLst/>
+          </a:prstGeom>
+        </p:spPr>
+        <p:style>
+          <a:lnRef idx="1">
+            <a:schemeClr val="accent1"/>
+          </a:lnRef>
+          <a:fillRef idx="0">
+            <a:schemeClr val="accent1"/>
+          </a:fillRef>
+          <a:effectRef idx="0">
+            <a:schemeClr val="accent1"/>
+          </a:effectRef>
+          <a:fontRef idx="minor">
+            <a:schemeClr val="tx1"/>
+          </a:fontRef>
+        </p:style>
+      </p:cxnSp>
+      <p:pic>
+        <p:nvPicPr>
+          <p:cNvPr id="16" name="圖片 15"/>
+          <p:cNvPicPr>
+            <a:picLocks noChangeAspect="1"/>
+          </p:cNvPicPr>
+          <p:nvPr/>
+        </p:nvPicPr>
+        <p:blipFill>
+          <a:blip r:embed="rId13"/>
+          <a:stretch>
+            <a:fillRect/>
+          </a:stretch>
+        </p:blipFill>
+        <p:spPr>
+          <a:xfrm>
+            <a:off x="-2" y="3225075"/>
+            <a:ext cx="5895703" cy="699892"/>
+          </a:xfrm>
+          <a:prstGeom prst="rect">
+            <a:avLst/>
+          </a:prstGeom>
+        </p:spPr>
+      </p:pic>
+      <p:pic>
+        <p:nvPicPr>
+          <p:cNvPr id="17" name="圖片 16"/>
+          <p:cNvPicPr>
+            <a:picLocks noChangeAspect="1"/>
+          </p:cNvPicPr>
+          <p:nvPr/>
+        </p:nvPicPr>
+        <p:blipFill>
+          <a:blip r:embed="rId14"/>
+          <a:stretch>
+            <a:fillRect/>
+          </a:stretch>
+        </p:blipFill>
+        <p:spPr>
+          <a:xfrm>
+            <a:off x="-3" y="4213222"/>
+            <a:ext cx="5895703" cy="206867"/>
+          </a:xfrm>
+          <a:prstGeom prst="rect">
+            <a:avLst/>
+          </a:prstGeom>
+        </p:spPr>
+      </p:pic>
+      <p:pic>
+        <p:nvPicPr>
+          <p:cNvPr id="19" name="圖片 18"/>
+          <p:cNvPicPr>
+            <a:picLocks noChangeAspect="1"/>
+          </p:cNvPicPr>
+          <p:nvPr/>
+        </p:nvPicPr>
+        <p:blipFill>
+          <a:blip r:embed="rId15"/>
+          <a:stretch>
+            <a:fillRect/>
+          </a:stretch>
+        </p:blipFill>
+        <p:spPr>
+          <a:xfrm>
+            <a:off x="0" y="4495666"/>
+            <a:ext cx="5907842" cy="2057068"/>
+          </a:xfrm>
+          <a:prstGeom prst="rect">
+            <a:avLst/>
+          </a:prstGeom>
+        </p:spPr>
+      </p:pic>
+      <p:sp>
+        <p:nvSpPr>
+          <p:cNvPr id="20" name="文字方塊 19"/>
+          <p:cNvSpPr txBox="1"/>
+          <p:nvPr/>
+        </p:nvSpPr>
+        <p:spPr>
+          <a:xfrm>
+            <a:off x="-82136" y="4358004"/>
+            <a:ext cx="580608" cy="276999"/>
+          </a:xfrm>
+          <a:prstGeom prst="rect">
+            <a:avLst/>
+          </a:prstGeom>
+          <a:noFill/>
+        </p:spPr>
+        <p:txBody>
+          <a:bodyPr wrap="none" rtlCol="0">
+            <a:spAutoFit/>
+          </a:bodyPr>
+          <a:lstStyle/>
+          <a:p>
+            <a:r>
+              <a:rPr lang="en-US" altLang="zh-TW" sz="1200" b="1" dirty="0" smtClean="0">
+                <a:solidFill>
+                  <a:srgbClr val="FF0000"/>
+                </a:solidFill>
+              </a:rPr>
+              <a:t>&lt;SOL&gt;</a:t>
+            </a:r>
+            <a:endParaRPr lang="zh-TW" altLang="en-US" b="1" dirty="0">
+              <a:solidFill>
+                <a:srgbClr val="FF0000"/>
+              </a:solidFill>
+            </a:endParaRPr>
+          </a:p>
+        </p:txBody>
+      </p:sp>
+      <p:cxnSp>
+        <p:nvCxnSpPr>
+          <p:cNvPr id="22" name="直線接點 21"/>
+          <p:cNvCxnSpPr/>
+          <p:nvPr/>
+        </p:nvCxnSpPr>
+        <p:spPr>
+          <a:xfrm>
+            <a:off x="5895700" y="3208294"/>
+            <a:ext cx="24264" cy="3649706"/>
+          </a:xfrm>
+          <a:prstGeom prst="line">
+            <a:avLst/>
+          </a:prstGeom>
+        </p:spPr>
+        <p:style>
+          <a:lnRef idx="1">
+            <a:schemeClr val="accent1"/>
+          </a:lnRef>
+          <a:fillRef idx="0">
+            <a:schemeClr val="accent1"/>
+          </a:fillRef>
+          <a:effectRef idx="0">
+            <a:schemeClr val="accent1"/>
+          </a:effectRef>
+          <a:fontRef idx="minor">
+            <a:schemeClr val="tx1"/>
+          </a:fontRef>
+        </p:style>
+      </p:cxnSp>
+      <p:pic>
+        <p:nvPicPr>
+          <p:cNvPr id="23" name="圖片 22"/>
+          <p:cNvPicPr>
+            <a:picLocks noChangeAspect="1"/>
+          </p:cNvPicPr>
+          <p:nvPr/>
+        </p:nvPicPr>
+        <p:blipFill>
+          <a:blip r:embed="rId16"/>
+          <a:stretch>
+            <a:fillRect/>
+          </a:stretch>
+        </p:blipFill>
+        <p:spPr>
+          <a:xfrm>
+            <a:off x="5919964" y="0"/>
+            <a:ext cx="6272036" cy="841532"/>
+          </a:xfrm>
+          <a:prstGeom prst="rect">
+            <a:avLst/>
+          </a:prstGeom>
+        </p:spPr>
+      </p:pic>
+      <p:pic>
+        <p:nvPicPr>
+          <p:cNvPr id="24" name="圖片 23"/>
+          <p:cNvPicPr>
+            <a:picLocks noChangeAspect="1"/>
+          </p:cNvPicPr>
+          <p:nvPr/>
+        </p:nvPicPr>
+        <p:blipFill>
+          <a:blip r:embed="rId17"/>
+          <a:stretch>
+            <a:fillRect/>
+          </a:stretch>
+        </p:blipFill>
+        <p:spPr>
+          <a:xfrm>
+            <a:off x="5907832" y="841532"/>
+            <a:ext cx="6284168" cy="1398692"/>
+          </a:xfrm>
+          <a:prstGeom prst="rect">
+            <a:avLst/>
+          </a:prstGeom>
+        </p:spPr>
+      </p:pic>
+      <p:sp>
+        <p:nvSpPr>
+          <p:cNvPr id="25" name="文字方塊 24"/>
+          <p:cNvSpPr txBox="1"/>
+          <p:nvPr/>
+        </p:nvSpPr>
+        <p:spPr>
+          <a:xfrm>
+            <a:off x="5756961" y="2180432"/>
+            <a:ext cx="580608" cy="276999"/>
+          </a:xfrm>
+          <a:prstGeom prst="rect">
+            <a:avLst/>
+          </a:prstGeom>
+          <a:noFill/>
+        </p:spPr>
+        <p:txBody>
+          <a:bodyPr wrap="none" rtlCol="0">
+            <a:spAutoFit/>
+          </a:bodyPr>
+          <a:lstStyle/>
+          <a:p>
+            <a:r>
+              <a:rPr lang="en-US" altLang="zh-TW" sz="1200" b="1" dirty="0" smtClean="0">
+                <a:solidFill>
+                  <a:srgbClr val="FF0000"/>
+                </a:solidFill>
+              </a:rPr>
+              <a:t>&lt;SOL&gt;</a:t>
+            </a:r>
+            <a:endParaRPr lang="zh-TW" altLang="en-US" b="1" dirty="0">
+              <a:solidFill>
+                <a:srgbClr val="FF0000"/>
+              </a:solidFill>
+            </a:endParaRPr>
+          </a:p>
+        </p:txBody>
+      </p:sp>
+      <p:pic>
+        <p:nvPicPr>
+          <p:cNvPr id="26" name="圖片 25"/>
+          <p:cNvPicPr>
+            <a:picLocks noChangeAspect="1"/>
+          </p:cNvPicPr>
+          <p:nvPr/>
+        </p:nvPicPr>
+        <p:blipFill>
+          <a:blip r:embed="rId18"/>
+          <a:stretch>
+            <a:fillRect/>
+          </a:stretch>
+        </p:blipFill>
+        <p:spPr>
+          <a:xfrm>
+            <a:off x="6250994" y="2271558"/>
+            <a:ext cx="4861247" cy="211359"/>
+          </a:xfrm>
+          <a:prstGeom prst="rect">
+            <a:avLst/>
+          </a:prstGeom>
+        </p:spPr>
+      </p:pic>
+      <p:pic>
+        <p:nvPicPr>
+          <p:cNvPr id="27" name="圖片 26"/>
+          <p:cNvPicPr>
+            <a:picLocks noChangeAspect="1"/>
+          </p:cNvPicPr>
+          <p:nvPr/>
+        </p:nvPicPr>
+        <p:blipFill>
+          <a:blip r:embed="rId19"/>
+          <a:stretch>
+            <a:fillRect/>
+          </a:stretch>
+        </p:blipFill>
+        <p:spPr>
+          <a:xfrm>
+            <a:off x="11094347" y="2271558"/>
+            <a:ext cx="1097653" cy="180996"/>
+          </a:xfrm>
+          <a:prstGeom prst="rect">
+            <a:avLst/>
+          </a:prstGeom>
+        </p:spPr>
+      </p:pic>
+      <p:pic>
+        <p:nvPicPr>
+          <p:cNvPr id="28" name="圖片 27"/>
+          <p:cNvPicPr>
+            <a:picLocks noChangeAspect="1"/>
+          </p:cNvPicPr>
+          <p:nvPr/>
+        </p:nvPicPr>
+        <p:blipFill>
+          <a:blip r:embed="rId20"/>
+          <a:stretch>
+            <a:fillRect/>
+          </a:stretch>
+        </p:blipFill>
+        <p:spPr>
+          <a:xfrm>
+            <a:off x="6250993" y="2452554"/>
+            <a:ext cx="4312920" cy="177430"/>
+          </a:xfrm>
+          <a:prstGeom prst="rect">
+            <a:avLst/>
+          </a:prstGeom>
+        </p:spPr>
+      </p:pic>
+      <p:pic>
+        <p:nvPicPr>
+          <p:cNvPr id="29" name="圖片 28"/>
+          <p:cNvPicPr>
+            <a:picLocks noChangeAspect="1"/>
+          </p:cNvPicPr>
+          <p:nvPr/>
+        </p:nvPicPr>
+        <p:blipFill>
+          <a:blip r:embed="rId21"/>
+          <a:stretch>
+            <a:fillRect/>
+          </a:stretch>
+        </p:blipFill>
+        <p:spPr>
+          <a:xfrm>
+            <a:off x="10574902" y="2464802"/>
+            <a:ext cx="1171976" cy="164488"/>
+          </a:xfrm>
+          <a:prstGeom prst="rect">
+            <a:avLst/>
+          </a:prstGeom>
+        </p:spPr>
+      </p:pic>
+      <p:pic>
+        <p:nvPicPr>
+          <p:cNvPr id="30" name="圖片 29"/>
+          <p:cNvPicPr>
+            <a:picLocks noChangeAspect="1"/>
+          </p:cNvPicPr>
+          <p:nvPr/>
+        </p:nvPicPr>
+        <p:blipFill>
+          <a:blip r:embed="rId22"/>
+          <a:stretch>
+            <a:fillRect/>
+          </a:stretch>
+        </p:blipFill>
+        <p:spPr>
+          <a:xfrm>
+            <a:off x="6331723" y="2631652"/>
+            <a:ext cx="2349894" cy="450104"/>
+          </a:xfrm>
+          <a:prstGeom prst="rect">
+            <a:avLst/>
+          </a:prstGeom>
+        </p:spPr>
+      </p:pic>
+      <p:sp>
+        <p:nvSpPr>
+          <p:cNvPr id="31" name="文字方塊 30"/>
+          <p:cNvSpPr txBox="1"/>
+          <p:nvPr/>
+        </p:nvSpPr>
+        <p:spPr>
+          <a:xfrm>
+            <a:off x="5901873" y="2575527"/>
+            <a:ext cx="510076" cy="276999"/>
+          </a:xfrm>
+          <a:prstGeom prst="rect">
+            <a:avLst/>
+          </a:prstGeom>
+          <a:noFill/>
+        </p:spPr>
+        <p:txBody>
+          <a:bodyPr wrap="none" rtlCol="0">
+            <a:spAutoFit/>
+          </a:bodyPr>
+          <a:lstStyle/>
+          <a:p>
+            <a:r>
+              <a:rPr lang="en-US" altLang="zh-TW" sz="1200" b="1" dirty="0" smtClean="0">
+                <a:solidFill>
+                  <a:srgbClr val="FF0000"/>
+                </a:solidFill>
+              </a:rPr>
+              <a:t>&lt;(a)&gt;</a:t>
+            </a:r>
+            <a:endParaRPr lang="zh-TW" altLang="en-US" b="1" dirty="0">
+              <a:solidFill>
+                <a:srgbClr val="FF0000"/>
+              </a:solidFill>
+            </a:endParaRPr>
+          </a:p>
+        </p:txBody>
+      </p:sp>
+      <p:pic>
+        <p:nvPicPr>
+          <p:cNvPr id="32" name="圖片 31"/>
+          <p:cNvPicPr>
+            <a:picLocks noChangeAspect="1"/>
+          </p:cNvPicPr>
+          <p:nvPr/>
+        </p:nvPicPr>
+        <p:blipFill>
+          <a:blip r:embed="rId23"/>
+          <a:stretch>
+            <a:fillRect/>
+          </a:stretch>
+        </p:blipFill>
+        <p:spPr>
+          <a:xfrm>
+            <a:off x="8681617" y="2748203"/>
+            <a:ext cx="2886075" cy="188222"/>
+          </a:xfrm>
+          <a:prstGeom prst="rect">
+            <a:avLst/>
+          </a:prstGeom>
+        </p:spPr>
+      </p:pic>
+      <p:pic>
+        <p:nvPicPr>
+          <p:cNvPr id="33" name="圖片 32"/>
+          <p:cNvPicPr>
+            <a:picLocks noChangeAspect="1"/>
+          </p:cNvPicPr>
+          <p:nvPr/>
+        </p:nvPicPr>
+        <p:blipFill>
+          <a:blip r:embed="rId24"/>
+          <a:stretch>
+            <a:fillRect/>
+          </a:stretch>
+        </p:blipFill>
+        <p:spPr>
+          <a:xfrm>
+            <a:off x="6094124" y="3190145"/>
+            <a:ext cx="1012011" cy="217303"/>
+          </a:xfrm>
+          <a:prstGeom prst="rect">
+            <a:avLst/>
+          </a:prstGeom>
+        </p:spPr>
+      </p:pic>
+      <p:pic>
+        <p:nvPicPr>
+          <p:cNvPr id="34" name="圖片 33"/>
+          <p:cNvPicPr>
+            <a:picLocks noChangeAspect="1"/>
+          </p:cNvPicPr>
+          <p:nvPr/>
+        </p:nvPicPr>
+        <p:blipFill>
+          <a:blip r:embed="rId25"/>
+          <a:stretch>
+            <a:fillRect/>
+          </a:stretch>
+        </p:blipFill>
+        <p:spPr>
+          <a:xfrm>
+            <a:off x="7118261" y="3091661"/>
+            <a:ext cx="791539" cy="385490"/>
+          </a:xfrm>
+          <a:prstGeom prst="rect">
+            <a:avLst/>
+          </a:prstGeom>
+        </p:spPr>
+      </p:pic>
+      <p:pic>
+        <p:nvPicPr>
+          <p:cNvPr id="35" name="圖片 34"/>
+          <p:cNvPicPr>
+            <a:picLocks noChangeAspect="1"/>
+          </p:cNvPicPr>
+          <p:nvPr/>
+        </p:nvPicPr>
+        <p:blipFill>
+          <a:blip r:embed="rId26"/>
+          <a:stretch>
+            <a:fillRect/>
+          </a:stretch>
+        </p:blipFill>
+        <p:spPr>
+          <a:xfrm>
+            <a:off x="7957345" y="3052976"/>
+            <a:ext cx="3892780" cy="462861"/>
+          </a:xfrm>
+          <a:prstGeom prst="rect">
+            <a:avLst/>
+          </a:prstGeom>
+        </p:spPr>
+      </p:pic>
+      <p:pic>
+        <p:nvPicPr>
+          <p:cNvPr id="36" name="圖片 35"/>
+          <p:cNvPicPr>
+            <a:picLocks noChangeAspect="1"/>
+          </p:cNvPicPr>
+          <p:nvPr/>
+        </p:nvPicPr>
+        <p:blipFill>
+          <a:blip r:embed="rId27"/>
+          <a:stretch>
+            <a:fillRect/>
+          </a:stretch>
+        </p:blipFill>
+        <p:spPr>
+          <a:xfrm>
+            <a:off x="6101686" y="3652665"/>
+            <a:ext cx="786327" cy="174115"/>
+          </a:xfrm>
+          <a:prstGeom prst="rect">
+            <a:avLst/>
+          </a:prstGeom>
+        </p:spPr>
+      </p:pic>
+      <p:pic>
+        <p:nvPicPr>
+          <p:cNvPr id="37" name="圖片 36"/>
+          <p:cNvPicPr>
+            <a:picLocks noChangeAspect="1"/>
+          </p:cNvPicPr>
+          <p:nvPr/>
+        </p:nvPicPr>
+        <p:blipFill>
+          <a:blip r:embed="rId28"/>
+          <a:stretch>
+            <a:fillRect/>
+          </a:stretch>
+        </p:blipFill>
+        <p:spPr>
+          <a:xfrm>
+            <a:off x="6888013" y="3511425"/>
+            <a:ext cx="1135680" cy="470147"/>
+          </a:xfrm>
+          <a:prstGeom prst="rect">
+            <a:avLst/>
+          </a:prstGeom>
+        </p:spPr>
+      </p:pic>
+      <p:pic>
+        <p:nvPicPr>
+          <p:cNvPr id="38" name="圖片 37"/>
+          <p:cNvPicPr>
+            <a:picLocks noChangeAspect="1"/>
+          </p:cNvPicPr>
+          <p:nvPr/>
+        </p:nvPicPr>
+        <p:blipFill>
+          <a:blip r:embed="rId29"/>
+          <a:stretch>
+            <a:fillRect/>
+          </a:stretch>
+        </p:blipFill>
+        <p:spPr>
+          <a:xfrm>
+            <a:off x="8023693" y="3511425"/>
+            <a:ext cx="4164908" cy="456597"/>
+          </a:xfrm>
+          <a:prstGeom prst="rect">
+            <a:avLst/>
+          </a:prstGeom>
+        </p:spPr>
+      </p:pic>
+      <p:pic>
+        <p:nvPicPr>
+          <p:cNvPr id="39" name="圖片 38"/>
+          <p:cNvPicPr>
+            <a:picLocks noChangeAspect="1"/>
+          </p:cNvPicPr>
+          <p:nvPr/>
+        </p:nvPicPr>
+        <p:blipFill>
+          <a:blip r:embed="rId30"/>
+          <a:stretch>
+            <a:fillRect/>
+          </a:stretch>
+        </p:blipFill>
+        <p:spPr>
+          <a:xfrm>
+            <a:off x="6331723" y="3938840"/>
+            <a:ext cx="2412741" cy="480117"/>
+          </a:xfrm>
+          <a:prstGeom prst="rect">
+            <a:avLst/>
+          </a:prstGeom>
+        </p:spPr>
+      </p:pic>
+      <p:pic>
+        <p:nvPicPr>
+          <p:cNvPr id="40" name="圖片 39"/>
+          <p:cNvPicPr>
+            <a:picLocks noChangeAspect="1"/>
+          </p:cNvPicPr>
+          <p:nvPr/>
+        </p:nvPicPr>
+        <p:blipFill>
+          <a:blip r:embed="rId31"/>
+          <a:stretch>
+            <a:fillRect/>
+          </a:stretch>
+        </p:blipFill>
+        <p:spPr>
+          <a:xfrm>
+            <a:off x="8806339" y="4104625"/>
+            <a:ext cx="2836834" cy="177729"/>
+          </a:xfrm>
+          <a:prstGeom prst="rect">
+            <a:avLst/>
+          </a:prstGeom>
+        </p:spPr>
+      </p:pic>
+      <p:sp>
+        <p:nvSpPr>
+          <p:cNvPr id="41" name="文字方塊 40"/>
+          <p:cNvSpPr txBox="1"/>
+          <p:nvPr/>
+        </p:nvSpPr>
+        <p:spPr>
+          <a:xfrm>
+            <a:off x="5917020" y="3901899"/>
+            <a:ext cx="518091" cy="276999"/>
+          </a:xfrm>
+          <a:prstGeom prst="rect">
+            <a:avLst/>
+          </a:prstGeom>
+          <a:noFill/>
+        </p:spPr>
+        <p:txBody>
+          <a:bodyPr wrap="none" rtlCol="0">
+            <a:spAutoFit/>
+          </a:bodyPr>
+          <a:lstStyle/>
+          <a:p>
+            <a:r>
+              <a:rPr lang="en-US" altLang="zh-TW" sz="1200" b="1" dirty="0" smtClean="0">
+                <a:solidFill>
+                  <a:srgbClr val="FF0000"/>
+                </a:solidFill>
+              </a:rPr>
+              <a:t>&lt;(b)&gt;</a:t>
+            </a:r>
+            <a:endParaRPr lang="zh-TW" altLang="en-US" b="1" dirty="0">
+              <a:solidFill>
+                <a:srgbClr val="FF0000"/>
+              </a:solidFill>
+            </a:endParaRPr>
+          </a:p>
+        </p:txBody>
+      </p:sp>
+      <p:grpSp>
+        <p:nvGrpSpPr>
+          <p:cNvPr id="49" name="群組 48"/>
+          <p:cNvGrpSpPr/>
+          <p:nvPr/>
+        </p:nvGrpSpPr>
+        <p:grpSpPr>
+          <a:xfrm>
+            <a:off x="6101686" y="4872503"/>
+            <a:ext cx="6086915" cy="403375"/>
+            <a:chOff x="6049705" y="4890599"/>
+            <a:chExt cx="9098098" cy="714375"/>
+          </a:xfrm>
+        </p:grpSpPr>
+        <p:pic>
+          <p:nvPicPr>
+            <p:cNvPr id="46" name="圖片 45"/>
+            <p:cNvPicPr>
+              <a:picLocks noChangeAspect="1"/>
+            </p:cNvPicPr>
+            <p:nvPr/>
+          </p:nvPicPr>
+          <p:blipFill>
+            <a:blip r:embed="rId32"/>
+            <a:stretch>
+              <a:fillRect/>
+            </a:stretch>
+          </p:blipFill>
+          <p:spPr>
+            <a:xfrm>
+              <a:off x="6049705" y="5103719"/>
+              <a:ext cx="1409700" cy="314325"/>
+            </a:xfrm>
+            <a:prstGeom prst="rect">
+              <a:avLst/>
+            </a:prstGeom>
+          </p:spPr>
+        </p:pic>
+        <p:pic>
+          <p:nvPicPr>
+            <p:cNvPr id="47" name="圖片 46"/>
+            <p:cNvPicPr>
+              <a:picLocks noChangeAspect="1"/>
+            </p:cNvPicPr>
+            <p:nvPr/>
+          </p:nvPicPr>
+          <p:blipFill>
+            <a:blip r:embed="rId33"/>
+            <a:stretch>
+              <a:fillRect/>
+            </a:stretch>
+          </p:blipFill>
+          <p:spPr>
+            <a:xfrm>
+              <a:off x="7451603" y="4900125"/>
+              <a:ext cx="1704975" cy="695325"/>
+            </a:xfrm>
+            <a:prstGeom prst="rect">
+              <a:avLst/>
+            </a:prstGeom>
+          </p:spPr>
+        </p:pic>
+        <p:pic>
+          <p:nvPicPr>
+            <p:cNvPr id="48" name="圖片 47"/>
+            <p:cNvPicPr>
+              <a:picLocks noChangeAspect="1"/>
+            </p:cNvPicPr>
+            <p:nvPr/>
+          </p:nvPicPr>
+          <p:blipFill>
+            <a:blip r:embed="rId34"/>
+            <a:stretch>
+              <a:fillRect/>
+            </a:stretch>
+          </p:blipFill>
+          <p:spPr>
+            <a:xfrm>
+              <a:off x="9156578" y="4890599"/>
+              <a:ext cx="5991225" cy="714375"/>
+            </a:xfrm>
+            <a:prstGeom prst="rect">
+              <a:avLst/>
+            </a:prstGeom>
+          </p:spPr>
+        </p:pic>
+      </p:grpSp>
+      <p:pic>
+        <p:nvPicPr>
+          <p:cNvPr id="50" name="圖片 49"/>
+          <p:cNvPicPr>
+            <a:picLocks noChangeAspect="1"/>
+          </p:cNvPicPr>
+          <p:nvPr/>
+        </p:nvPicPr>
+        <p:blipFill>
+          <a:blip r:embed="rId35"/>
+          <a:stretch>
+            <a:fillRect/>
+          </a:stretch>
+        </p:blipFill>
+        <p:spPr>
+          <a:xfrm>
+            <a:off x="6113274" y="5278720"/>
+            <a:ext cx="3688141" cy="374258"/>
+          </a:xfrm>
+          <a:prstGeom prst="rect">
+            <a:avLst/>
+          </a:prstGeom>
+        </p:spPr>
+      </p:pic>
+      <p:sp>
+        <p:nvSpPr>
+          <p:cNvPr id="51" name="文字方塊 50"/>
+          <p:cNvSpPr txBox="1"/>
+          <p:nvPr/>
+        </p:nvSpPr>
+        <p:spPr>
+          <a:xfrm>
+            <a:off x="5832868" y="5157688"/>
+            <a:ext cx="498855" cy="276999"/>
+          </a:xfrm>
+          <a:prstGeom prst="rect">
+            <a:avLst/>
+          </a:prstGeom>
+          <a:noFill/>
+        </p:spPr>
+        <p:txBody>
+          <a:bodyPr wrap="none" rtlCol="0">
+            <a:spAutoFit/>
+          </a:bodyPr>
+          <a:lstStyle/>
+          <a:p>
+            <a:r>
+              <a:rPr lang="en-US" altLang="zh-TW" sz="1200" b="1" dirty="0" smtClean="0">
+                <a:solidFill>
+                  <a:srgbClr val="FF0000"/>
+                </a:solidFill>
+              </a:rPr>
+              <a:t>&lt;(c)&gt;</a:t>
+            </a:r>
+            <a:endParaRPr lang="zh-TW" altLang="en-US" b="1" dirty="0">
+              <a:solidFill>
+                <a:srgbClr val="FF0000"/>
+              </a:solidFill>
+            </a:endParaRPr>
+          </a:p>
+        </p:txBody>
+      </p:sp>
+      <p:pic>
+        <p:nvPicPr>
+          <p:cNvPr id="53" name="圖片 52"/>
+          <p:cNvPicPr>
+            <a:picLocks noChangeAspect="1"/>
+          </p:cNvPicPr>
+          <p:nvPr/>
+        </p:nvPicPr>
+        <p:blipFill>
+          <a:blip r:embed="rId36"/>
+          <a:stretch>
+            <a:fillRect/>
+          </a:stretch>
+        </p:blipFill>
+        <p:spPr>
+          <a:xfrm>
+            <a:off x="10051784" y="5278720"/>
+            <a:ext cx="2120914" cy="1526518"/>
+          </a:xfrm>
+          <a:prstGeom prst="rect">
+            <a:avLst/>
+          </a:prstGeom>
+        </p:spPr>
+      </p:pic>
+      <p:sp>
+        <p:nvSpPr>
+          <p:cNvPr id="54" name="文字方塊 53"/>
+          <p:cNvSpPr txBox="1"/>
+          <p:nvPr/>
+        </p:nvSpPr>
+        <p:spPr>
+          <a:xfrm>
+            <a:off x="10032086" y="5745716"/>
+            <a:ext cx="646331" cy="276999"/>
+          </a:xfrm>
+          <a:prstGeom prst="rect">
+            <a:avLst/>
+          </a:prstGeom>
+          <a:noFill/>
+        </p:spPr>
+        <p:txBody>
+          <a:bodyPr wrap="none" rtlCol="0">
+            <a:spAutoFit/>
+          </a:bodyPr>
+          <a:lstStyle/>
+          <a:p>
+            <a:r>
+              <a:rPr lang="en-US" altLang="zh-TW" sz="1200" b="1" dirty="0" smtClean="0">
+                <a:solidFill>
+                  <a:srgbClr val="FF0000"/>
+                </a:solidFill>
+              </a:rPr>
+              <a:t>&lt;</a:t>
+            </a:r>
+            <a:r>
+              <a:rPr lang="zh-TW" altLang="en-US" sz="1200" b="1" dirty="0" smtClean="0">
+                <a:solidFill>
+                  <a:srgbClr val="FF0000"/>
+                </a:solidFill>
+              </a:rPr>
+              <a:t>題目</a:t>
+            </a:r>
+            <a:r>
+              <a:rPr lang="en-US" altLang="zh-TW" sz="1200" b="1" dirty="0" smtClean="0">
+                <a:solidFill>
+                  <a:srgbClr val="FF0000"/>
+                </a:solidFill>
+              </a:rPr>
+              <a:t>&gt;</a:t>
+            </a:r>
+            <a:endParaRPr lang="zh-TW" altLang="en-US" b="1" dirty="0">
+              <a:solidFill>
+                <a:srgbClr val="FF0000"/>
+              </a:solidFill>
+            </a:endParaRPr>
+          </a:p>
+        </p:txBody>
+      </p:sp>
+    </p:spTree>
+    <p:extLst>
+      <p:ext uri="{BB962C8B-B14F-4D97-AF65-F5344CB8AC3E}">
+        <p14:creationId xmlns:p14="http://schemas.microsoft.com/office/powerpoint/2010/main" val="2803127159"/>
+      </p:ext>
+    </p:extLst>
+  </p:cSld>
+  <p:clrMapOvr>
+    <a:masterClrMapping/>
+  </p:clrMapOvr>
+</p:sld>
+</file>
+
+<file path=ppt/slides/slide8.xml><?xml version="1.0" encoding="utf-8"?>
+<p:sld xmlns:a="http://schemas.openxmlformats.org/drawingml/2006/main" xmlns:r="http://schemas.openxmlformats.org/officeDocument/2006/relationships" xmlns:p="http://schemas.openxmlformats.org/presentationml/2006/main">
+  <p:cSld>
+    <p:spTree>
+      <p:nvGrpSpPr>
+        <p:cNvPr id="1" name=""/>
+        <p:cNvGrpSpPr/>
+        <p:nvPr/>
+      </p:nvGrpSpPr>
+      <p:grpSpPr>
+        <a:xfrm>
+          <a:off x="0" y="0"/>
+          <a:ext cx="0" cy="0"/>
+          <a:chOff x="0" y="0"/>
+          <a:chExt cx="0" cy="0"/>
+        </a:xfrm>
+      </p:grpSpPr>
+      <p:pic>
+        <p:nvPicPr>
+          <p:cNvPr id="24" name="圖片 23"/>
+          <p:cNvPicPr>
+            <a:picLocks noChangeAspect="1"/>
+          </p:cNvPicPr>
+          <p:nvPr/>
+        </p:nvPicPr>
+        <p:blipFill>
+          <a:blip r:embed="rId2"/>
+          <a:stretch>
+            <a:fillRect/>
+          </a:stretch>
+        </p:blipFill>
+        <p:spPr>
+          <a:xfrm>
+            <a:off x="2932730" y="5742023"/>
+            <a:ext cx="3084893" cy="1115977"/>
+          </a:xfrm>
+          <a:prstGeom prst="rect">
+            <a:avLst/>
+          </a:prstGeom>
+        </p:spPr>
+      </p:pic>
+      <p:pic>
+        <p:nvPicPr>
+          <p:cNvPr id="4" name="圖片 3"/>
+          <p:cNvPicPr>
+            <a:picLocks noChangeAspect="1"/>
+          </p:cNvPicPr>
+          <p:nvPr/>
+        </p:nvPicPr>
+        <p:blipFill>
+          <a:blip r:embed="rId3"/>
+          <a:stretch>
+            <a:fillRect/>
+          </a:stretch>
+        </p:blipFill>
+        <p:spPr>
+          <a:xfrm>
+            <a:off x="0" y="0"/>
+            <a:ext cx="6017623" cy="223982"/>
+          </a:xfrm>
+          <a:prstGeom prst="rect">
+            <a:avLst/>
+          </a:prstGeom>
+        </p:spPr>
+      </p:pic>
+      <p:sp>
+        <p:nvSpPr>
+          <p:cNvPr id="30" name="橢圓 29"/>
+          <p:cNvSpPr/>
+          <p:nvPr/>
+        </p:nvSpPr>
+        <p:spPr>
+          <a:xfrm>
+            <a:off x="8558325" y="1455884"/>
+            <a:ext cx="148045" cy="138500"/>
+          </a:xfrm>
+          <a:prstGeom prst="ellipse">
+            <a:avLst/>
+          </a:prstGeom>
+          <a:solidFill>
+            <a:schemeClr val="bg1"/>
+          </a:solidFill>
+          <a:ln>
+            <a:solidFill>
+              <a:srgbClr val="FF0000"/>
+            </a:solidFill>
+          </a:ln>
+        </p:spPr>
+        <p:style>
+          <a:lnRef idx="2">
+            <a:schemeClr val="accent1">
+              <a:shade val="50000"/>
+            </a:schemeClr>
+          </a:lnRef>
+          <a:fillRef idx="1">
+            <a:schemeClr val="accent1"/>
+          </a:fillRef>
+          <a:effectRef idx="0">
+            <a:schemeClr val="accent1"/>
+          </a:effectRef>
+          <a:fontRef idx="minor">
+            <a:schemeClr val="lt1"/>
+          </a:fontRef>
+        </p:style>
+        <p:txBody>
+          <a:bodyPr rtlCol="0" anchor="ctr"/>
+          <a:lstStyle/>
+          <a:p>
+            <a:pPr algn="ctr"/>
+            <a:endParaRPr lang="zh-TW" altLang="en-US"/>
+          </a:p>
+        </p:txBody>
+      </p:sp>
+      <p:pic>
+        <p:nvPicPr>
+          <p:cNvPr id="5" name="圖片 4"/>
+          <p:cNvPicPr>
+            <a:picLocks noChangeAspect="1"/>
+          </p:cNvPicPr>
+          <p:nvPr/>
+        </p:nvPicPr>
+        <p:blipFill>
+          <a:blip r:embed="rId4"/>
+          <a:stretch>
+            <a:fillRect/>
+          </a:stretch>
+        </p:blipFill>
+        <p:spPr>
+          <a:xfrm>
+            <a:off x="431619" y="223982"/>
+            <a:ext cx="2947307" cy="189277"/>
+          </a:xfrm>
+          <a:prstGeom prst="rect">
+            <a:avLst/>
+          </a:prstGeom>
+        </p:spPr>
+      </p:pic>
+      <p:grpSp>
+        <p:nvGrpSpPr>
+          <p:cNvPr id="8" name="群組 7"/>
+          <p:cNvGrpSpPr/>
+          <p:nvPr/>
+        </p:nvGrpSpPr>
+        <p:grpSpPr>
+          <a:xfrm>
+            <a:off x="2460171" y="447964"/>
+            <a:ext cx="3557452" cy="614482"/>
+            <a:chOff x="3008811" y="558228"/>
+            <a:chExt cx="3456552" cy="425342"/>
+          </a:xfrm>
+        </p:grpSpPr>
+        <p:pic>
+          <p:nvPicPr>
+            <p:cNvPr id="6" name="圖片 5"/>
+            <p:cNvPicPr>
+              <a:picLocks noChangeAspect="1"/>
+            </p:cNvPicPr>
+            <p:nvPr/>
+          </p:nvPicPr>
+          <p:blipFill>
+            <a:blip r:embed="rId5"/>
+            <a:stretch>
+              <a:fillRect/>
+            </a:stretch>
+          </p:blipFill>
+          <p:spPr>
+            <a:xfrm>
+              <a:off x="3008811" y="564923"/>
+              <a:ext cx="2192856" cy="411953"/>
+            </a:xfrm>
+            <a:prstGeom prst="rect">
+              <a:avLst/>
+            </a:prstGeom>
+          </p:spPr>
+        </p:pic>
+        <p:pic>
+          <p:nvPicPr>
+            <p:cNvPr id="7" name="圖片 6"/>
+            <p:cNvPicPr>
+              <a:picLocks noChangeAspect="1"/>
+            </p:cNvPicPr>
+            <p:nvPr/>
+          </p:nvPicPr>
+          <p:blipFill>
+            <a:blip r:embed="rId6"/>
+            <a:stretch>
+              <a:fillRect/>
+            </a:stretch>
+          </p:blipFill>
+          <p:spPr>
+            <a:xfrm>
+              <a:off x="5201667" y="558228"/>
+              <a:ext cx="1263696" cy="425342"/>
+            </a:xfrm>
+            <a:prstGeom prst="rect">
+              <a:avLst/>
+            </a:prstGeom>
+          </p:spPr>
+        </p:pic>
+      </p:grpSp>
+      <p:pic>
+        <p:nvPicPr>
+          <p:cNvPr id="9" name="圖片 8"/>
+          <p:cNvPicPr>
+            <a:picLocks noChangeAspect="1"/>
+          </p:cNvPicPr>
+          <p:nvPr/>
+        </p:nvPicPr>
+        <p:blipFill>
+          <a:blip r:embed="rId7"/>
+          <a:stretch>
+            <a:fillRect/>
+          </a:stretch>
+        </p:blipFill>
+        <p:spPr>
+          <a:xfrm>
+            <a:off x="431619" y="413259"/>
+            <a:ext cx="1963238" cy="808972"/>
+          </a:xfrm>
+          <a:prstGeom prst="rect">
+            <a:avLst/>
+          </a:prstGeom>
+        </p:spPr>
+      </p:pic>
+      <p:pic>
+        <p:nvPicPr>
+          <p:cNvPr id="10" name="圖片 9"/>
+          <p:cNvPicPr>
+            <a:picLocks noChangeAspect="1"/>
+          </p:cNvPicPr>
+          <p:nvPr/>
+        </p:nvPicPr>
+        <p:blipFill>
+          <a:blip r:embed="rId8"/>
+          <a:stretch>
+            <a:fillRect/>
+          </a:stretch>
+        </p:blipFill>
+        <p:spPr>
+          <a:xfrm>
+            <a:off x="0" y="1249542"/>
+            <a:ext cx="5734472" cy="412685"/>
+          </a:xfrm>
+          <a:prstGeom prst="rect">
+            <a:avLst/>
+          </a:prstGeom>
+        </p:spPr>
+      </p:pic>
+      <p:pic>
+        <p:nvPicPr>
+          <p:cNvPr id="11" name="圖片 10"/>
+          <p:cNvPicPr>
+            <a:picLocks noChangeAspect="1"/>
+          </p:cNvPicPr>
+          <p:nvPr/>
+        </p:nvPicPr>
+        <p:blipFill>
+          <a:blip r:embed="rId9"/>
+          <a:stretch>
+            <a:fillRect/>
+          </a:stretch>
+        </p:blipFill>
+        <p:spPr>
+          <a:xfrm>
+            <a:off x="5734472" y="1455884"/>
+            <a:ext cx="483252" cy="206343"/>
+          </a:xfrm>
+          <a:prstGeom prst="rect">
+            <a:avLst/>
+          </a:prstGeom>
+        </p:spPr>
+      </p:pic>
+      <p:pic>
+        <p:nvPicPr>
+          <p:cNvPr id="12" name="圖片 11"/>
+          <p:cNvPicPr>
+            <a:picLocks noChangeAspect="1"/>
+          </p:cNvPicPr>
+          <p:nvPr/>
+        </p:nvPicPr>
+        <p:blipFill>
+          <a:blip r:embed="rId10"/>
+          <a:stretch>
+            <a:fillRect/>
+          </a:stretch>
+        </p:blipFill>
+        <p:spPr>
+          <a:xfrm>
+            <a:off x="0" y="1678288"/>
+            <a:ext cx="6217724" cy="440881"/>
+          </a:xfrm>
+          <a:prstGeom prst="rect">
+            <a:avLst/>
+          </a:prstGeom>
+        </p:spPr>
+      </p:pic>
+      <p:pic>
+        <p:nvPicPr>
+          <p:cNvPr id="13" name="圖片 12"/>
+          <p:cNvPicPr>
+            <a:picLocks noChangeAspect="1"/>
+          </p:cNvPicPr>
+          <p:nvPr/>
+        </p:nvPicPr>
+        <p:blipFill>
+          <a:blip r:embed="rId11"/>
+          <a:stretch>
+            <a:fillRect/>
+          </a:stretch>
+        </p:blipFill>
+        <p:spPr>
+          <a:xfrm>
+            <a:off x="0" y="2093639"/>
+            <a:ext cx="6217724" cy="459786"/>
+          </a:xfrm>
+          <a:prstGeom prst="rect">
+            <a:avLst/>
+          </a:prstGeom>
+        </p:spPr>
+      </p:pic>
+      <p:pic>
+        <p:nvPicPr>
+          <p:cNvPr id="14" name="圖片 13"/>
+          <p:cNvPicPr>
+            <a:picLocks noChangeAspect="1"/>
+          </p:cNvPicPr>
+          <p:nvPr/>
+        </p:nvPicPr>
+        <p:blipFill>
+          <a:blip r:embed="rId12"/>
+          <a:stretch>
+            <a:fillRect/>
+          </a:stretch>
+        </p:blipFill>
+        <p:spPr>
+          <a:xfrm>
+            <a:off x="52252" y="2578955"/>
+            <a:ext cx="2942678" cy="1072001"/>
+          </a:xfrm>
+          <a:prstGeom prst="rect">
+            <a:avLst/>
+          </a:prstGeom>
+        </p:spPr>
+      </p:pic>
+      <p:sp>
+        <p:nvSpPr>
+          <p:cNvPr id="15" name="文字方塊 14"/>
+          <p:cNvSpPr txBox="1"/>
+          <p:nvPr/>
+        </p:nvSpPr>
+        <p:spPr>
+          <a:xfrm>
+            <a:off x="-78457" y="2553425"/>
+            <a:ext cx="510076" cy="276999"/>
+          </a:xfrm>
+          <a:prstGeom prst="rect">
+            <a:avLst/>
+          </a:prstGeom>
+          <a:noFill/>
+        </p:spPr>
+        <p:txBody>
+          <a:bodyPr wrap="none" rtlCol="0">
+            <a:spAutoFit/>
+          </a:bodyPr>
+          <a:lstStyle/>
+          <a:p>
+            <a:r>
+              <a:rPr lang="en-US" altLang="zh-TW" sz="1200" b="1" dirty="0" smtClean="0">
+                <a:solidFill>
+                  <a:srgbClr val="FF0000"/>
+                </a:solidFill>
+              </a:rPr>
+              <a:t>&lt;(a)&gt;</a:t>
+            </a:r>
+            <a:endParaRPr lang="zh-TW" altLang="en-US" b="1" dirty="0">
+              <a:solidFill>
+                <a:srgbClr val="FF0000"/>
+              </a:solidFill>
+            </a:endParaRPr>
+          </a:p>
+        </p:txBody>
+      </p:sp>
+      <p:sp>
+        <p:nvSpPr>
+          <p:cNvPr id="16" name="文字方塊 15"/>
+          <p:cNvSpPr txBox="1"/>
+          <p:nvPr/>
+        </p:nvSpPr>
+        <p:spPr>
+          <a:xfrm>
+            <a:off x="-78457" y="3583122"/>
+            <a:ext cx="518091" cy="276999"/>
+          </a:xfrm>
+          <a:prstGeom prst="rect">
+            <a:avLst/>
+          </a:prstGeom>
+          <a:noFill/>
+        </p:spPr>
+        <p:txBody>
+          <a:bodyPr wrap="none" rtlCol="0">
+            <a:spAutoFit/>
+          </a:bodyPr>
+          <a:lstStyle/>
+          <a:p>
+            <a:r>
+              <a:rPr lang="en-US" altLang="zh-TW" sz="1200" b="1" dirty="0" smtClean="0">
+                <a:solidFill>
+                  <a:srgbClr val="FF0000"/>
+                </a:solidFill>
+              </a:rPr>
+              <a:t>&lt;(b)&gt;</a:t>
+            </a:r>
+            <a:endParaRPr lang="zh-TW" altLang="en-US" b="1" dirty="0">
+              <a:solidFill>
+                <a:srgbClr val="FF0000"/>
+              </a:solidFill>
+            </a:endParaRPr>
+          </a:p>
+        </p:txBody>
+      </p:sp>
+      <p:pic>
+        <p:nvPicPr>
+          <p:cNvPr id="17" name="圖片 16"/>
+          <p:cNvPicPr>
+            <a:picLocks noChangeAspect="1"/>
+          </p:cNvPicPr>
+          <p:nvPr/>
+        </p:nvPicPr>
+        <p:blipFill>
+          <a:blip r:embed="rId13"/>
+          <a:stretch>
+            <a:fillRect/>
+          </a:stretch>
+        </p:blipFill>
+        <p:spPr>
+          <a:xfrm>
+            <a:off x="373582" y="3650956"/>
+            <a:ext cx="5242696" cy="640567"/>
+          </a:xfrm>
+          <a:prstGeom prst="rect">
+            <a:avLst/>
+          </a:prstGeom>
+        </p:spPr>
+      </p:pic>
+      <p:pic>
+        <p:nvPicPr>
+          <p:cNvPr id="18" name="圖片 17"/>
+          <p:cNvPicPr>
+            <a:picLocks noChangeAspect="1"/>
+          </p:cNvPicPr>
+          <p:nvPr/>
+        </p:nvPicPr>
+        <p:blipFill>
+          <a:blip r:embed="rId14"/>
+          <a:stretch>
+            <a:fillRect/>
+          </a:stretch>
+        </p:blipFill>
+        <p:spPr>
+          <a:xfrm>
+            <a:off x="373582" y="4291523"/>
+            <a:ext cx="5242696" cy="444610"/>
+          </a:xfrm>
+          <a:prstGeom prst="rect">
+            <a:avLst/>
+          </a:prstGeom>
+        </p:spPr>
+      </p:pic>
+      <p:sp>
+        <p:nvSpPr>
+          <p:cNvPr id="19" name="文字方塊 18"/>
+          <p:cNvSpPr txBox="1"/>
+          <p:nvPr/>
+        </p:nvSpPr>
+        <p:spPr>
+          <a:xfrm>
+            <a:off x="-78457" y="4584425"/>
+            <a:ext cx="498855" cy="276999"/>
+          </a:xfrm>
+          <a:prstGeom prst="rect">
+            <a:avLst/>
+          </a:prstGeom>
+          <a:noFill/>
+        </p:spPr>
+        <p:txBody>
+          <a:bodyPr wrap="none" rtlCol="0">
+            <a:spAutoFit/>
+          </a:bodyPr>
+          <a:lstStyle/>
+          <a:p>
+            <a:r>
+              <a:rPr lang="en-US" altLang="zh-TW" sz="1200" b="1" dirty="0" smtClean="0">
+                <a:solidFill>
+                  <a:srgbClr val="FF0000"/>
+                </a:solidFill>
+              </a:rPr>
+              <a:t>&lt;(c)&gt;</a:t>
+            </a:r>
+            <a:endParaRPr lang="zh-TW" altLang="en-US" b="1" dirty="0">
+              <a:solidFill>
+                <a:srgbClr val="FF0000"/>
+              </a:solidFill>
+            </a:endParaRPr>
+          </a:p>
+        </p:txBody>
+      </p:sp>
+      <p:pic>
+        <p:nvPicPr>
+          <p:cNvPr id="20" name="圖片 19"/>
+          <p:cNvPicPr>
+            <a:picLocks noChangeAspect="1"/>
+          </p:cNvPicPr>
+          <p:nvPr/>
+        </p:nvPicPr>
+        <p:blipFill>
+          <a:blip r:embed="rId15"/>
+          <a:stretch>
+            <a:fillRect/>
+          </a:stretch>
+        </p:blipFill>
+        <p:spPr>
+          <a:xfrm>
+            <a:off x="373582" y="4730942"/>
+            <a:ext cx="3814354" cy="201148"/>
+          </a:xfrm>
+          <a:prstGeom prst="rect">
+            <a:avLst/>
+          </a:prstGeom>
+        </p:spPr>
+      </p:pic>
+      <p:pic>
+        <p:nvPicPr>
+          <p:cNvPr id="21" name="圖片 20"/>
+          <p:cNvPicPr>
+            <a:picLocks noChangeAspect="1"/>
+          </p:cNvPicPr>
+          <p:nvPr/>
+        </p:nvPicPr>
+        <p:blipFill>
+          <a:blip r:embed="rId16"/>
+          <a:stretch>
+            <a:fillRect/>
+          </a:stretch>
+        </p:blipFill>
+        <p:spPr>
+          <a:xfrm>
+            <a:off x="386632" y="4895791"/>
+            <a:ext cx="4525949" cy="517069"/>
+          </a:xfrm>
+          <a:prstGeom prst="rect">
+            <a:avLst/>
+          </a:prstGeom>
+        </p:spPr>
+      </p:pic>
+      <p:pic>
+        <p:nvPicPr>
+          <p:cNvPr id="22" name="圖片 21"/>
+          <p:cNvPicPr>
+            <a:picLocks noChangeAspect="1"/>
+          </p:cNvPicPr>
+          <p:nvPr/>
+        </p:nvPicPr>
+        <p:blipFill>
+          <a:blip r:embed="rId17"/>
+          <a:stretch>
+            <a:fillRect/>
+          </a:stretch>
+        </p:blipFill>
+        <p:spPr>
+          <a:xfrm>
+            <a:off x="373582" y="5363524"/>
+            <a:ext cx="5651053" cy="403182"/>
+          </a:xfrm>
+          <a:prstGeom prst="rect">
+            <a:avLst/>
+          </a:prstGeom>
+        </p:spPr>
+      </p:pic>
+      <p:pic>
+        <p:nvPicPr>
+          <p:cNvPr id="23" name="圖片 22"/>
+          <p:cNvPicPr>
+            <a:picLocks noChangeAspect="1"/>
+          </p:cNvPicPr>
+          <p:nvPr/>
+        </p:nvPicPr>
+        <p:blipFill>
+          <a:blip r:embed="rId18"/>
+          <a:stretch>
+            <a:fillRect/>
+          </a:stretch>
+        </p:blipFill>
+        <p:spPr>
+          <a:xfrm>
+            <a:off x="373582" y="5766706"/>
+            <a:ext cx="2486570" cy="882331"/>
+          </a:xfrm>
+          <a:prstGeom prst="rect">
+            <a:avLst/>
+          </a:prstGeom>
+        </p:spPr>
+      </p:pic>
+      <p:pic>
+        <p:nvPicPr>
+          <p:cNvPr id="25" name="圖片 24"/>
+          <p:cNvPicPr>
+            <a:picLocks noChangeAspect="1"/>
+          </p:cNvPicPr>
+          <p:nvPr/>
+        </p:nvPicPr>
+        <p:blipFill>
+          <a:blip r:embed="rId19"/>
+          <a:stretch>
+            <a:fillRect/>
+          </a:stretch>
+        </p:blipFill>
+        <p:spPr>
+          <a:xfrm>
+            <a:off x="6286636" y="28872"/>
+            <a:ext cx="3545341" cy="207645"/>
+          </a:xfrm>
+          <a:prstGeom prst="rect">
+            <a:avLst/>
+          </a:prstGeom>
+        </p:spPr>
+      </p:pic>
+      <p:pic>
+        <p:nvPicPr>
+          <p:cNvPr id="26" name="圖片 25"/>
+          <p:cNvPicPr>
+            <a:picLocks noChangeAspect="1"/>
+          </p:cNvPicPr>
+          <p:nvPr/>
+        </p:nvPicPr>
+        <p:blipFill>
+          <a:blip r:embed="rId20"/>
+          <a:stretch>
+            <a:fillRect/>
+          </a:stretch>
+        </p:blipFill>
+        <p:spPr>
+          <a:xfrm>
+            <a:off x="6286636" y="224647"/>
+            <a:ext cx="5905364" cy="1509862"/>
+          </a:xfrm>
+          <a:prstGeom prst="rect">
+            <a:avLst/>
+          </a:prstGeom>
+        </p:spPr>
+      </p:pic>
+      <p:pic>
+        <p:nvPicPr>
+          <p:cNvPr id="27" name="圖片 26"/>
+          <p:cNvPicPr>
+            <a:picLocks noChangeAspect="1"/>
+          </p:cNvPicPr>
+          <p:nvPr/>
+        </p:nvPicPr>
+        <p:blipFill>
+          <a:blip r:embed="rId21"/>
+          <a:stretch>
+            <a:fillRect/>
+          </a:stretch>
+        </p:blipFill>
+        <p:spPr>
+          <a:xfrm>
+            <a:off x="8575462" y="1303373"/>
+            <a:ext cx="1176133" cy="511362"/>
+          </a:xfrm>
+          <a:prstGeom prst="rect">
+            <a:avLst/>
+          </a:prstGeom>
+        </p:spPr>
+      </p:pic>
+      <p:pic>
+        <p:nvPicPr>
+          <p:cNvPr id="28" name="圖片 27"/>
+          <p:cNvPicPr>
+            <a:picLocks noChangeAspect="1"/>
+          </p:cNvPicPr>
+          <p:nvPr/>
+        </p:nvPicPr>
+        <p:blipFill>
+          <a:blip r:embed="rId22"/>
+          <a:stretch>
+            <a:fillRect/>
+          </a:stretch>
+        </p:blipFill>
+        <p:spPr>
+          <a:xfrm>
+            <a:off x="9768732" y="1362946"/>
+            <a:ext cx="1026686" cy="392217"/>
+          </a:xfrm>
+          <a:prstGeom prst="rect">
+            <a:avLst/>
+          </a:prstGeom>
+        </p:spPr>
+      </p:pic>
+      <p:cxnSp>
+        <p:nvCxnSpPr>
+          <p:cNvPr id="32" name="直線接點 31"/>
+          <p:cNvCxnSpPr/>
+          <p:nvPr/>
+        </p:nvCxnSpPr>
+        <p:spPr>
+          <a:xfrm>
+            <a:off x="6217724" y="1734509"/>
+            <a:ext cx="5974276" cy="20654"/>
+          </a:xfrm>
+          <a:prstGeom prst="line">
+            <a:avLst/>
+          </a:prstGeom>
+        </p:spPr>
+        <p:style>
+          <a:lnRef idx="1">
+            <a:schemeClr val="accent1"/>
+          </a:lnRef>
+          <a:fillRef idx="0">
+            <a:schemeClr val="accent1"/>
+          </a:fillRef>
+          <a:effectRef idx="0">
+            <a:schemeClr val="accent1"/>
+          </a:effectRef>
+          <a:fontRef idx="minor">
+            <a:schemeClr val="tx1"/>
+          </a:fontRef>
+        </p:style>
+      </p:cxnSp>
+      <p:cxnSp>
+        <p:nvCxnSpPr>
+          <p:cNvPr id="34" name="直線接點 33"/>
+          <p:cNvCxnSpPr/>
+          <p:nvPr/>
+        </p:nvCxnSpPr>
+        <p:spPr>
+          <a:xfrm>
+            <a:off x="6217724" y="1746895"/>
+            <a:ext cx="0" cy="5111105"/>
+          </a:xfrm>
+          <a:prstGeom prst="line">
+            <a:avLst/>
+          </a:prstGeom>
+        </p:spPr>
+        <p:style>
+          <a:lnRef idx="1">
+            <a:schemeClr val="accent1"/>
+          </a:lnRef>
+          <a:fillRef idx="0">
+            <a:schemeClr val="accent1"/>
+          </a:fillRef>
+          <a:effectRef idx="0">
+            <a:schemeClr val="accent1"/>
+          </a:effectRef>
+          <a:fontRef idx="minor">
+            <a:schemeClr val="tx1"/>
+          </a:fontRef>
+        </p:style>
+      </p:cxnSp>
+      <p:pic>
+        <p:nvPicPr>
+          <p:cNvPr id="35" name="圖片 34"/>
+          <p:cNvPicPr>
+            <a:picLocks noChangeAspect="1"/>
+          </p:cNvPicPr>
+          <p:nvPr/>
+        </p:nvPicPr>
+        <p:blipFill>
+          <a:blip r:embed="rId23"/>
+          <a:stretch>
+            <a:fillRect/>
+          </a:stretch>
+        </p:blipFill>
+        <p:spPr>
+          <a:xfrm>
+            <a:off x="6232941" y="1776402"/>
+            <a:ext cx="5959060" cy="645934"/>
+          </a:xfrm>
+          <a:prstGeom prst="rect">
+            <a:avLst/>
+          </a:prstGeom>
+        </p:spPr>
+      </p:pic>
+      <p:pic>
+        <p:nvPicPr>
+          <p:cNvPr id="36" name="圖片 35"/>
+          <p:cNvPicPr>
+            <a:picLocks noChangeAspect="1"/>
+          </p:cNvPicPr>
+          <p:nvPr/>
+        </p:nvPicPr>
+        <p:blipFill>
+          <a:blip r:embed="rId24"/>
+          <a:stretch>
+            <a:fillRect/>
+          </a:stretch>
+        </p:blipFill>
+        <p:spPr>
+          <a:xfrm>
+            <a:off x="10360971" y="2872808"/>
+            <a:ext cx="1830286" cy="996748"/>
+          </a:xfrm>
+          <a:prstGeom prst="rect">
+            <a:avLst/>
+          </a:prstGeom>
+        </p:spPr>
+      </p:pic>
+      <p:pic>
+        <p:nvPicPr>
+          <p:cNvPr id="37" name="圖片 36"/>
+          <p:cNvPicPr>
+            <a:picLocks noChangeAspect="1"/>
+          </p:cNvPicPr>
+          <p:nvPr/>
+        </p:nvPicPr>
+        <p:blipFill>
+          <a:blip r:embed="rId25"/>
+          <a:stretch>
+            <a:fillRect/>
+          </a:stretch>
+        </p:blipFill>
+        <p:spPr>
+          <a:xfrm>
+            <a:off x="6232941" y="2443575"/>
+            <a:ext cx="5969726" cy="435293"/>
+          </a:xfrm>
+          <a:prstGeom prst="rect">
+            <a:avLst/>
+          </a:prstGeom>
+        </p:spPr>
+      </p:pic>
+      <p:pic>
+        <p:nvPicPr>
+          <p:cNvPr id="38" name="圖片 37"/>
+          <p:cNvPicPr>
+            <a:picLocks noChangeAspect="1"/>
+          </p:cNvPicPr>
+          <p:nvPr/>
+        </p:nvPicPr>
+        <p:blipFill>
+          <a:blip r:embed="rId26"/>
+          <a:stretch>
+            <a:fillRect/>
+          </a:stretch>
+        </p:blipFill>
+        <p:spPr>
+          <a:xfrm>
+            <a:off x="6267590" y="3037920"/>
+            <a:ext cx="2438780" cy="1107882"/>
+          </a:xfrm>
+          <a:prstGeom prst="rect">
+            <a:avLst/>
+          </a:prstGeom>
+        </p:spPr>
+      </p:pic>
+      <p:pic>
+        <p:nvPicPr>
+          <p:cNvPr id="39" name="圖片 38"/>
+          <p:cNvPicPr>
+            <a:picLocks noChangeAspect="1"/>
+          </p:cNvPicPr>
+          <p:nvPr/>
+        </p:nvPicPr>
+        <p:blipFill>
+          <a:blip r:embed="rId27"/>
+          <a:stretch>
+            <a:fillRect/>
+          </a:stretch>
+        </p:blipFill>
+        <p:spPr>
+          <a:xfrm>
+            <a:off x="8150024" y="3874038"/>
+            <a:ext cx="2580990" cy="579406"/>
+          </a:xfrm>
+          <a:prstGeom prst="rect">
+            <a:avLst/>
+          </a:prstGeom>
+        </p:spPr>
+      </p:pic>
+      <p:cxnSp>
+        <p:nvCxnSpPr>
+          <p:cNvPr id="41" name="直線接點 40"/>
+          <p:cNvCxnSpPr/>
+          <p:nvPr/>
+        </p:nvCxnSpPr>
+        <p:spPr>
+          <a:xfrm>
+            <a:off x="6232941" y="4374490"/>
+            <a:ext cx="5969726" cy="0"/>
+          </a:xfrm>
+          <a:prstGeom prst="line">
+            <a:avLst/>
+          </a:prstGeom>
+        </p:spPr>
+        <p:style>
+          <a:lnRef idx="1">
+            <a:schemeClr val="accent1"/>
+          </a:lnRef>
+          <a:fillRef idx="0">
+            <a:schemeClr val="accent1"/>
+          </a:fillRef>
+          <a:effectRef idx="0">
+            <a:schemeClr val="accent1"/>
+          </a:effectRef>
+          <a:fontRef idx="minor">
+            <a:schemeClr val="tx1"/>
+          </a:fontRef>
+        </p:style>
+      </p:cxnSp>
+    </p:spTree>
+    <p:extLst>
+      <p:ext uri="{BB962C8B-B14F-4D97-AF65-F5344CB8AC3E}">
+        <p14:creationId xmlns:p14="http://schemas.microsoft.com/office/powerpoint/2010/main" val="1377372436"/>
+      </p:ext>
+    </p:extLst>
+  </p:cSld>
+  <p:clrMapOvr>
+    <a:masterClrMapping/>
+  </p:clrMapOvr>
+</p:sld>
+</file>
+
+<file path=ppt/slides/slide9.xml><?xml version="1.0" encoding="utf-8"?>
+<p:sld xmlns:a="http://schemas.openxmlformats.org/drawingml/2006/main" xmlns:r="http://schemas.openxmlformats.org/officeDocument/2006/relationships" xmlns:p="http://schemas.openxmlformats.org/presentationml/2006/main">
+  <p:cSld>
+    <p:spTree>
+      <p:nvGrpSpPr>
+        <p:cNvPr id="1" name=""/>
+        <p:cNvGrpSpPr/>
+        <p:nvPr/>
+      </p:nvGrpSpPr>
+      <p:grpSpPr>
+        <a:xfrm>
+          <a:off x="0" y="0"/>
+          <a:ext cx="0" cy="0"/>
+          <a:chOff x="0" y="0"/>
+          <a:chExt cx="0" cy="0"/>
+        </a:xfrm>
+      </p:grpSpPr>
+      <p:pic>
+        <p:nvPicPr>
+          <p:cNvPr id="23" name="圖片 22"/>
+          <p:cNvPicPr>
+            <a:picLocks noChangeAspect="1"/>
+          </p:cNvPicPr>
+          <p:nvPr/>
+        </p:nvPicPr>
+        <p:blipFill>
+          <a:blip r:embed="rId2"/>
+          <a:stretch>
+            <a:fillRect/>
+          </a:stretch>
+        </p:blipFill>
+        <p:spPr>
+          <a:xfrm>
+            <a:off x="315929" y="3698432"/>
+            <a:ext cx="3739122" cy="393241"/>
+          </a:xfrm>
+          <a:prstGeom prst="rect">
+            <a:avLst/>
+          </a:prstGeom>
+        </p:spPr>
+      </p:pic>
+      <p:pic>
+        <p:nvPicPr>
+          <p:cNvPr id="6" name="圖片 5"/>
+          <p:cNvPicPr>
+            <a:picLocks noChangeAspect="1"/>
+          </p:cNvPicPr>
+          <p:nvPr/>
+        </p:nvPicPr>
+        <p:blipFill>
+          <a:blip r:embed="rId3"/>
+          <a:stretch>
+            <a:fillRect/>
+          </a:stretch>
+        </p:blipFill>
+        <p:spPr>
+          <a:xfrm>
+            <a:off x="0" y="524074"/>
+            <a:ext cx="7054841" cy="437682"/>
+          </a:xfrm>
+          <a:prstGeom prst="rect">
+            <a:avLst/>
+          </a:prstGeom>
+        </p:spPr>
+      </p:pic>
+      <p:pic>
+        <p:nvPicPr>
+          <p:cNvPr id="4" name="圖片 3"/>
+          <p:cNvPicPr>
+            <a:picLocks noChangeAspect="1"/>
+          </p:cNvPicPr>
+          <p:nvPr/>
+        </p:nvPicPr>
+        <p:blipFill>
+          <a:blip r:embed="rId4"/>
+          <a:stretch>
+            <a:fillRect/>
+          </a:stretch>
+        </p:blipFill>
+        <p:spPr>
+          <a:xfrm>
+            <a:off x="0" y="0"/>
+            <a:ext cx="7179809" cy="524074"/>
+          </a:xfrm>
+          <a:prstGeom prst="rect">
+            <a:avLst/>
+          </a:prstGeom>
+        </p:spPr>
+      </p:pic>
+      <p:pic>
+        <p:nvPicPr>
+          <p:cNvPr id="5" name="圖片 4"/>
+          <p:cNvPicPr>
+            <a:picLocks noChangeAspect="1"/>
+          </p:cNvPicPr>
+          <p:nvPr/>
+        </p:nvPicPr>
+        <p:blipFill rotWithShape="1">
+          <a:blip r:embed="rId5"/>
+          <a:srcRect t="-211" r="18352"/>
+          <a:stretch/>
+        </p:blipFill>
+        <p:spPr>
+          <a:xfrm>
+            <a:off x="2990442" y="261257"/>
+            <a:ext cx="4124461" cy="372215"/>
+          </a:xfrm>
+          <a:prstGeom prst="rect">
+            <a:avLst/>
+          </a:prstGeom>
+        </p:spPr>
+      </p:pic>
+      <p:pic>
+        <p:nvPicPr>
+          <p:cNvPr id="7" name="圖片 6"/>
+          <p:cNvPicPr>
+            <a:picLocks noChangeAspect="1"/>
+          </p:cNvPicPr>
+          <p:nvPr/>
+        </p:nvPicPr>
+        <p:blipFill>
+          <a:blip r:embed="rId6"/>
+          <a:stretch>
+            <a:fillRect/>
+          </a:stretch>
+        </p:blipFill>
+        <p:spPr>
+          <a:xfrm>
+            <a:off x="0" y="940412"/>
+            <a:ext cx="6860314" cy="215471"/>
+          </a:xfrm>
+          <a:prstGeom prst="rect">
+            <a:avLst/>
+          </a:prstGeom>
+        </p:spPr>
+      </p:pic>
+      <p:pic>
+        <p:nvPicPr>
+          <p:cNvPr id="8" name="圖片 7"/>
+          <p:cNvPicPr>
+            <a:picLocks noChangeAspect="1"/>
+          </p:cNvPicPr>
+          <p:nvPr/>
+        </p:nvPicPr>
+        <p:blipFill>
+          <a:blip r:embed="rId7"/>
+          <a:stretch>
+            <a:fillRect/>
+          </a:stretch>
+        </p:blipFill>
+        <p:spPr>
+          <a:xfrm>
+            <a:off x="6860314" y="971996"/>
+            <a:ext cx="418828" cy="152301"/>
+          </a:xfrm>
+          <a:prstGeom prst="rect">
+            <a:avLst/>
+          </a:prstGeom>
+        </p:spPr>
+      </p:pic>
+      <p:pic>
+        <p:nvPicPr>
+          <p:cNvPr id="9" name="圖片 8"/>
+          <p:cNvPicPr>
+            <a:picLocks noChangeAspect="1"/>
+          </p:cNvPicPr>
+          <p:nvPr/>
+        </p:nvPicPr>
+        <p:blipFill>
+          <a:blip r:embed="rId8"/>
+          <a:stretch>
+            <a:fillRect/>
+          </a:stretch>
+        </p:blipFill>
+        <p:spPr>
+          <a:xfrm>
+            <a:off x="0" y="1198176"/>
+            <a:ext cx="6583680" cy="179918"/>
+          </a:xfrm>
+          <a:prstGeom prst="rect">
+            <a:avLst/>
+          </a:prstGeom>
+        </p:spPr>
+      </p:pic>
+      <p:pic>
+        <p:nvPicPr>
+          <p:cNvPr id="10" name="圖片 9"/>
+          <p:cNvPicPr>
+            <a:picLocks noChangeAspect="1"/>
+          </p:cNvPicPr>
+          <p:nvPr/>
+        </p:nvPicPr>
+        <p:blipFill>
+          <a:blip r:embed="rId9"/>
+          <a:stretch>
+            <a:fillRect/>
+          </a:stretch>
+        </p:blipFill>
+        <p:spPr>
+          <a:xfrm>
+            <a:off x="6597015" y="1212529"/>
+            <a:ext cx="682127" cy="165565"/>
+          </a:xfrm>
+          <a:prstGeom prst="rect">
+            <a:avLst/>
+          </a:prstGeom>
+        </p:spPr>
+      </p:pic>
+      <p:pic>
+        <p:nvPicPr>
+          <p:cNvPr id="11" name="圖片 10"/>
+          <p:cNvPicPr>
+            <a:picLocks noChangeAspect="1"/>
+          </p:cNvPicPr>
+          <p:nvPr/>
+        </p:nvPicPr>
+        <p:blipFill>
+          <a:blip r:embed="rId10"/>
+          <a:stretch>
+            <a:fillRect/>
+          </a:stretch>
+        </p:blipFill>
+        <p:spPr>
+          <a:xfrm>
+            <a:off x="0" y="1434740"/>
+            <a:ext cx="7249069" cy="168413"/>
+          </a:xfrm>
+          <a:prstGeom prst="rect">
+            <a:avLst/>
+          </a:prstGeom>
+        </p:spPr>
+      </p:pic>
+      <p:pic>
+        <p:nvPicPr>
+          <p:cNvPr id="12" name="圖片 11"/>
+          <p:cNvPicPr>
+            <a:picLocks noChangeAspect="1"/>
+          </p:cNvPicPr>
+          <p:nvPr/>
+        </p:nvPicPr>
+        <p:blipFill>
+          <a:blip r:embed="rId11"/>
+          <a:stretch>
+            <a:fillRect/>
+          </a:stretch>
+        </p:blipFill>
+        <p:spPr>
+          <a:xfrm>
+            <a:off x="321128" y="1656951"/>
+            <a:ext cx="1960517" cy="154041"/>
+          </a:xfrm>
+          <a:prstGeom prst="rect">
+            <a:avLst/>
+          </a:prstGeom>
+        </p:spPr>
+      </p:pic>
+      <p:pic>
+        <p:nvPicPr>
+          <p:cNvPr id="13" name="圖片 12"/>
+          <p:cNvPicPr>
+            <a:picLocks noChangeAspect="1"/>
+          </p:cNvPicPr>
+          <p:nvPr/>
+        </p:nvPicPr>
+        <p:blipFill>
+          <a:blip r:embed="rId12"/>
+          <a:stretch>
+            <a:fillRect/>
+          </a:stretch>
+        </p:blipFill>
+        <p:spPr>
+          <a:xfrm>
+            <a:off x="315929" y="1864789"/>
+            <a:ext cx="2106523" cy="295050"/>
+          </a:xfrm>
+          <a:prstGeom prst="rect">
+            <a:avLst/>
+          </a:prstGeom>
+        </p:spPr>
+      </p:pic>
+      <p:sp>
+        <p:nvSpPr>
+          <p:cNvPr id="14" name="文字方塊 13"/>
+          <p:cNvSpPr txBox="1"/>
+          <p:nvPr/>
+        </p:nvSpPr>
+        <p:spPr>
+          <a:xfrm>
+            <a:off x="-53341" y="1726290"/>
+            <a:ext cx="510076" cy="276999"/>
+          </a:xfrm>
+          <a:prstGeom prst="rect">
+            <a:avLst/>
+          </a:prstGeom>
+          <a:noFill/>
+        </p:spPr>
+        <p:txBody>
+          <a:bodyPr wrap="none" rtlCol="0">
+            <a:spAutoFit/>
+          </a:bodyPr>
+          <a:lstStyle/>
+          <a:p>
+            <a:r>
+              <a:rPr lang="en-US" altLang="zh-TW" sz="1200" b="1" dirty="0" smtClean="0">
+                <a:solidFill>
+                  <a:srgbClr val="FF0000"/>
+                </a:solidFill>
+              </a:rPr>
+              <a:t>&lt;(a)&gt;</a:t>
+            </a:r>
+            <a:endParaRPr lang="zh-TW" altLang="en-US" b="1" dirty="0">
+              <a:solidFill>
+                <a:srgbClr val="FF0000"/>
+              </a:solidFill>
+            </a:endParaRPr>
+          </a:p>
+        </p:txBody>
+      </p:sp>
+      <p:pic>
+        <p:nvPicPr>
+          <p:cNvPr id="15" name="圖片 14"/>
+          <p:cNvPicPr>
+            <a:picLocks noChangeAspect="1"/>
+          </p:cNvPicPr>
+          <p:nvPr/>
+        </p:nvPicPr>
+        <p:blipFill>
+          <a:blip r:embed="rId13"/>
+          <a:stretch>
+            <a:fillRect/>
+          </a:stretch>
+        </p:blipFill>
+        <p:spPr>
+          <a:xfrm>
+            <a:off x="2577737" y="1784395"/>
+            <a:ext cx="3294473" cy="455839"/>
+          </a:xfrm>
+          <a:prstGeom prst="rect">
+            <a:avLst/>
+          </a:prstGeom>
+        </p:spPr>
+      </p:pic>
+      <p:pic>
+        <p:nvPicPr>
+          <p:cNvPr id="16" name="圖片 15"/>
+          <p:cNvPicPr>
+            <a:picLocks noChangeAspect="1"/>
+          </p:cNvPicPr>
+          <p:nvPr/>
+        </p:nvPicPr>
+        <p:blipFill>
+          <a:blip r:embed="rId14"/>
+          <a:stretch>
+            <a:fillRect/>
+          </a:stretch>
+        </p:blipFill>
+        <p:spPr>
+          <a:xfrm>
+            <a:off x="315929" y="2240234"/>
+            <a:ext cx="1697400" cy="194194"/>
+          </a:xfrm>
+          <a:prstGeom prst="rect">
+            <a:avLst/>
+          </a:prstGeom>
+        </p:spPr>
+      </p:pic>
+      <p:pic>
+        <p:nvPicPr>
+          <p:cNvPr id="17" name="圖片 16"/>
+          <p:cNvPicPr>
+            <a:picLocks noChangeAspect="1"/>
+          </p:cNvPicPr>
+          <p:nvPr/>
+        </p:nvPicPr>
+        <p:blipFill>
+          <a:blip r:embed="rId15"/>
+          <a:stretch>
+            <a:fillRect/>
+          </a:stretch>
+        </p:blipFill>
+        <p:spPr>
+          <a:xfrm>
+            <a:off x="2075273" y="2213636"/>
+            <a:ext cx="3796937" cy="374346"/>
+          </a:xfrm>
+          <a:prstGeom prst="rect">
+            <a:avLst/>
+          </a:prstGeom>
+        </p:spPr>
+      </p:pic>
+      <p:pic>
+        <p:nvPicPr>
+          <p:cNvPr id="18" name="圖片 17"/>
+          <p:cNvPicPr>
+            <a:picLocks noChangeAspect="1"/>
+          </p:cNvPicPr>
+          <p:nvPr/>
+        </p:nvPicPr>
+        <p:blipFill>
+          <a:blip r:embed="rId16"/>
+          <a:stretch>
+            <a:fillRect/>
+          </a:stretch>
+        </p:blipFill>
+        <p:spPr>
+          <a:xfrm>
+            <a:off x="315929" y="2573696"/>
+            <a:ext cx="3252107" cy="268523"/>
+          </a:xfrm>
+          <a:prstGeom prst="rect">
+            <a:avLst/>
+          </a:prstGeom>
+        </p:spPr>
+      </p:pic>
+      <p:pic>
+        <p:nvPicPr>
+          <p:cNvPr id="19" name="圖片 18"/>
+          <p:cNvPicPr>
+            <a:picLocks noChangeAspect="1"/>
+          </p:cNvPicPr>
+          <p:nvPr/>
+        </p:nvPicPr>
+        <p:blipFill>
+          <a:blip r:embed="rId17"/>
+          <a:stretch>
+            <a:fillRect/>
+          </a:stretch>
+        </p:blipFill>
+        <p:spPr>
+          <a:xfrm>
+            <a:off x="3568036" y="2587982"/>
+            <a:ext cx="2172333" cy="278881"/>
+          </a:xfrm>
+          <a:prstGeom prst="rect">
+            <a:avLst/>
+          </a:prstGeom>
+        </p:spPr>
+      </p:pic>
+      <p:pic>
+        <p:nvPicPr>
+          <p:cNvPr id="20" name="圖片 19"/>
+          <p:cNvPicPr>
+            <a:picLocks noChangeAspect="1"/>
+          </p:cNvPicPr>
+          <p:nvPr/>
+        </p:nvPicPr>
+        <p:blipFill>
+          <a:blip r:embed="rId18"/>
+          <a:stretch>
+            <a:fillRect/>
+          </a:stretch>
+        </p:blipFill>
+        <p:spPr>
+          <a:xfrm>
+            <a:off x="2069360" y="2920179"/>
+            <a:ext cx="1535717" cy="269788"/>
+          </a:xfrm>
+          <a:prstGeom prst="rect">
+            <a:avLst/>
+          </a:prstGeom>
+        </p:spPr>
+      </p:pic>
+      <p:pic>
+        <p:nvPicPr>
+          <p:cNvPr id="21" name="圖片 20"/>
+          <p:cNvPicPr>
+            <a:picLocks noChangeAspect="1"/>
+          </p:cNvPicPr>
+          <p:nvPr/>
+        </p:nvPicPr>
+        <p:blipFill>
+          <a:blip r:embed="rId19"/>
+          <a:stretch>
+            <a:fillRect/>
+          </a:stretch>
+        </p:blipFill>
+        <p:spPr>
+          <a:xfrm>
+            <a:off x="3605077" y="2842219"/>
+            <a:ext cx="642022" cy="437742"/>
+          </a:xfrm>
+          <a:prstGeom prst="rect">
+            <a:avLst/>
+          </a:prstGeom>
+        </p:spPr>
+      </p:pic>
+      <p:pic>
+        <p:nvPicPr>
+          <p:cNvPr id="22" name="圖片 21"/>
+          <p:cNvPicPr>
+            <a:picLocks noChangeAspect="1"/>
+          </p:cNvPicPr>
+          <p:nvPr/>
+        </p:nvPicPr>
+        <p:blipFill>
+          <a:blip r:embed="rId20"/>
+          <a:stretch>
+            <a:fillRect/>
+          </a:stretch>
+        </p:blipFill>
+        <p:spPr>
+          <a:xfrm>
+            <a:off x="327231" y="3214611"/>
+            <a:ext cx="3259325" cy="504670"/>
+          </a:xfrm>
+          <a:prstGeom prst="rect">
+            <a:avLst/>
+          </a:prstGeom>
+        </p:spPr>
+      </p:pic>
+      <p:pic>
+        <p:nvPicPr>
+          <p:cNvPr id="24" name="圖片 23"/>
+          <p:cNvPicPr>
+            <a:picLocks noChangeAspect="1"/>
+          </p:cNvPicPr>
+          <p:nvPr/>
+        </p:nvPicPr>
+        <p:blipFill>
+          <a:blip r:embed="rId21"/>
+          <a:stretch>
+            <a:fillRect/>
+          </a:stretch>
+        </p:blipFill>
+        <p:spPr>
+          <a:xfrm>
+            <a:off x="4088880" y="3801571"/>
+            <a:ext cx="1783330" cy="186962"/>
+          </a:xfrm>
+          <a:prstGeom prst="rect">
+            <a:avLst/>
+          </a:prstGeom>
+        </p:spPr>
+      </p:pic>
+      <p:pic>
+        <p:nvPicPr>
+          <p:cNvPr id="25" name="圖片 24"/>
+          <p:cNvPicPr>
+            <a:picLocks noChangeAspect="1"/>
+          </p:cNvPicPr>
+          <p:nvPr/>
+        </p:nvPicPr>
+        <p:blipFill>
+          <a:blip r:embed="rId22"/>
+          <a:stretch>
+            <a:fillRect/>
+          </a:stretch>
+        </p:blipFill>
+        <p:spPr>
+          <a:xfrm>
+            <a:off x="5872210" y="3646533"/>
+            <a:ext cx="751166" cy="478619"/>
+          </a:xfrm>
+          <a:prstGeom prst="rect">
+            <a:avLst/>
+          </a:prstGeom>
+        </p:spPr>
+      </p:pic>
+      <p:pic>
+        <p:nvPicPr>
+          <p:cNvPr id="26" name="圖片 25"/>
+          <p:cNvPicPr>
+            <a:picLocks noChangeAspect="1"/>
+          </p:cNvPicPr>
+          <p:nvPr/>
+        </p:nvPicPr>
+        <p:blipFill>
+          <a:blip r:embed="rId23"/>
+          <a:stretch>
+            <a:fillRect/>
+          </a:stretch>
+        </p:blipFill>
+        <p:spPr>
+          <a:xfrm>
+            <a:off x="6623376" y="3646533"/>
+            <a:ext cx="734179" cy="438139"/>
+          </a:xfrm>
+          <a:prstGeom prst="rect">
+            <a:avLst/>
+          </a:prstGeom>
+        </p:spPr>
+      </p:pic>
+      <p:sp>
+        <p:nvSpPr>
+          <p:cNvPr id="27" name="文字方塊 26"/>
+          <p:cNvSpPr txBox="1"/>
+          <p:nvPr/>
+        </p:nvSpPr>
+        <p:spPr>
+          <a:xfrm>
+            <a:off x="-57349" y="4064602"/>
+            <a:ext cx="518091" cy="276999"/>
+          </a:xfrm>
+          <a:prstGeom prst="rect">
+            <a:avLst/>
+          </a:prstGeom>
+          <a:noFill/>
+        </p:spPr>
+        <p:txBody>
+          <a:bodyPr wrap="none" rtlCol="0">
+            <a:spAutoFit/>
+          </a:bodyPr>
+          <a:lstStyle/>
+          <a:p>
+            <a:r>
+              <a:rPr lang="en-US" altLang="zh-TW" sz="1200" b="1" dirty="0" smtClean="0">
+                <a:solidFill>
+                  <a:srgbClr val="FF0000"/>
+                </a:solidFill>
+              </a:rPr>
+              <a:t>&lt;(b)&gt;</a:t>
+            </a:r>
+            <a:endParaRPr lang="zh-TW" altLang="en-US" b="1" dirty="0">
+              <a:solidFill>
+                <a:srgbClr val="FF0000"/>
+              </a:solidFill>
+            </a:endParaRPr>
+          </a:p>
+        </p:txBody>
+      </p:sp>
+    </p:spTree>
+    <p:extLst>
+      <p:ext uri="{BB962C8B-B14F-4D97-AF65-F5344CB8AC3E}">
+        <p14:creationId xmlns:p14="http://schemas.microsoft.com/office/powerpoint/2010/main" val="858864195"/>
       </p:ext>
     </p:extLst>
   </p:cSld>
